--- a/WebServer.pptx
+++ b/WebServer.pptx
@@ -1,42 +1,44 @@
 
 <file path=ppt/presentation.xml><?xml version="1.0" encoding="utf-8"?>
-<p:presentation xmlns:a="http://schemas.openxmlformats.org/drawingml/2006/main" xmlns:r="http://schemas.openxmlformats.org/officeDocument/2006/relationships" xmlns:p="http://schemas.openxmlformats.org/presentationml/2006/main" removePersonalInfoOnSave="1" saveSubsetFonts="1">
+<p:presentation xmlns:a="http://schemas.openxmlformats.org/drawingml/2006/main" xmlns:r="http://schemas.openxmlformats.org/officeDocument/2006/relationships" xmlns:p="http://schemas.openxmlformats.org/presentationml/2006/main" removePersonalInfoOnSave="1">
   <p:sldMasterIdLst>
-    <p:sldMasterId id="2147483648" r:id="rId4"/>
+    <p:sldMasterId id="2147483648" r:id="rId1"/>
   </p:sldMasterIdLst>
   <p:notesMasterIdLst>
-    <p:notesMasterId r:id="rId34"/>
+    <p:notesMasterId r:id="rId4"/>
   </p:notesMasterIdLst>
   <p:sldIdLst>
-    <p:sldId id="256" r:id="rId5"/>
-    <p:sldId id="316" r:id="rId6"/>
-    <p:sldId id="257" r:id="rId7"/>
-    <p:sldId id="317" r:id="rId8"/>
-    <p:sldId id="258" r:id="rId9"/>
-    <p:sldId id="259" r:id="rId10"/>
-    <p:sldId id="318" r:id="rId11"/>
-    <p:sldId id="260" r:id="rId12"/>
-    <p:sldId id="261" r:id="rId13"/>
-    <p:sldId id="262" r:id="rId14"/>
-    <p:sldId id="263" r:id="rId15"/>
-    <p:sldId id="264" r:id="rId16"/>
-    <p:sldId id="265" r:id="rId17"/>
-    <p:sldId id="303" r:id="rId18"/>
-    <p:sldId id="304" r:id="rId19"/>
-    <p:sldId id="305" r:id="rId20"/>
-    <p:sldId id="306" r:id="rId21"/>
-    <p:sldId id="307" r:id="rId22"/>
-    <p:sldId id="308" r:id="rId23"/>
-    <p:sldId id="319" r:id="rId24"/>
-    <p:sldId id="309" r:id="rId25"/>
-    <p:sldId id="310" r:id="rId26"/>
-    <p:sldId id="320" r:id="rId27"/>
-    <p:sldId id="311" r:id="rId28"/>
-    <p:sldId id="314" r:id="rId29"/>
-    <p:sldId id="321" r:id="rId30"/>
-    <p:sldId id="312" r:id="rId31"/>
-    <p:sldId id="315" r:id="rId32"/>
-    <p:sldId id="322" r:id="rId33"/>
+    <p:sldId id="256" r:id="rId3"/>
+    <p:sldId id="316" r:id="rId5"/>
+    <p:sldId id="257" r:id="rId6"/>
+    <p:sldId id="317" r:id="rId7"/>
+    <p:sldId id="258" r:id="rId8"/>
+    <p:sldId id="259" r:id="rId9"/>
+    <p:sldId id="318" r:id="rId10"/>
+    <p:sldId id="260" r:id="rId11"/>
+    <p:sldId id="261" r:id="rId12"/>
+    <p:sldId id="262" r:id="rId13"/>
+    <p:sldId id="263" r:id="rId14"/>
+    <p:sldId id="264" r:id="rId15"/>
+    <p:sldId id="265" r:id="rId16"/>
+    <p:sldId id="303" r:id="rId17"/>
+    <p:sldId id="304" r:id="rId18"/>
+    <p:sldId id="305" r:id="rId19"/>
+    <p:sldId id="306" r:id="rId20"/>
+    <p:sldId id="307" r:id="rId21"/>
+    <p:sldId id="308" r:id="rId22"/>
+    <p:sldId id="319" r:id="rId23"/>
+    <p:sldId id="309" r:id="rId24"/>
+    <p:sldId id="310" r:id="rId25"/>
+    <p:sldId id="344" r:id="rId26"/>
+    <p:sldId id="345" r:id="rId27"/>
+    <p:sldId id="320" r:id="rId28"/>
+    <p:sldId id="311" r:id="rId29"/>
+    <p:sldId id="314" r:id="rId30"/>
+    <p:sldId id="321" r:id="rId31"/>
+    <p:sldId id="312" r:id="rId32"/>
+    <p:sldId id="315" r:id="rId33"/>
+    <p:sldId id="322" r:id="rId34"/>
   </p:sldIdLst>
   <p:sldSz cx="9144000" cy="6858000" type="screen4x3"/>
   <p:notesSz cx="6858000" cy="9144000"/>
@@ -220,8 +222,6 @@
           <a:p>
             <a:fld id="{596203C1-616A-4651-A577-7BA09B384D13}" type="datetimeFigureOut">
               <a:rPr/>
-              <a:pPr/>
-              <a:t>9/6/2006</a:t>
             </a:fld>
             <a:endParaRPr lang="zh-CN"/>
           </a:p>
@@ -290,6 +290,7 @@
               <a:rPr lang="zh-CN"/>
               <a:t>单击此处编辑母版文本样式</a:t>
             </a:r>
+            <a:endParaRPr lang="zh-CN"/>
           </a:p>
           <a:p>
             <a:pPr lvl="1"/>
@@ -297,6 +298,7 @@
               <a:rPr lang="zh-CN"/>
               <a:t>第二级</a:t>
             </a:r>
+            <a:endParaRPr lang="zh-CN"/>
           </a:p>
           <a:p>
             <a:pPr lvl="2"/>
@@ -304,6 +306,7 @@
               <a:rPr lang="zh-CN"/>
               <a:t>第三级</a:t>
             </a:r>
+            <a:endParaRPr lang="zh-CN"/>
           </a:p>
           <a:p>
             <a:pPr lvl="3"/>
@@ -311,6 +314,7 @@
               <a:rPr lang="zh-CN"/>
               <a:t>第四级</a:t>
             </a:r>
+            <a:endParaRPr lang="zh-CN"/>
           </a:p>
           <a:p>
             <a:pPr lvl="4"/>
@@ -318,6 +322,7 @@
               <a:rPr lang="zh-CN"/>
               <a:t>第五级</a:t>
             </a:r>
+            <a:endParaRPr lang="zh-CN"/>
           </a:p>
         </p:txBody>
       </p:sp>
@@ -381,8 +386,6 @@
           <a:p>
             <a:fld id="{07B8B279-4079-43B3-8013-D8D81AB870A7}" type="slidenum">
               <a:rPr/>
-              <a:pPr/>
-              <a:t>‹#›</a:t>
             </a:fld>
             <a:endParaRPr lang="zh-CN"/>
           </a:p>
@@ -553,8 +556,6 @@
           <a:p>
             <a:fld id="{07B8B279-4079-43B3-8013-D8D81AB870A7}" type="slidenum">
               <a:rPr lang="zh-CN" smtClean="0"/>
-              <a:pPr/>
-              <a:t>1</a:t>
             </a:fld>
             <a:endParaRPr lang="zh-CN"/>
           </a:p>
@@ -635,8 +636,6 @@
           <a:p>
             <a:fld id="{07B8B279-4079-43B3-8013-D8D81AB870A7}" type="slidenum">
               <a:rPr lang="en-US" altLang="zh-CN" smtClean="0"/>
-              <a:pPr/>
-              <a:t>13</a:t>
             </a:fld>
             <a:endParaRPr lang="zh-CN"/>
           </a:p>
@@ -717,8 +716,6 @@
           <a:p>
             <a:fld id="{07B8B279-4079-43B3-8013-D8D81AB870A7}" type="slidenum">
               <a:rPr lang="en-US" altLang="zh-CN" smtClean="0"/>
-              <a:pPr/>
-              <a:t>14</a:t>
             </a:fld>
             <a:endParaRPr lang="zh-CN"/>
           </a:p>
@@ -799,8 +796,6 @@
           <a:p>
             <a:fld id="{07B8B279-4079-43B3-8013-D8D81AB870A7}" type="slidenum">
               <a:rPr lang="en-US" altLang="zh-CN" smtClean="0"/>
-              <a:pPr/>
-              <a:t>15</a:t>
             </a:fld>
             <a:endParaRPr lang="zh-CN"/>
           </a:p>
@@ -881,8 +876,6 @@
           <a:p>
             <a:fld id="{07B8B279-4079-43B3-8013-D8D81AB870A7}" type="slidenum">
               <a:rPr lang="en-US" altLang="zh-CN" smtClean="0"/>
-              <a:pPr/>
-              <a:t>16</a:t>
             </a:fld>
             <a:endParaRPr lang="zh-CN"/>
           </a:p>
@@ -963,8 +956,6 @@
           <a:p>
             <a:fld id="{07B8B279-4079-43B3-8013-D8D81AB870A7}" type="slidenum">
               <a:rPr lang="en-US" altLang="zh-CN" smtClean="0"/>
-              <a:pPr/>
-              <a:t>17</a:t>
             </a:fld>
             <a:endParaRPr lang="zh-CN"/>
           </a:p>
@@ -1045,8 +1036,6 @@
           <a:p>
             <a:fld id="{07B8B279-4079-43B3-8013-D8D81AB870A7}" type="slidenum">
               <a:rPr lang="en-US" altLang="zh-CN" smtClean="0"/>
-              <a:pPr/>
-              <a:t>18</a:t>
             </a:fld>
             <a:endParaRPr lang="zh-CN"/>
           </a:p>
@@ -1127,8 +1116,6 @@
           <a:p>
             <a:fld id="{07B8B279-4079-43B3-8013-D8D81AB870A7}" type="slidenum">
               <a:rPr lang="en-US" altLang="zh-CN" smtClean="0"/>
-              <a:pPr/>
-              <a:t>19</a:t>
             </a:fld>
             <a:endParaRPr lang="zh-CN"/>
           </a:p>
@@ -1209,8 +1196,6 @@
           <a:p>
             <a:fld id="{07B8B279-4079-43B3-8013-D8D81AB870A7}" type="slidenum">
               <a:rPr lang="en-US" altLang="zh-CN" smtClean="0"/>
-              <a:pPr/>
-              <a:t>21</a:t>
             </a:fld>
             <a:endParaRPr lang="zh-CN"/>
           </a:p>
@@ -1291,8 +1276,6 @@
           <a:p>
             <a:fld id="{07B8B279-4079-43B3-8013-D8D81AB870A7}" type="slidenum">
               <a:rPr lang="en-US" altLang="zh-CN" smtClean="0"/>
-              <a:pPr/>
-              <a:t>22</a:t>
             </a:fld>
             <a:endParaRPr lang="zh-CN"/>
           </a:p>
@@ -1373,8 +1356,6 @@
           <a:p>
             <a:fld id="{07B8B279-4079-43B3-8013-D8D81AB870A7}" type="slidenum">
               <a:rPr lang="en-US" altLang="zh-CN" smtClean="0"/>
-              <a:pPr/>
-              <a:t>24</a:t>
             </a:fld>
             <a:endParaRPr lang="zh-CN"/>
           </a:p>
@@ -1455,8 +1436,6 @@
           <a:p>
             <a:fld id="{07B8B279-4079-43B3-8013-D8D81AB870A7}" type="slidenum">
               <a:rPr lang="en-US" altLang="zh-CN" smtClean="0"/>
-              <a:pPr/>
-              <a:t>3</a:t>
             </a:fld>
             <a:endParaRPr lang="zh-CN"/>
           </a:p>
@@ -1537,8 +1516,6 @@
           <a:p>
             <a:fld id="{07B8B279-4079-43B3-8013-D8D81AB870A7}" type="slidenum">
               <a:rPr lang="en-US" altLang="zh-CN" smtClean="0"/>
-              <a:pPr/>
-              <a:t>25</a:t>
             </a:fld>
             <a:endParaRPr lang="zh-CN"/>
           </a:p>
@@ -1619,8 +1596,6 @@
           <a:p>
             <a:fld id="{07B8B279-4079-43B3-8013-D8D81AB870A7}" type="slidenum">
               <a:rPr lang="en-US" altLang="zh-CN" smtClean="0"/>
-              <a:pPr/>
-              <a:t>27</a:t>
             </a:fld>
             <a:endParaRPr lang="zh-CN"/>
           </a:p>
@@ -1701,8 +1676,6 @@
           <a:p>
             <a:fld id="{07B8B279-4079-43B3-8013-D8D81AB870A7}" type="slidenum">
               <a:rPr lang="en-US" altLang="zh-CN" smtClean="0"/>
-              <a:pPr/>
-              <a:t>28</a:t>
             </a:fld>
             <a:endParaRPr lang="zh-CN"/>
           </a:p>
@@ -1783,8 +1756,6 @@
           <a:p>
             <a:fld id="{07B8B279-4079-43B3-8013-D8D81AB870A7}" type="slidenum">
               <a:rPr lang="en-US" altLang="zh-CN" smtClean="0"/>
-              <a:pPr/>
-              <a:t>5</a:t>
             </a:fld>
             <a:endParaRPr lang="zh-CN"/>
           </a:p>
@@ -1865,8 +1836,6 @@
           <a:p>
             <a:fld id="{07B8B279-4079-43B3-8013-D8D81AB870A7}" type="slidenum">
               <a:rPr lang="en-US" altLang="zh-CN" smtClean="0"/>
-              <a:pPr/>
-              <a:t>6</a:t>
             </a:fld>
             <a:endParaRPr lang="zh-CN"/>
           </a:p>
@@ -1947,8 +1916,6 @@
           <a:p>
             <a:fld id="{07B8B279-4079-43B3-8013-D8D81AB870A7}" type="slidenum">
               <a:rPr lang="en-US" altLang="zh-CN" smtClean="0"/>
-              <a:pPr/>
-              <a:t>8</a:t>
             </a:fld>
             <a:endParaRPr lang="zh-CN"/>
           </a:p>
@@ -2029,8 +1996,6 @@
           <a:p>
             <a:fld id="{07B8B279-4079-43B3-8013-D8D81AB870A7}" type="slidenum">
               <a:rPr lang="en-US" altLang="zh-CN" smtClean="0"/>
-              <a:pPr/>
-              <a:t>9</a:t>
             </a:fld>
             <a:endParaRPr lang="zh-CN"/>
           </a:p>
@@ -2111,8 +2076,6 @@
           <a:p>
             <a:fld id="{07B8B279-4079-43B3-8013-D8D81AB870A7}" type="slidenum">
               <a:rPr lang="en-US" altLang="zh-CN" smtClean="0"/>
-              <a:pPr/>
-              <a:t>10</a:t>
             </a:fld>
             <a:endParaRPr lang="zh-CN"/>
           </a:p>
@@ -2193,8 +2156,6 @@
           <a:p>
             <a:fld id="{07B8B279-4079-43B3-8013-D8D81AB870A7}" type="slidenum">
               <a:rPr lang="en-US" altLang="zh-CN" smtClean="0"/>
-              <a:pPr/>
-              <a:t>11</a:t>
             </a:fld>
             <a:endParaRPr lang="zh-CN"/>
           </a:p>
@@ -2275,8 +2236,6 @@
           <a:p>
             <a:fld id="{07B8B279-4079-43B3-8013-D8D81AB870A7}" type="slidenum">
               <a:rPr lang="en-US" altLang="zh-CN" smtClean="0"/>
-              <a:pPr/>
-              <a:t>12</a:t>
             </a:fld>
             <a:endParaRPr lang="zh-CN"/>
           </a:p>
@@ -2291,7 +2250,7 @@
 </file>
 
 <file path=ppt/slideLayouts/slideLayout1.xml><?xml version="1.0" encoding="utf-8"?>
-<p:sldLayout xmlns:a="http://schemas.openxmlformats.org/drawingml/2006/main" xmlns:r="http://schemas.openxmlformats.org/officeDocument/2006/relationships" xmlns:p="http://schemas.openxmlformats.org/presentationml/2006/main" showMasterSp="0" type="title" preserve="1">
+<p:sldLayout xmlns:a="http://schemas.openxmlformats.org/drawingml/2006/main" xmlns:r="http://schemas.openxmlformats.org/officeDocument/2006/relationships" xmlns:p="http://schemas.openxmlformats.org/presentationml/2006/main" type="title" preserve="1" showMasterSp="0">
   <p:cSld name="标题幻灯片">
     <p:spTree>
       <p:nvGrpSpPr>
@@ -2602,7 +2561,7 @@
         <p:txBody>
           <a:bodyPr lIns="182880" tIns="0"/>
           <a:lstStyle>
-            <a:lvl1pPr marL="36576" indent="0" algn="r" latinLnBrk="0">
+            <a:lvl1pPr marL="36830" indent="0" algn="r" latinLnBrk="0">
               <a:spcBef>
                 <a:spcPts val="0"/>
               </a:spcBef>
@@ -2666,8 +2625,6 @@
           <a:p>
             <a:fld id="{633EFA78-DE0E-433D-8CFA-D9FBF0D95DCD}" type="datetime1">
               <a:rPr/>
-              <a:pPr/>
-              <a:t>9/6/2006</a:t>
             </a:fld>
             <a:endParaRPr lang="zh-CN"/>
           </a:p>
@@ -2709,8 +2666,6 @@
           <a:p>
             <a:fld id="{E7F13AF2-DCC4-4842-96BC-1B9869901C37}" type="slidenum">
               <a:rPr/>
-              <a:pPr/>
-              <a:t>‹#›</a:t>
             </a:fld>
             <a:endParaRPr lang="zh-CN"/>
           </a:p>
@@ -2794,6 +2749,7 @@
               <a:rPr lang="zh-CN" altLang="en-US" smtClean="0"/>
               <a:t>单击此处编辑母版文本样式</a:t>
             </a:r>
+            <a:endParaRPr lang="zh-CN" altLang="en-US" smtClean="0"/>
           </a:p>
           <a:p>
             <a:pPr lvl="1"/>
@@ -2801,6 +2757,7 @@
               <a:rPr lang="zh-CN" altLang="en-US" smtClean="0"/>
               <a:t>第二级</a:t>
             </a:r>
+            <a:endParaRPr lang="zh-CN" altLang="en-US" smtClean="0"/>
           </a:p>
           <a:p>
             <a:pPr lvl="2"/>
@@ -2808,6 +2765,7 @@
               <a:rPr lang="zh-CN" altLang="en-US" smtClean="0"/>
               <a:t>第三级</a:t>
             </a:r>
+            <a:endParaRPr lang="zh-CN" altLang="en-US" smtClean="0"/>
           </a:p>
           <a:p>
             <a:pPr lvl="3"/>
@@ -2815,6 +2773,7 @@
               <a:rPr lang="zh-CN" altLang="en-US" smtClean="0"/>
               <a:t>第四级</a:t>
             </a:r>
+            <a:endParaRPr lang="zh-CN" altLang="en-US" smtClean="0"/>
           </a:p>
           <a:p>
             <a:pPr lvl="4"/>
@@ -2843,8 +2802,6 @@
           <a:p>
             <a:fld id="{4427F9C6-20A9-45D8-B666-D95AD1AA535F}" type="datetime1">
               <a:rPr/>
-              <a:pPr/>
-              <a:t>9/6/2006</a:t>
             </a:fld>
             <a:endParaRPr lang="zh-CN"/>
           </a:p>
@@ -2886,8 +2843,6 @@
           <a:p>
             <a:fld id="{66C9E71F-78A0-4868-970E-5692D76DECFE}" type="slidenum">
               <a:rPr/>
-              <a:pPr/>
-              <a:t>‹#›</a:t>
             </a:fld>
             <a:endParaRPr lang="zh-CN"/>
           </a:p>
@@ -2902,7 +2857,7 @@
 </file>
 
 <file path=ppt/slideLayouts/slideLayout3.xml><?xml version="1.0" encoding="utf-8"?>
-<p:sldLayout xmlns:a="http://schemas.openxmlformats.org/drawingml/2006/main" xmlns:r="http://schemas.openxmlformats.org/officeDocument/2006/relationships" xmlns:p="http://schemas.openxmlformats.org/presentationml/2006/main" showMasterSp="0" type="secHead" preserve="1">
+<p:sldLayout xmlns:a="http://schemas.openxmlformats.org/drawingml/2006/main" xmlns:r="http://schemas.openxmlformats.org/officeDocument/2006/relationships" xmlns:p="http://schemas.openxmlformats.org/presentationml/2006/main" type="secHead" preserve="1" showMasterSp="0">
   <p:cSld name="节标题">
     <p:spTree>
       <p:nvGrpSpPr>
@@ -3207,7 +3162,7 @@
         <p:txBody>
           <a:bodyPr lIns="118872" tIns="0" anchor="t"/>
           <a:lstStyle>
-            <a:lvl1pPr marR="36576" algn="l" latinLnBrk="0">
+            <a:lvl1pPr marR="36830" algn="l" latinLnBrk="0">
               <a:spcAft>
                 <a:spcPts val="0"/>
               </a:spcAft>
@@ -3269,6 +3224,7 @@
               <a:rPr lang="zh-CN" altLang="en-US" smtClean="0"/>
               <a:t>单击此处编辑母版文本样式</a:t>
             </a:r>
+            <a:endParaRPr lang="zh-CN" altLang="en-US" smtClean="0"/>
           </a:p>
           <a:p>
             <a:pPr lvl="1"/>
@@ -3276,6 +3232,7 @@
               <a:rPr lang="zh-CN" altLang="en-US" smtClean="0"/>
               <a:t>第二级</a:t>
             </a:r>
+            <a:endParaRPr lang="zh-CN" altLang="en-US" smtClean="0"/>
           </a:p>
           <a:p>
             <a:pPr lvl="2"/>
@@ -3283,6 +3240,7 @@
               <a:rPr lang="zh-CN" altLang="en-US" smtClean="0"/>
               <a:t>第三级</a:t>
             </a:r>
+            <a:endParaRPr lang="zh-CN" altLang="en-US" smtClean="0"/>
           </a:p>
           <a:p>
             <a:pPr lvl="3"/>
@@ -3290,6 +3248,7 @@
               <a:rPr lang="zh-CN" altLang="en-US" smtClean="0"/>
               <a:t>第四级</a:t>
             </a:r>
+            <a:endParaRPr lang="zh-CN" altLang="en-US" smtClean="0"/>
           </a:p>
           <a:p>
             <a:pPr lvl="4"/>
@@ -3318,8 +3277,6 @@
           <a:p>
             <a:fld id="{CE9EB45F-50E8-4AF1-920B-265FC35EA31A}" type="datetime1">
               <a:rPr/>
-              <a:pPr/>
-              <a:t>9/6/2006</a:t>
             </a:fld>
             <a:endParaRPr lang="zh-CN"/>
           </a:p>
@@ -3361,8 +3318,6 @@
           <a:p>
             <a:fld id="{66C9E71F-78A0-4868-970E-5692D76DECFE}" type="slidenum">
               <a:rPr/>
-              <a:pPr/>
-              <a:t>‹#›</a:t>
             </a:fld>
             <a:endParaRPr lang="zh-CN"/>
           </a:p>
@@ -3457,6 +3412,7 @@
               <a:rPr lang="zh-CN" altLang="en-US" smtClean="0"/>
               <a:t>单击此处编辑母版文本样式</a:t>
             </a:r>
+            <a:endParaRPr lang="zh-CN" altLang="en-US" smtClean="0"/>
           </a:p>
           <a:p>
             <a:pPr lvl="1"/>
@@ -3464,6 +3420,7 @@
               <a:rPr lang="zh-CN" altLang="en-US" smtClean="0"/>
               <a:t>第二级</a:t>
             </a:r>
+            <a:endParaRPr lang="zh-CN" altLang="en-US" smtClean="0"/>
           </a:p>
           <a:p>
             <a:pPr lvl="2"/>
@@ -3471,6 +3428,7 @@
               <a:rPr lang="zh-CN" altLang="en-US" smtClean="0"/>
               <a:t>第三级</a:t>
             </a:r>
+            <a:endParaRPr lang="zh-CN" altLang="en-US" smtClean="0"/>
           </a:p>
           <a:p>
             <a:pPr lvl="3"/>
@@ -3478,6 +3436,7 @@
               <a:rPr lang="zh-CN" altLang="en-US" smtClean="0"/>
               <a:t>第四级</a:t>
             </a:r>
+            <a:endParaRPr lang="zh-CN" altLang="en-US" smtClean="0"/>
           </a:p>
           <a:p>
             <a:pPr lvl="4"/>
@@ -3530,6 +3489,7 @@
               <a:rPr lang="zh-CN" altLang="en-US" smtClean="0"/>
               <a:t>单击此处编辑母版文本样式</a:t>
             </a:r>
+            <a:endParaRPr lang="zh-CN" altLang="en-US" smtClean="0"/>
           </a:p>
           <a:p>
             <a:pPr lvl="1"/>
@@ -3537,6 +3497,7 @@
               <a:rPr lang="zh-CN" altLang="en-US" smtClean="0"/>
               <a:t>第二级</a:t>
             </a:r>
+            <a:endParaRPr lang="zh-CN" altLang="en-US" smtClean="0"/>
           </a:p>
           <a:p>
             <a:pPr lvl="2"/>
@@ -3544,6 +3505,7 @@
               <a:rPr lang="zh-CN" altLang="en-US" smtClean="0"/>
               <a:t>第三级</a:t>
             </a:r>
+            <a:endParaRPr lang="zh-CN" altLang="en-US" smtClean="0"/>
           </a:p>
           <a:p>
             <a:pPr lvl="3"/>
@@ -3551,6 +3513,7 @@
               <a:rPr lang="zh-CN" altLang="en-US" smtClean="0"/>
               <a:t>第四级</a:t>
             </a:r>
+            <a:endParaRPr lang="zh-CN" altLang="en-US" smtClean="0"/>
           </a:p>
           <a:p>
             <a:pPr lvl="4"/>
@@ -3579,8 +3542,6 @@
           <a:p>
             <a:fld id="{C969D76A-2E51-4D2B-9AFF-70F7EB3C2C68}" type="datetime1">
               <a:rPr/>
-              <a:pPr/>
-              <a:t>9/6/2006</a:t>
             </a:fld>
             <a:endParaRPr lang="zh-CN"/>
           </a:p>
@@ -3622,8 +3583,6 @@
           <a:p>
             <a:fld id="{66C9E71F-78A0-4868-970E-5692D76DECFE}" type="slidenum">
               <a:rPr/>
-              <a:pPr/>
-              <a:t>‹#›</a:t>
             </a:fld>
             <a:endParaRPr lang="zh-CN"/>
           </a:p>
@@ -3736,6 +3695,7 @@
               <a:rPr lang="zh-CN" altLang="en-US" smtClean="0"/>
               <a:t>单击此处编辑母版文本样式</a:t>
             </a:r>
+            <a:endParaRPr lang="zh-CN" altLang="en-US" smtClean="0"/>
           </a:p>
           <a:p>
             <a:pPr lvl="1"/>
@@ -3743,6 +3703,7 @@
               <a:rPr lang="zh-CN" altLang="en-US" smtClean="0"/>
               <a:t>第二级</a:t>
             </a:r>
+            <a:endParaRPr lang="zh-CN" altLang="en-US" smtClean="0"/>
           </a:p>
           <a:p>
             <a:pPr lvl="2"/>
@@ -3750,6 +3711,7 @@
               <a:rPr lang="zh-CN" altLang="en-US" smtClean="0"/>
               <a:t>第三级</a:t>
             </a:r>
+            <a:endParaRPr lang="zh-CN" altLang="en-US" smtClean="0"/>
           </a:p>
           <a:p>
             <a:pPr lvl="3"/>
@@ -3757,6 +3719,7 @@
               <a:rPr lang="zh-CN" altLang="en-US" smtClean="0"/>
               <a:t>第四级</a:t>
             </a:r>
+            <a:endParaRPr lang="zh-CN" altLang="en-US" smtClean="0"/>
           </a:p>
           <a:p>
             <a:pPr lvl="4"/>
@@ -3818,6 +3781,7 @@
               <a:rPr lang="zh-CN" altLang="en-US" smtClean="0"/>
               <a:t>单击此处编辑母版文本样式</a:t>
             </a:r>
+            <a:endParaRPr lang="zh-CN" altLang="en-US" smtClean="0"/>
           </a:p>
           <a:p>
             <a:pPr lvl="1"/>
@@ -3825,6 +3789,7 @@
               <a:rPr lang="zh-CN" altLang="en-US" smtClean="0"/>
               <a:t>第二级</a:t>
             </a:r>
+            <a:endParaRPr lang="zh-CN" altLang="en-US" smtClean="0"/>
           </a:p>
           <a:p>
             <a:pPr lvl="2"/>
@@ -3832,6 +3797,7 @@
               <a:rPr lang="zh-CN" altLang="en-US" smtClean="0"/>
               <a:t>第三级</a:t>
             </a:r>
+            <a:endParaRPr lang="zh-CN" altLang="en-US" smtClean="0"/>
           </a:p>
           <a:p>
             <a:pPr lvl="3"/>
@@ -3839,6 +3805,7 @@
               <a:rPr lang="zh-CN" altLang="en-US" smtClean="0"/>
               <a:t>第四级</a:t>
             </a:r>
+            <a:endParaRPr lang="zh-CN" altLang="en-US" smtClean="0"/>
           </a:p>
           <a:p>
             <a:pPr lvl="4"/>
@@ -3891,6 +3858,7 @@
               <a:rPr lang="zh-CN" altLang="en-US" smtClean="0"/>
               <a:t>单击此处编辑母版文本样式</a:t>
             </a:r>
+            <a:endParaRPr lang="zh-CN" altLang="en-US" smtClean="0"/>
           </a:p>
           <a:p>
             <a:pPr lvl="1"/>
@@ -3898,6 +3866,7 @@
               <a:rPr lang="zh-CN" altLang="en-US" smtClean="0"/>
               <a:t>第二级</a:t>
             </a:r>
+            <a:endParaRPr lang="zh-CN" altLang="en-US" smtClean="0"/>
           </a:p>
           <a:p>
             <a:pPr lvl="2"/>
@@ -3905,6 +3874,7 @@
               <a:rPr lang="zh-CN" altLang="en-US" smtClean="0"/>
               <a:t>第三级</a:t>
             </a:r>
+            <a:endParaRPr lang="zh-CN" altLang="en-US" smtClean="0"/>
           </a:p>
           <a:p>
             <a:pPr lvl="3"/>
@@ -3912,6 +3882,7 @@
               <a:rPr lang="zh-CN" altLang="en-US" smtClean="0"/>
               <a:t>第四级</a:t>
             </a:r>
+            <a:endParaRPr lang="zh-CN" altLang="en-US" smtClean="0"/>
           </a:p>
           <a:p>
             <a:pPr lvl="4"/>
@@ -3964,6 +3935,7 @@
               <a:rPr lang="zh-CN" altLang="en-US" smtClean="0"/>
               <a:t>单击此处编辑母版文本样式</a:t>
             </a:r>
+            <a:endParaRPr lang="zh-CN" altLang="en-US" smtClean="0"/>
           </a:p>
           <a:p>
             <a:pPr lvl="1"/>
@@ -3971,6 +3943,7 @@
               <a:rPr lang="zh-CN" altLang="en-US" smtClean="0"/>
               <a:t>第二级</a:t>
             </a:r>
+            <a:endParaRPr lang="zh-CN" altLang="en-US" smtClean="0"/>
           </a:p>
           <a:p>
             <a:pPr lvl="2"/>
@@ -3978,6 +3951,7 @@
               <a:rPr lang="zh-CN" altLang="en-US" smtClean="0"/>
               <a:t>第三级</a:t>
             </a:r>
+            <a:endParaRPr lang="zh-CN" altLang="en-US" smtClean="0"/>
           </a:p>
           <a:p>
             <a:pPr lvl="3"/>
@@ -3985,6 +3959,7 @@
               <a:rPr lang="zh-CN" altLang="en-US" smtClean="0"/>
               <a:t>第四级</a:t>
             </a:r>
+            <a:endParaRPr lang="zh-CN" altLang="en-US" smtClean="0"/>
           </a:p>
           <a:p>
             <a:pPr lvl="4"/>
@@ -4013,8 +3988,6 @@
           <a:p>
             <a:fld id="{BDB85F57-6490-4460-90DC-FC5EE5C36A66}" type="datetime1">
               <a:rPr/>
-              <a:pPr/>
-              <a:t>9/6/2006</a:t>
             </a:fld>
             <a:endParaRPr lang="zh-CN"/>
           </a:p>
@@ -4056,8 +4029,6 @@
           <a:p>
             <a:fld id="{66C9E71F-78A0-4868-970E-5692D76DECFE}" type="slidenum">
               <a:rPr/>
-              <a:pPr/>
-              <a:t>‹#›</a:t>
             </a:fld>
             <a:endParaRPr lang="zh-CN"/>
           </a:p>
@@ -4128,8 +4099,6 @@
           <a:p>
             <a:fld id="{5AFB2161-9FCA-498A-A51E-7B90071250E8}" type="datetime1">
               <a:rPr/>
-              <a:pPr/>
-              <a:t>9/6/2006</a:t>
             </a:fld>
             <a:endParaRPr lang="zh-CN"/>
           </a:p>
@@ -4171,8 +4140,6 @@
           <a:p>
             <a:fld id="{66C9E71F-78A0-4868-970E-5692D76DECFE}" type="slidenum">
               <a:rPr/>
-              <a:pPr/>
-              <a:t>‹#›</a:t>
             </a:fld>
             <a:endParaRPr lang="zh-CN"/>
           </a:p>
@@ -4187,7 +4154,7 @@
 </file>
 
 <file path=ppt/slideLayouts/slideLayout7.xml><?xml version="1.0" encoding="utf-8"?>
-<p:sldLayout xmlns:a="http://schemas.openxmlformats.org/drawingml/2006/main" xmlns:r="http://schemas.openxmlformats.org/officeDocument/2006/relationships" xmlns:p="http://schemas.openxmlformats.org/presentationml/2006/main" showMasterSp="0" type="blank" preserve="1">
+<p:sldLayout xmlns:a="http://schemas.openxmlformats.org/drawingml/2006/main" xmlns:r="http://schemas.openxmlformats.org/officeDocument/2006/relationships" xmlns:p="http://schemas.openxmlformats.org/presentationml/2006/main" type="blank" preserve="1" showMasterSp="0">
   <p:cSld name="空白">
     <p:spTree>
       <p:nvGrpSpPr>
@@ -4380,8 +4347,6 @@
           <a:p>
             <a:fld id="{9F5395AF-258B-4502-92DF-E211AA281B41}" type="datetime1">
               <a:rPr/>
-              <a:pPr/>
-              <a:t>9/6/2006</a:t>
             </a:fld>
             <a:endParaRPr lang="zh-CN"/>
           </a:p>
@@ -4423,8 +4388,6 @@
           <a:p>
             <a:fld id="{66C9E71F-78A0-4868-970E-5692D76DECFE}" type="slidenum">
               <a:rPr/>
-              <a:pPr/>
-              <a:t>‹#›</a:t>
             </a:fld>
             <a:endParaRPr lang="zh-CN"/>
           </a:p>
@@ -4511,7 +4474,7 @@
         <p:txBody>
           <a:bodyPr lIns="91440"/>
           <a:lstStyle>
-            <a:lvl1pPr marL="18288" marR="18288" indent="0" latinLnBrk="0">
+            <a:lvl1pPr marL="18415" marR="18415" indent="0" latinLnBrk="0">
               <a:spcBef>
                 <a:spcPts val="0"/>
               </a:spcBef>
@@ -4545,6 +4508,7 @@
               <a:rPr lang="zh-CN" altLang="en-US" smtClean="0"/>
               <a:t>单击此处编辑母版文本样式</a:t>
             </a:r>
+            <a:endParaRPr lang="zh-CN" altLang="en-US" smtClean="0"/>
           </a:p>
           <a:p>
             <a:pPr lvl="1"/>
@@ -4552,6 +4516,7 @@
               <a:rPr lang="zh-CN" altLang="en-US" smtClean="0"/>
               <a:t>第二级</a:t>
             </a:r>
+            <a:endParaRPr lang="zh-CN" altLang="en-US" smtClean="0"/>
           </a:p>
           <a:p>
             <a:pPr lvl="2"/>
@@ -4559,6 +4524,7 @@
               <a:rPr lang="zh-CN" altLang="en-US" smtClean="0"/>
               <a:t>第三级</a:t>
             </a:r>
+            <a:endParaRPr lang="zh-CN" altLang="en-US" smtClean="0"/>
           </a:p>
           <a:p>
             <a:pPr lvl="3"/>
@@ -4566,6 +4532,7 @@
               <a:rPr lang="zh-CN" altLang="en-US" smtClean="0"/>
               <a:t>第四级</a:t>
             </a:r>
+            <a:endParaRPr lang="zh-CN" altLang="en-US" smtClean="0"/>
           </a:p>
           <a:p>
             <a:pPr lvl="4"/>
@@ -4642,6 +4609,7 @@
               <a:rPr lang="zh-CN" altLang="en-US" smtClean="0"/>
               <a:t>单击此处编辑母版文本样式</a:t>
             </a:r>
+            <a:endParaRPr lang="zh-CN" altLang="en-US" smtClean="0"/>
           </a:p>
           <a:p>
             <a:pPr lvl="1"/>
@@ -4649,6 +4617,7 @@
               <a:rPr lang="zh-CN" altLang="en-US" smtClean="0"/>
               <a:t>第二级</a:t>
             </a:r>
+            <a:endParaRPr lang="zh-CN" altLang="en-US" smtClean="0"/>
           </a:p>
           <a:p>
             <a:pPr lvl="2"/>
@@ -4656,6 +4625,7 @@
               <a:rPr lang="zh-CN" altLang="en-US" smtClean="0"/>
               <a:t>第三级</a:t>
             </a:r>
+            <a:endParaRPr lang="zh-CN" altLang="en-US" smtClean="0"/>
           </a:p>
           <a:p>
             <a:pPr lvl="3"/>
@@ -4663,6 +4633,7 @@
               <a:rPr lang="zh-CN" altLang="en-US" smtClean="0"/>
               <a:t>第四级</a:t>
             </a:r>
+            <a:endParaRPr lang="zh-CN" altLang="en-US" smtClean="0"/>
           </a:p>
           <a:p>
             <a:pPr lvl="4"/>
@@ -4691,8 +4662,6 @@
           <a:p>
             <a:fld id="{378FFA21-88D5-4090-AE34-A717F3009131}" type="datetime1">
               <a:rPr/>
-              <a:pPr/>
-              <a:t>9/6/2006</a:t>
             </a:fld>
             <a:endParaRPr lang="zh-CN"/>
           </a:p>
@@ -4734,8 +4703,6 @@
           <a:p>
             <a:fld id="{66C9E71F-78A0-4868-970E-5692D76DECFE}" type="slidenum">
               <a:rPr/>
-              <a:pPr/>
-              <a:t>‹#›</a:t>
             </a:fld>
             <a:endParaRPr lang="zh-CN"/>
           </a:p>
@@ -4750,7 +4717,7 @@
 </file>
 
 <file path=ppt/slideLayouts/slideLayout9.xml><?xml version="1.0" encoding="utf-8"?>
-<p:sldLayout xmlns:a="http://schemas.openxmlformats.org/drawingml/2006/main" xmlns:r="http://schemas.openxmlformats.org/officeDocument/2006/relationships" xmlns:p="http://schemas.openxmlformats.org/presentationml/2006/main" showMasterSp="0" type="picTx" preserve="1">
+<p:sldLayout xmlns:a="http://schemas.openxmlformats.org/drawingml/2006/main" xmlns:r="http://schemas.openxmlformats.org/officeDocument/2006/relationships" xmlns:p="http://schemas.openxmlformats.org/presentationml/2006/main" type="picTx" preserve="1" showMasterSp="0">
   <p:cSld name="图片与标题">
     <p:spTree>
       <p:nvGrpSpPr>
@@ -5059,6 +5026,7 @@
               <a:rPr lang="zh-CN" altLang="en-US" smtClean="0"/>
               <a:t>单击此处编辑母版文本样式</a:t>
             </a:r>
+            <a:endParaRPr lang="zh-CN" altLang="en-US" smtClean="0"/>
           </a:p>
           <a:p>
             <a:pPr lvl="1"/>
@@ -5066,6 +5034,7 @@
               <a:rPr lang="zh-CN" altLang="en-US" smtClean="0"/>
               <a:t>第二级</a:t>
             </a:r>
+            <a:endParaRPr lang="zh-CN" altLang="en-US" smtClean="0"/>
           </a:p>
           <a:p>
             <a:pPr lvl="2"/>
@@ -5073,6 +5042,7 @@
               <a:rPr lang="zh-CN" altLang="en-US" smtClean="0"/>
               <a:t>第三级</a:t>
             </a:r>
+            <a:endParaRPr lang="zh-CN" altLang="en-US" smtClean="0"/>
           </a:p>
           <a:p>
             <a:pPr lvl="3"/>
@@ -5080,6 +5050,7 @@
               <a:rPr lang="zh-CN" altLang="en-US" smtClean="0"/>
               <a:t>第四级</a:t>
             </a:r>
+            <a:endParaRPr lang="zh-CN" altLang="en-US" smtClean="0"/>
           </a:p>
           <a:p>
             <a:pPr lvl="4"/>
@@ -5108,8 +5079,6 @@
           <a:p>
             <a:fld id="{25A654AA-2757-4A51-86CD-6D20456BDD0A}" type="datetime1">
               <a:rPr/>
-              <a:pPr/>
-              <a:t>9/6/2006</a:t>
             </a:fld>
             <a:endParaRPr lang="zh-CN"/>
           </a:p>
@@ -5151,8 +5120,6 @@
           <a:p>
             <a:fld id="{66C9E71F-78A0-4868-970E-5692D76DECFE}" type="slidenum">
               <a:rPr/>
-              <a:pPr/>
-              <a:t>‹#›</a:t>
             </a:fld>
             <a:endParaRPr lang="zh-CN"/>
           </a:p>
@@ -5240,7 +5207,7 @@
           <a:bodyPr anchor="ctr"/>
           <a:lstStyle/>
           <a:p>
-            <a:pPr marL="27432" algn="l"/>
+            <a:pPr marL="27305" algn="l"/>
             <a:endParaRPr lang="zh-CN"/>
           </a:p>
         </p:txBody>
@@ -5534,6 +5501,7 @@
               <a:rPr lang="zh-CN"/>
               <a:t>单击此处编辑母版标题样式</a:t>
             </a:r>
+            <a:endParaRPr lang="zh-CN"/>
           </a:p>
         </p:txBody>
       </p:sp>
@@ -5567,6 +5535,7 @@
               <a:rPr lang="zh-CN"/>
               <a:t>单击此处编辑母版文本样式</a:t>
             </a:r>
+            <a:endParaRPr lang="zh-CN"/>
           </a:p>
           <a:p>
             <a:pPr lvl="1"/>
@@ -5574,6 +5543,7 @@
               <a:rPr lang="zh-CN"/>
               <a:t>第二级</a:t>
             </a:r>
+            <a:endParaRPr lang="zh-CN"/>
           </a:p>
           <a:p>
             <a:pPr lvl="2"/>
@@ -5581,6 +5551,7 @@
               <a:rPr lang="zh-CN"/>
               <a:t>第三级</a:t>
             </a:r>
+            <a:endParaRPr lang="zh-CN"/>
           </a:p>
           <a:p>
             <a:pPr lvl="3"/>
@@ -5588,6 +5559,7 @@
               <a:rPr lang="zh-CN"/>
               <a:t>第四级</a:t>
             </a:r>
+            <a:endParaRPr lang="zh-CN"/>
           </a:p>
           <a:p>
             <a:pPr lvl="4"/>
@@ -5595,6 +5567,7 @@
               <a:rPr lang="zh-CN"/>
               <a:t>第五级</a:t>
             </a:r>
+            <a:endParaRPr lang="zh-CN"/>
           </a:p>
           <a:p>
             <a:pPr lvl="5"/>
@@ -5602,6 +5575,7 @@
               <a:rPr lang="zh-CN"/>
               <a:t>第六级</a:t>
             </a:r>
+            <a:endParaRPr lang="zh-CN"/>
           </a:p>
           <a:p>
             <a:pPr lvl="6"/>
@@ -5609,6 +5583,7 @@
               <a:rPr lang="zh-CN"/>
               <a:t>第七级</a:t>
             </a:r>
+            <a:endParaRPr lang="zh-CN"/>
           </a:p>
           <a:p>
             <a:pPr lvl="7"/>
@@ -5616,6 +5591,7 @@
               <a:rPr lang="zh-CN"/>
               <a:t>第八级</a:t>
             </a:r>
+            <a:endParaRPr lang="zh-CN"/>
           </a:p>
           <a:p>
             <a:pPr lvl="8"/>
@@ -5623,6 +5599,7 @@
               <a:rPr lang="zh-CN"/>
               <a:t>第九级</a:t>
             </a:r>
+            <a:endParaRPr lang="zh-CN"/>
           </a:p>
         </p:txBody>
       </p:sp>
@@ -5662,8 +5639,6 @@
             <a:pPr algn="r"/>
             <a:fld id="{1BC102A9-C1B1-4354-89E4-F43472216A4F}" type="datetime1">
               <a:rPr/>
-              <a:pPr algn="r"/>
-              <a:t>9/6/2006</a:t>
             </a:fld>
             <a:endParaRPr lang="zh-CN" sz="1000">
               <a:solidFill>
@@ -5760,8 +5735,6 @@
                   </a:schemeClr>
                 </a:solidFill>
               </a:rPr>
-              <a:pPr/>
-              <a:t>‹#›</a:t>
             </a:fld>
             <a:endParaRPr lang="zh-CN" sz="1000">
               <a:solidFill>
@@ -5815,7 +5788,7 @@
       </a:lvl1pPr>
     </p:titleStyle>
     <p:bodyStyle>
-      <a:lvl1pPr marL="265176" indent="-265176" algn="l" rtl="0" eaLnBrk="1" latinLnBrk="0" hangingPunct="1">
+      <a:lvl1pPr marL="265430" indent="-265430" algn="l" rtl="0" eaLnBrk="1" latinLnBrk="0" hangingPunct="1">
         <a:spcBef>
           <a:spcPts val="250"/>
         </a:spcBef>
@@ -5823,7 +5796,7 @@
           <a:schemeClr val="accent1"/>
         </a:buClr>
         <a:buSzPct val="80000"/>
-        <a:buFont typeface="Wingdings 2"/>
+        <a:buFont typeface="Wingdings 2" panose="05020102010507070707"/>
         <a:buChar char=""/>
         <a:defRPr lang="zh-CN" sz="2800" kern="1200">
           <a:solidFill>
@@ -5835,7 +5808,7 @@
           <a:cs typeface="+mn-cs"/>
         </a:defRPr>
       </a:lvl1pPr>
-      <a:lvl2pPr marL="548640" indent="-201168" algn="l" rtl="0" eaLnBrk="1" latinLnBrk="0" hangingPunct="1">
+      <a:lvl2pPr marL="548640" indent="-201295" algn="l" rtl="0" eaLnBrk="1" latinLnBrk="0" hangingPunct="1">
         <a:spcBef>
           <a:spcPts val="250"/>
         </a:spcBef>
@@ -5843,7 +5816,7 @@
           <a:schemeClr val="accent1"/>
         </a:buClr>
         <a:buSzPct val="100000"/>
-        <a:buFont typeface="Verdana"/>
+        <a:buFont typeface="Verdana" panose="020B0604030504040204"/>
         <a:buChar char="◦"/>
         <a:defRPr lang="zh-CN" sz="2400" kern="1200">
           <a:solidFill>
@@ -5854,7 +5827,7 @@
           <a:cs typeface="+mn-cs"/>
         </a:defRPr>
       </a:lvl2pPr>
-      <a:lvl3pPr marL="786384" indent="-182880" algn="l" rtl="0" eaLnBrk="1" latinLnBrk="0" hangingPunct="1">
+      <a:lvl3pPr marL="786130" indent="-182880" algn="l" rtl="0" eaLnBrk="1" latinLnBrk="0" hangingPunct="1">
         <a:spcBef>
           <a:spcPts val="250"/>
         </a:spcBef>
@@ -5865,7 +5838,7 @@
           </a:schemeClr>
         </a:buClr>
         <a:buSzPct val="100000"/>
-        <a:buFont typeface="Wingdings 2"/>
+        <a:buFont typeface="Wingdings 2" panose="05020102010507070707"/>
         <a:buChar char=""/>
         <a:defRPr lang="zh-CN" sz="2200" kern="1200">
           <a:solidFill>
@@ -5876,7 +5849,7 @@
           <a:cs typeface="+mn-cs"/>
         </a:defRPr>
       </a:lvl3pPr>
-      <a:lvl4pPr marL="1024128" indent="-182880" algn="l" rtl="0" eaLnBrk="1" latinLnBrk="0" hangingPunct="1">
+      <a:lvl4pPr marL="1024255" indent="-182880" algn="l" rtl="0" eaLnBrk="1" latinLnBrk="0" hangingPunct="1">
         <a:spcBef>
           <a:spcPts val="230"/>
         </a:spcBef>
@@ -5887,7 +5860,7 @@
           </a:schemeClr>
         </a:buClr>
         <a:buSzPct val="112000"/>
-        <a:buFont typeface="Verdana"/>
+        <a:buFont typeface="Verdana" panose="020B0604030504040204"/>
         <a:buChar char="◦"/>
         <a:defRPr lang="zh-CN" sz="1900" kern="1200">
           <a:solidFill>
@@ -5909,7 +5882,7 @@
           </a:schemeClr>
         </a:buClr>
         <a:buSzPct val="100000"/>
-        <a:buFont typeface="Wingdings 2"/>
+        <a:buFont typeface="Wingdings 2" panose="05020102010507070707"/>
         <a:buChar char=""/>
         <a:defRPr lang="zh-CN" sz="1800" kern="1200">
           <a:solidFill>
@@ -5920,7 +5893,7 @@
           <a:cs typeface="+mn-cs"/>
         </a:defRPr>
       </a:lvl5pPr>
-      <a:lvl6pPr marL="1490472" indent="-182880" algn="l" rtl="0" eaLnBrk="1" latinLnBrk="0" hangingPunct="1">
+      <a:lvl6pPr marL="1490345" indent="-182880" algn="l" rtl="0" eaLnBrk="1" latinLnBrk="0" hangingPunct="1">
         <a:spcBef>
           <a:spcPts val="250"/>
         </a:spcBef>
@@ -5931,7 +5904,7 @@
           </a:schemeClr>
         </a:buClr>
         <a:buSzPct val="100000"/>
-        <a:buFont typeface="Verdana"/>
+        <a:buFont typeface="Verdana" panose="020B0604030504040204"/>
         <a:buChar char="◦"/>
         <a:defRPr lang="zh-CN" sz="1700" kern="1200" baseline="0">
           <a:solidFill>
@@ -5942,7 +5915,7 @@
           <a:cs typeface="+mn-cs"/>
         </a:defRPr>
       </a:lvl6pPr>
-      <a:lvl7pPr marL="1700784" indent="-182880" algn="l" rtl="0" eaLnBrk="1" latinLnBrk="0" hangingPunct="1">
+      <a:lvl7pPr marL="1700530" indent="-182880" algn="l" rtl="0" eaLnBrk="1" latinLnBrk="0" hangingPunct="1">
         <a:spcBef>
           <a:spcPts val="255"/>
         </a:spcBef>
@@ -5953,7 +5926,7 @@
           </a:schemeClr>
         </a:buClr>
         <a:buSzPct val="100000"/>
-        <a:buFont typeface="Wingdings 2"/>
+        <a:buFont typeface="Wingdings 2" panose="05020102010507070707"/>
         <a:buChar char=""/>
         <a:defRPr lang="zh-CN" sz="1500" kern="1200">
           <a:solidFill>
@@ -5966,7 +5939,7 @@
       </a:lvl7pPr>
       <a:lvl8pPr marL="1920240" indent="-182880" algn="l" rtl="0" eaLnBrk="1" latinLnBrk="0" hangingPunct="1">
         <a:spcBef>
-          <a:spcPts val="257"/>
+          <a:spcPts val="255"/>
         </a:spcBef>
         <a:buClr>
           <a:schemeClr val="accent3">
@@ -5975,7 +5948,7 @@
           </a:schemeClr>
         </a:buClr>
         <a:buSzPct val="100000"/>
-        <a:buFont typeface="Verdana"/>
+        <a:buFont typeface="Verdana" panose="020B0604030504040204"/>
         <a:buChar char="◦"/>
         <a:defRPr lang="zh-CN" sz="1500" kern="1200" baseline="0">
           <a:solidFill>
@@ -5997,7 +5970,7 @@
           </a:schemeClr>
         </a:buClr>
         <a:buSzPct val="100000"/>
-        <a:buFont typeface="Wingdings 2"/>
+        <a:buFont typeface="Wingdings 2" panose="05020102010507070707"/>
         <a:buChar char=""/>
         <a:defRPr lang="zh-CN" sz="1500" kern="1200">
           <a:solidFill>
@@ -6291,6 +6264,7 @@
               <a:rPr lang="en-US" altLang="zh-CN" dirty="0" smtClean="0"/>
               <a:t>Socket</a:t>
             </a:r>
+            <a:endParaRPr lang="en-US" altLang="zh-CN" dirty="0" smtClean="0"/>
           </a:p>
           <a:p>
             <a:endParaRPr lang="en-US" altLang="zh-CN" dirty="0" smtClean="0"/>
@@ -6450,6 +6424,7 @@
               <a:rPr lang="en-US" altLang="zh-CN" dirty="0" smtClean="0"/>
               <a:t>socket</a:t>
             </a:r>
+            <a:endParaRPr lang="en-US" altLang="zh-CN" dirty="0" smtClean="0"/>
           </a:p>
           <a:p>
             <a:r>
@@ -6511,6 +6486,7 @@
               <a:rPr lang="en-US" altLang="zh-CN" dirty="0" smtClean="0"/>
               <a:t>()</a:t>
             </a:r>
+            <a:endParaRPr lang="en-US" altLang="zh-CN" dirty="0" smtClean="0"/>
           </a:p>
           <a:p>
             <a:r>
@@ -6656,6 +6632,7 @@
               <a:rPr lang="en-US" altLang="zh-CN" dirty="0" smtClean="0"/>
               <a:t>()</a:t>
             </a:r>
+            <a:endParaRPr lang="en-US" altLang="zh-CN" dirty="0" smtClean="0"/>
           </a:p>
           <a:p>
             <a:r>
@@ -6674,15 +6651,7 @@
           <a:p>
             <a:r>
               <a:rPr lang="en-US" altLang="zh-CN" dirty="0" smtClean="0"/>
-              <a:t>4.</a:t>
-            </a:r>
-            <a:r>
-              <a:rPr lang="en-US" altLang="zh-CN" dirty="0" smtClean="0"/>
-              <a:t> private </a:t>
-            </a:r>
-            <a:r>
-              <a:rPr lang="en-US" altLang="zh-CN" dirty="0" smtClean="0"/>
-              <a:t>void </a:t>
+              <a:t>4. private void </a:t>
             </a:r>
             <a:r>
               <a:rPr lang="en-US" altLang="zh-CN" dirty="0" err="1" smtClean="0"/>
@@ -6700,6 +6669,7 @@
               <a:rPr lang="en-US" altLang="zh-CN" dirty="0" smtClean="0"/>
               <a:t>)</a:t>
             </a:r>
+            <a:endParaRPr lang="en-US" altLang="zh-CN" dirty="0" smtClean="0"/>
           </a:p>
           <a:p>
             <a:endParaRPr lang="en-US" altLang="zh-CN" b="1" dirty="0" smtClean="0"/>
@@ -6790,6 +6760,7 @@
               <a:rPr lang="en-US" altLang="zh-CN" dirty="0" smtClean="0"/>
               <a:t>()</a:t>
             </a:r>
+            <a:endParaRPr lang="en-US" altLang="zh-CN" dirty="0" smtClean="0"/>
           </a:p>
           <a:p>
             <a:r>
@@ -6812,6 +6783,7 @@
               <a:rPr lang="en-US" altLang="zh-CN" dirty="0" smtClean="0"/>
               <a:t>()</a:t>
             </a:r>
+            <a:endParaRPr lang="en-US" altLang="zh-CN" dirty="0" smtClean="0"/>
           </a:p>
           <a:p>
             <a:r>
@@ -6834,6 +6806,7 @@
               <a:rPr lang="en-US" altLang="zh-CN" dirty="0" smtClean="0"/>
               <a:t>()</a:t>
             </a:r>
+            <a:endParaRPr lang="en-US" altLang="zh-CN" dirty="0" smtClean="0"/>
           </a:p>
           <a:p>
             <a:r>
@@ -6856,6 +6829,7 @@
               <a:rPr lang="en-US" altLang="zh-CN" dirty="0" smtClean="0"/>
               <a:t>()</a:t>
             </a:r>
+            <a:endParaRPr lang="en-US" altLang="zh-CN" dirty="0" smtClean="0"/>
           </a:p>
           <a:p>
             <a:r>
@@ -6878,6 +6852,7 @@
               <a:rPr lang="en-US" altLang="zh-CN" dirty="0" smtClean="0"/>
               <a:t>()</a:t>
             </a:r>
+            <a:endParaRPr lang="en-US" altLang="zh-CN" dirty="0" smtClean="0"/>
           </a:p>
           <a:p>
             <a:r>
@@ -7019,16 +6994,9 @@
             </a:r>
             <a:r>
               <a:rPr lang="en-US" altLang="zh-CN" dirty="0" smtClean="0"/>
-              <a:t>public </a:t>
-            </a:r>
-            <a:r>
-              <a:rPr lang="en-US" altLang="zh-CN" dirty="0" smtClean="0"/>
-              <a:t>void flush</a:t>
-            </a:r>
-            <a:r>
-              <a:rPr lang="en-US" altLang="zh-CN" dirty="0" smtClean="0"/>
-              <a:t>()</a:t>
-            </a:r>
+              <a:t>public void flush()</a:t>
+            </a:r>
+            <a:endParaRPr lang="en-US" altLang="zh-CN" dirty="0" smtClean="0"/>
           </a:p>
           <a:p>
             <a:r>
@@ -7051,6 +7019,7 @@
               <a:rPr lang="en-US" altLang="zh-CN" dirty="0" smtClean="0"/>
               <a:t>()</a:t>
             </a:r>
+            <a:endParaRPr lang="en-US" altLang="zh-CN" dirty="0" smtClean="0"/>
           </a:p>
           <a:p>
             <a:r>
@@ -7073,6 +7042,7 @@
               <a:rPr lang="en-US" altLang="zh-CN" dirty="0" smtClean="0"/>
               <a:t>()</a:t>
             </a:r>
+            <a:endParaRPr lang="en-US" altLang="zh-CN" dirty="0" smtClean="0"/>
           </a:p>
           <a:p>
             <a:r>
@@ -7095,6 +7065,7 @@
               <a:rPr lang="en-US" altLang="zh-CN" dirty="0" smtClean="0"/>
               <a:t>()</a:t>
             </a:r>
+            <a:endParaRPr lang="en-US" altLang="zh-CN" dirty="0" smtClean="0"/>
           </a:p>
           <a:p>
             <a:r>
@@ -7117,6 +7088,7 @@
               <a:rPr lang="en-US" altLang="zh-CN" dirty="0" smtClean="0"/>
               <a:t>()</a:t>
             </a:r>
+            <a:endParaRPr lang="en-US" altLang="zh-CN" dirty="0" smtClean="0"/>
           </a:p>
           <a:p>
             <a:r>
@@ -7137,12 +7109,9 @@
             </a:r>
             <a:r>
               <a:rPr lang="en-US" altLang="zh-CN" dirty="0" smtClean="0"/>
-              <a:t>(File entity</a:t>
-            </a:r>
-            <a:r>
-              <a:rPr lang="en-US" altLang="zh-CN" dirty="0" smtClean="0"/>
-              <a:t>)</a:t>
-            </a:r>
+              <a:t>(File entity)</a:t>
+            </a:r>
+            <a:endParaRPr lang="en-US" altLang="zh-CN" dirty="0" smtClean="0"/>
           </a:p>
           <a:p>
             <a:r>
@@ -7163,12 +7132,9 @@
             </a:r>
             <a:r>
               <a:rPr lang="en-US" altLang="zh-CN" dirty="0" smtClean="0"/>
-              <a:t>(String line</a:t>
-            </a:r>
-            <a:r>
-              <a:rPr lang="en-US" altLang="zh-CN" dirty="0" smtClean="0"/>
-              <a:t>)</a:t>
-            </a:r>
+              <a:t>(String line)</a:t>
+            </a:r>
+            <a:endParaRPr lang="en-US" altLang="zh-CN" dirty="0" smtClean="0"/>
           </a:p>
           <a:p>
             <a:r>
@@ -7199,6 +7165,7 @@
               <a:rPr lang="en-US" altLang="zh-CN" dirty="0" smtClean="0"/>
               <a:t>()</a:t>
             </a:r>
+            <a:endParaRPr lang="en-US" altLang="zh-CN" dirty="0" smtClean="0"/>
           </a:p>
           <a:p>
             <a:r>
@@ -7237,6 +7204,7 @@
               <a:rPr lang="en-US" altLang="zh-CN" dirty="0" smtClean="0"/>
               <a:t>)</a:t>
             </a:r>
+            <a:endParaRPr lang="en-US" altLang="zh-CN" dirty="0" smtClean="0"/>
           </a:p>
           <a:p>
             <a:r>
@@ -7259,6 +7227,7 @@
               <a:rPr lang="en-US" altLang="zh-CN" dirty="0" smtClean="0"/>
               <a:t>()</a:t>
             </a:r>
+            <a:endParaRPr lang="en-US" altLang="zh-CN" dirty="0" smtClean="0"/>
           </a:p>
           <a:p>
             <a:r>
@@ -7289,6 +7258,7 @@
               <a:rPr lang="en-US" altLang="zh-CN" dirty="0" smtClean="0"/>
               <a:t>)</a:t>
             </a:r>
+            <a:endParaRPr lang="en-US" altLang="zh-CN" dirty="0" smtClean="0"/>
           </a:p>
           <a:p>
             <a:r>
@@ -7381,11 +7351,7 @@
             </a:r>
             <a:r>
               <a:rPr lang="en-US" altLang="zh-CN" dirty="0" smtClean="0"/>
-              <a:t>.</a:t>
-            </a:r>
-            <a:r>
-              <a:rPr lang="en-US" altLang="zh-CN" dirty="0" smtClean="0"/>
-              <a:t> </a:t>
+              <a:t>. </a:t>
             </a:r>
             <a:r>
               <a:rPr lang="en-US" altLang="zh-CN" dirty="0" err="1" smtClean="0"/>
@@ -7421,11 +7387,7 @@
           <a:p>
             <a:r>
               <a:rPr lang="en-US" altLang="zh-CN" dirty="0" smtClean="0"/>
-              <a:t>1.public </a:t>
-            </a:r>
-            <a:r>
-              <a:rPr lang="en-US" altLang="zh-CN" dirty="0" smtClean="0"/>
-              <a:t>void Service(</a:t>
+              <a:t>1.public void Service(</a:t>
             </a:r>
             <a:r>
               <a:rPr lang="en-US" altLang="zh-CN" dirty="0" err="1" smtClean="0"/>
@@ -7507,11 +7469,7 @@
             </a:r>
             <a:r>
               <a:rPr lang="en-US" altLang="zh-CN" dirty="0" smtClean="0"/>
-              <a:t>.</a:t>
-            </a:r>
-            <a:r>
-              <a:rPr lang="en-US" altLang="zh-CN" dirty="0" smtClean="0"/>
-              <a:t> </a:t>
+              <a:t>. </a:t>
             </a:r>
             <a:r>
               <a:rPr lang="en-US" altLang="zh-CN" dirty="0" err="1" smtClean="0"/>
@@ -7547,11 +7505,7 @@
           <a:p>
             <a:r>
               <a:rPr lang="en-US" altLang="zh-CN" dirty="0" smtClean="0"/>
-              <a:t>1.public </a:t>
-            </a:r>
-            <a:r>
-              <a:rPr lang="en-US" altLang="zh-CN" dirty="0" smtClean="0"/>
-              <a:t>void Service(</a:t>
+              <a:t>1.public void Service(</a:t>
             </a:r>
             <a:r>
               <a:rPr lang="en-US" altLang="zh-CN" dirty="0" err="1" smtClean="0"/>
@@ -7675,11 +7629,7 @@
             </a:r>
             <a:r>
               <a:rPr lang="en-US" altLang="zh-CN" dirty="0" smtClean="0"/>
-              <a:t>public abstract </a:t>
-            </a:r>
-            <a:r>
-              <a:rPr lang="en-US" altLang="zh-CN" dirty="0" smtClean="0"/>
-              <a:t>void Service (</a:t>
+              <a:t>public abstract void Service (</a:t>
             </a:r>
             <a:r>
               <a:rPr lang="en-US" altLang="zh-CN" dirty="0" err="1" smtClean="0"/>
@@ -7813,6 +7763,7 @@
               <a:rPr lang="en-US" altLang="zh-CN" dirty="0" smtClean="0"/>
               <a:t>()</a:t>
             </a:r>
+            <a:endParaRPr lang="en-US" altLang="zh-CN" dirty="0" smtClean="0"/>
           </a:p>
           <a:p>
             <a:r>
@@ -7835,6 +7786,7 @@
               <a:rPr lang="en-US" altLang="zh-CN" dirty="0" smtClean="0"/>
               <a:t>()</a:t>
             </a:r>
+            <a:endParaRPr lang="en-US" altLang="zh-CN" dirty="0" smtClean="0"/>
           </a:p>
           <a:p>
             <a:r>
@@ -7886,12 +7838,9 @@
             </a:r>
             <a:r>
               <a:rPr lang="en-US" altLang="zh-CN" dirty="0" smtClean="0"/>
-              <a:t>public static </a:t>
-            </a:r>
-            <a:r>
-              <a:rPr lang="en-US" altLang="zh-CN" dirty="0" smtClean="0"/>
-              <a:t>String</a:t>
-            </a:r>
+              <a:t>public static String</a:t>
+            </a:r>
+            <a:endParaRPr lang="en-US" altLang="zh-CN" dirty="0" smtClean="0"/>
           </a:p>
           <a:p>
             <a:r>
@@ -7900,16 +7849,9 @@
             </a:r>
             <a:r>
               <a:rPr lang="en-US" altLang="zh-CN" dirty="0" smtClean="0"/>
-              <a:t>(String </a:t>
-            </a:r>
-            <a:r>
-              <a:rPr lang="en-US" altLang="zh-CN" dirty="0" smtClean="0"/>
-              <a:t>ext</a:t>
-            </a:r>
-            <a:r>
-              <a:rPr lang="en-US" altLang="zh-CN" dirty="0" smtClean="0"/>
-              <a:t>)</a:t>
-            </a:r>
+              <a:t>(String ext)</a:t>
+            </a:r>
+            <a:endParaRPr lang="en-US" altLang="zh-CN" dirty="0" smtClean="0"/>
           </a:p>
         </p:txBody>
       </p:sp>
@@ -7967,11 +7909,7 @@
           <a:p>
             <a:r>
               <a:rPr lang="en-US" altLang="zh-CN" dirty="0" smtClean="0"/>
-              <a:t>9.</a:t>
-            </a:r>
-            <a:r>
-              <a:rPr lang="en-US" altLang="zh-CN" dirty="0" smtClean="0"/>
-              <a:t> </a:t>
+              <a:t>9. </a:t>
             </a:r>
             <a:r>
               <a:rPr lang="en-US" altLang="zh-CN" dirty="0" err="1" smtClean="0"/>
@@ -8007,11 +7945,7 @@
           <a:p>
             <a:r>
               <a:rPr lang="en-US" altLang="zh-CN" dirty="0" smtClean="0"/>
-              <a:t>1.private </a:t>
-            </a:r>
-            <a:r>
-              <a:rPr lang="en-US" altLang="zh-CN" dirty="0" smtClean="0"/>
-              <a:t>static void </a:t>
+              <a:t>1.private static void </a:t>
             </a:r>
             <a:r>
               <a:rPr lang="en-US" altLang="zh-CN" dirty="0" err="1" smtClean="0"/>
@@ -8021,24 +7955,14 @@
               <a:rPr lang="en-US" altLang="zh-CN" dirty="0" smtClean="0"/>
               <a:t>()</a:t>
             </a:r>
-          </a:p>
-          <a:p>
-            <a:r>
-              <a:rPr lang="en-US" altLang="zh-CN" dirty="0" smtClean="0"/>
-              <a:t>2.</a:t>
-            </a:r>
-            <a:r>
-              <a:rPr lang="en-US" altLang="zh-CN" dirty="0" smtClean="0"/>
-              <a:t>private </a:t>
-            </a:r>
-            <a:r>
-              <a:rPr lang="en-US" altLang="zh-CN" dirty="0" smtClean="0"/>
-              <a:t>static void init</a:t>
-            </a:r>
-            <a:r>
-              <a:rPr lang="en-US" altLang="zh-CN" dirty="0" smtClean="0"/>
-              <a:t>()</a:t>
-            </a:r>
+            <a:endParaRPr lang="en-US" altLang="zh-CN" dirty="0" smtClean="0"/>
+          </a:p>
+          <a:p>
+            <a:r>
+              <a:rPr lang="en-US" altLang="zh-CN" dirty="0" smtClean="0"/>
+              <a:t>2.private static void init()</a:t>
+            </a:r>
+            <a:endParaRPr lang="en-US" altLang="zh-CN" dirty="0" smtClean="0"/>
           </a:p>
           <a:p>
             <a:r>
@@ -8069,6 +7993,7 @@
               <a:rPr lang="en-US" altLang="zh-CN" dirty="0" smtClean="0"/>
               <a:t>)</a:t>
             </a:r>
+            <a:endParaRPr lang="en-US" altLang="zh-CN" dirty="0" smtClean="0"/>
           </a:p>
         </p:txBody>
       </p:sp>
@@ -8128,15 +8053,7 @@
           <a:p>
             <a:r>
               <a:rPr lang="en-US" altLang="zh-CN" dirty="0" smtClean="0"/>
-              <a:t>10</a:t>
-            </a:r>
-            <a:r>
-              <a:rPr lang="en-US" altLang="zh-CN" dirty="0" smtClean="0"/>
-              <a:t>.</a:t>
-            </a:r>
-            <a:r>
-              <a:rPr lang="en-US" altLang="zh-CN" dirty="0" smtClean="0"/>
-              <a:t> </a:t>
+              <a:t>10. </a:t>
             </a:r>
             <a:r>
               <a:rPr lang="en-US" altLang="zh-CN" dirty="0" err="1" smtClean="0"/>
@@ -8362,6 +8279,7 @@
               <a:rPr lang="zh-CN" altLang="en-US" dirty="0" smtClean="0"/>
               <a:t>部分方法可以使用更简洁的写法</a:t>
             </a:r>
+            <a:endParaRPr lang="zh-CN" altLang="en-US" dirty="0" smtClean="0"/>
           </a:p>
           <a:p>
             <a:endParaRPr lang="zh-CN" altLang="en-US" sz="8000" dirty="0"/>
@@ -8478,7 +8396,7 @@
           <p:nvPr/>
         </p:nvPicPr>
         <p:blipFill>
-          <a:blip r:embed="rId3" cstate="print"/>
+          <a:blip r:embed="rId1" cstate="print"/>
           <a:srcRect/>
           <a:stretch>
             <a:fillRect/>
@@ -8759,7 +8677,7 @@
           </p:nvPr>
         </p:nvPicPr>
         <p:blipFill>
-          <a:blip r:embed="rId3" cstate="print"/>
+          <a:blip r:embed="rId1" cstate="print"/>
           <a:srcRect/>
           <a:stretch>
             <a:fillRect/>
@@ -8806,14 +8724,7 @@
         <p:cNvGrpSpPr/>
         <p:nvPr/>
       </p:nvGrpSpPr>
-      <p:grpSpPr>
-        <a:xfrm>
-          <a:off x="0" y="0"/>
-          <a:ext cx="0" cy="0"/>
-          <a:chOff x="0" y="0"/>
-          <a:chExt cx="0" cy="0"/>
-        </a:xfrm>
-      </p:grpSpPr>
+      <p:grpSpPr/>
       <p:sp>
         <p:nvSpPr>
           <p:cNvPr id="2" name="标题 1"/>
@@ -8826,58 +8737,69 @@
         </p:nvSpPr>
         <p:spPr/>
         <p:txBody>
+          <a:bodyPr>
+            <a:normAutofit fontScale="90000"/>
+          </a:bodyPr>
+          <a:p>
+            <a:r>
+              <a:rPr lang="en-US" altLang="zh-CN"/>
+              <a:t>2.HttpResponse</a:t>
+            </a:r>
+            <a:r>
+              <a:rPr altLang="zh-CN"/>
+              <a:t>中的发送响应头方法的优化</a:t>
+            </a:r>
+            <a:endParaRPr lang="en-US" altLang="zh-CN"/>
+          </a:p>
+        </p:txBody>
+      </p:sp>
+      <p:sp>
+        <p:nvSpPr>
+          <p:cNvPr id="3" name="内容占位符 2"/>
+          <p:cNvSpPr>
+            <a:spLocks noGrp="1"/>
+          </p:cNvSpPr>
+          <p:nvPr>
+            <p:ph idx="1"/>
+          </p:nvPr>
+        </p:nvSpPr>
+        <p:spPr/>
+        <p:txBody>
           <a:bodyPr/>
-          <a:lstStyle/>
-          <a:p>
-            <a:endParaRPr lang="zh-CN" altLang="en-US" dirty="0"/>
-          </a:p>
-        </p:txBody>
-      </p:sp>
-      <p:sp>
-        <p:nvSpPr>
-          <p:cNvPr id="3" name="内容占位符 2"/>
-          <p:cNvSpPr>
-            <a:spLocks noGrp="1"/>
-          </p:cNvSpPr>
-          <p:nvPr>
-            <p:ph idx="1"/>
-          </p:nvPr>
-        </p:nvSpPr>
-        <p:spPr/>
-        <p:txBody>
-          <a:bodyPr>
-            <a:normAutofit/>
-          </a:bodyPr>
-          <a:lstStyle/>
-          <a:p>
-            <a:r>
-              <a:rPr lang="zh-CN" altLang="en-US" sz="6000" dirty="0" smtClean="0"/>
-              <a:t>五</a:t>
-            </a:r>
-            <a:r>
-              <a:rPr lang="en-US" altLang="zh-CN" sz="6000" dirty="0" smtClean="0"/>
-              <a:t>.</a:t>
-            </a:r>
-            <a:r>
-              <a:rPr lang="zh-CN" altLang="en-US" sz="6000" dirty="0" smtClean="0"/>
-              <a:t>我的默写思路</a:t>
-            </a:r>
-            <a:endParaRPr lang="zh-CN" altLang="en-US" sz="6000" dirty="0"/>
-          </a:p>
-        </p:txBody>
-      </p:sp>
+          <a:p>
+            <a:endParaRPr lang="zh-CN" altLang="en-US"/>
+          </a:p>
+        </p:txBody>
+      </p:sp>
+      <p:pic>
+        <p:nvPicPr>
+          <p:cNvPr id="4" name="图片 3" descr="1"/>
+          <p:cNvPicPr>
+            <a:picLocks noChangeAspect="1"/>
+          </p:cNvPicPr>
+          <p:nvPr/>
+        </p:nvPicPr>
+        <p:blipFill>
+          <a:blip r:embed="rId1"/>
+          <a:stretch>
+            <a:fillRect/>
+          </a:stretch>
+        </p:blipFill>
+        <p:spPr>
+          <a:xfrm>
+            <a:off x="1457325" y="667385"/>
+            <a:ext cx="6228715" cy="4166870"/>
+          </a:xfrm>
+          <a:prstGeom prst="rect">
+            <a:avLst/>
+          </a:prstGeom>
+        </p:spPr>
+      </p:pic>
     </p:spTree>
   </p:cSld>
   <p:clrMapOvr>
     <a:masterClrMapping/>
   </p:clrMapOvr>
-  <p:timing>
-    <p:tnLst>
-      <p:par>
-        <p:cTn id="1" dur="indefinite" restart="never" nodeType="tmRoot"/>
-      </p:par>
-    </p:tnLst>
-  </p:timing>
 </p:sld>
 </file>
 
@@ -8890,17 +8812,10 @@
         <p:cNvGrpSpPr/>
         <p:nvPr/>
       </p:nvGrpSpPr>
-      <p:grpSpPr>
-        <a:xfrm>
-          <a:off x="0" y="0"/>
-          <a:ext cx="0" cy="0"/>
-          <a:chOff x="0" y="0"/>
-          <a:chExt cx="0" cy="0"/>
-        </a:xfrm>
-      </p:grpSpPr>
-      <p:sp>
-        <p:nvSpPr>
-          <p:cNvPr id="2" name="Rectangle 1"/>
+      <p:grpSpPr/>
+      <p:sp>
+        <p:nvSpPr>
+          <p:cNvPr id="2" name="标题 1"/>
           <p:cNvSpPr>
             <a:spLocks noGrp="1"/>
           </p:cNvSpPr>
@@ -8908,379 +8823,71 @@
             <p:ph type="title"/>
           </p:nvPr>
         </p:nvSpPr>
+        <p:spPr/>
+        <p:txBody>
+          <a:bodyPr>
+            <a:normAutofit/>
+          </a:bodyPr>
+          <a:p>
+            <a:r>
+              <a:rPr lang="en-US" altLang="zh-CN"/>
+              <a:t>2.</a:t>
+            </a:r>
+            <a:r>
+              <a:rPr altLang="en-US"/>
+              <a:t>优化后</a:t>
+            </a:r>
+            <a:endParaRPr altLang="en-US"/>
+          </a:p>
+        </p:txBody>
+      </p:sp>
+      <p:sp>
+        <p:nvSpPr>
+          <p:cNvPr id="3" name="内容占位符 2"/>
+          <p:cNvSpPr>
+            <a:spLocks noGrp="1"/>
+          </p:cNvSpPr>
+          <p:nvPr>
+            <p:ph idx="1"/>
+          </p:nvPr>
+        </p:nvSpPr>
+        <p:spPr/>
+        <p:txBody>
+          <a:bodyPr/>
+          <a:p>
+            <a:endParaRPr lang="zh-CN" altLang="en-US"/>
+          </a:p>
+        </p:txBody>
+      </p:sp>
+      <p:pic>
+        <p:nvPicPr>
+          <p:cNvPr id="5" name="图片 4" descr="2"/>
+          <p:cNvPicPr>
+            <a:picLocks noChangeAspect="1"/>
+          </p:cNvPicPr>
+          <p:nvPr/>
+        </p:nvPicPr>
+        <p:blipFill>
+          <a:blip r:embed="rId1"/>
+          <a:stretch>
+            <a:fillRect/>
+          </a:stretch>
+        </p:blipFill>
         <p:spPr>
           <a:xfrm>
-            <a:off x="503238" y="4992688"/>
-            <a:ext cx="8183562" cy="1050925"/>
+            <a:off x="1778000" y="872490"/>
+            <a:ext cx="5248275" cy="4119880"/>
           </a:xfrm>
+          <a:prstGeom prst="rect">
+            <a:avLst/>
+          </a:prstGeom>
         </p:spPr>
-        <p:txBody>
-          <a:bodyPr/>
-          <a:lstStyle/>
-          <a:p>
-            <a:r>
-              <a:rPr lang="zh-CN" altLang="en-US" dirty="0" smtClean="0"/>
-              <a:t>默写</a:t>
-            </a:r>
-            <a:r>
-              <a:rPr lang="en-US" altLang="zh-CN" dirty="0" err="1" smtClean="0"/>
-              <a:t>WebServer</a:t>
-            </a:r>
-            <a:r>
-              <a:rPr lang="zh-CN" altLang="en-US" dirty="0" smtClean="0"/>
-              <a:t>的思路（部分）</a:t>
-            </a:r>
-            <a:endParaRPr lang="zh-CN" dirty="0"/>
-          </a:p>
-        </p:txBody>
-      </p:sp>
-      <p:sp>
-        <p:nvSpPr>
-          <p:cNvPr id="3" name="Rectangle 2"/>
-          <p:cNvSpPr>
-            <a:spLocks noGrp="1"/>
-          </p:cNvSpPr>
-          <p:nvPr>
-            <p:ph idx="1"/>
-          </p:nvPr>
-        </p:nvSpPr>
-        <p:spPr>
-          <a:xfrm>
-            <a:off x="503238" y="530225"/>
-            <a:ext cx="8183562" cy="4770983"/>
-          </a:xfrm>
-        </p:spPr>
-        <p:txBody>
-          <a:bodyPr>
-            <a:normAutofit fontScale="62500" lnSpcReduction="20000"/>
-          </a:bodyPr>
-          <a:lstStyle/>
-          <a:p>
-            <a:pPr>
-              <a:buNone/>
-            </a:pPr>
-            <a:r>
-              <a:rPr lang="en-US" altLang="zh-CN" dirty="0" smtClean="0"/>
-              <a:t>1.</a:t>
-            </a:r>
-            <a:r>
-              <a:rPr lang="zh-CN" altLang="en-US" dirty="0" smtClean="0"/>
-              <a:t>心</a:t>
-            </a:r>
-            <a:r>
-              <a:rPr lang="zh-CN" altLang="en-US" dirty="0" smtClean="0"/>
-              <a:t>里想着</a:t>
-            </a:r>
-            <a:r>
-              <a:rPr lang="zh-CN" altLang="en-US" dirty="0" smtClean="0"/>
-              <a:t>需求默写（或者说需要实现的功能），</a:t>
-            </a:r>
-            <a:endParaRPr lang="en-US" altLang="zh-CN" dirty="0" smtClean="0"/>
-          </a:p>
-          <a:p>
-            <a:pPr>
-              <a:buNone/>
-            </a:pPr>
-            <a:r>
-              <a:rPr lang="en-US" altLang="zh-CN" dirty="0" err="1" smtClean="0"/>
-              <a:t>WebServer</a:t>
-            </a:r>
-            <a:r>
-              <a:rPr lang="zh-CN" altLang="en-US" dirty="0" smtClean="0"/>
-              <a:t>项目的总需求为：</a:t>
-            </a:r>
-            <a:endParaRPr lang="en-US" altLang="zh-CN" dirty="0" smtClean="0"/>
-          </a:p>
-          <a:p>
-            <a:pPr>
-              <a:buNone/>
-            </a:pPr>
-            <a:r>
-              <a:rPr lang="zh-CN" altLang="en-US" dirty="0" smtClean="0"/>
-              <a:t>①启动一个服务器</a:t>
-            </a:r>
-            <a:endParaRPr lang="en-US" altLang="zh-CN" dirty="0" smtClean="0"/>
-          </a:p>
-          <a:p>
-            <a:pPr>
-              <a:buNone/>
-            </a:pPr>
-            <a:r>
-              <a:rPr lang="zh-CN" altLang="en-US" dirty="0" smtClean="0"/>
-              <a:t>②</a:t>
-            </a:r>
-            <a:r>
-              <a:rPr lang="zh-CN" altLang="en-US" dirty="0" smtClean="0"/>
-              <a:t>解析请求</a:t>
-            </a:r>
-            <a:endParaRPr lang="en-US" altLang="zh-CN" dirty="0" smtClean="0"/>
-          </a:p>
-          <a:p>
-            <a:pPr>
-              <a:buNone/>
-            </a:pPr>
-            <a:r>
-              <a:rPr lang="zh-CN" altLang="en-US" dirty="0" smtClean="0"/>
-              <a:t>③响应客户端</a:t>
-            </a:r>
-            <a:endParaRPr lang="en-US" altLang="zh-CN" dirty="0" smtClean="0"/>
-          </a:p>
-          <a:p>
-            <a:pPr>
-              <a:buNone/>
-            </a:pPr>
-            <a:endParaRPr lang="en-US" altLang="zh-CN" dirty="0" smtClean="0"/>
-          </a:p>
-          <a:p>
-            <a:pPr>
-              <a:buNone/>
-            </a:pPr>
-            <a:r>
-              <a:rPr lang="en-US" altLang="zh-CN" dirty="0" smtClean="0"/>
-              <a:t>2.</a:t>
-            </a:r>
-            <a:r>
-              <a:rPr lang="zh-CN" altLang="en-US" dirty="0" smtClean="0"/>
-              <a:t>启动一个服务器</a:t>
-            </a:r>
-            <a:endParaRPr lang="en-US" altLang="zh-CN" dirty="0" smtClean="0"/>
-          </a:p>
-          <a:p>
-            <a:pPr>
-              <a:buNone/>
-            </a:pPr>
-            <a:r>
-              <a:rPr lang="zh-CN" altLang="en-US" dirty="0" smtClean="0"/>
-              <a:t>①创建</a:t>
-            </a:r>
-            <a:r>
-              <a:rPr lang="en-US" altLang="zh-CN" dirty="0" err="1" smtClean="0"/>
-              <a:t>WebServer</a:t>
-            </a:r>
-            <a:r>
-              <a:rPr lang="zh-CN" altLang="en-US" dirty="0" smtClean="0"/>
-              <a:t>类</a:t>
-            </a:r>
-            <a:endParaRPr lang="en-US" altLang="zh-CN" dirty="0" smtClean="0"/>
-          </a:p>
-          <a:p>
-            <a:pPr>
-              <a:buNone/>
-            </a:pPr>
-            <a:r>
-              <a:rPr lang="zh-CN" altLang="en-US" dirty="0" smtClean="0"/>
-              <a:t>②为了初始化</a:t>
-            </a:r>
-            <a:r>
-              <a:rPr lang="en-US" altLang="zh-CN" dirty="0" err="1" smtClean="0"/>
-              <a:t>ServerSocket</a:t>
-            </a:r>
-            <a:r>
-              <a:rPr lang="zh-CN" altLang="en-US" dirty="0" smtClean="0"/>
-              <a:t>和</a:t>
-            </a:r>
-            <a:r>
-              <a:rPr lang="en-US" altLang="zh-CN" dirty="0" err="1" smtClean="0"/>
-              <a:t>ExecutorService</a:t>
-            </a:r>
-            <a:endParaRPr lang="en-US" altLang="zh-CN" dirty="0" smtClean="0"/>
-          </a:p>
-          <a:p>
-            <a:pPr>
-              <a:buNone/>
-            </a:pPr>
-            <a:r>
-              <a:rPr lang="zh-CN" altLang="en-US" dirty="0" smtClean="0"/>
-              <a:t>写</a:t>
-            </a:r>
-            <a:r>
-              <a:rPr lang="zh-CN" altLang="en-US" dirty="0" smtClean="0"/>
-              <a:t>出</a:t>
-            </a:r>
-            <a:r>
-              <a:rPr lang="zh-CN" altLang="en-US" dirty="0" smtClean="0"/>
-              <a:t>构</a:t>
-            </a:r>
-            <a:r>
-              <a:rPr lang="zh-CN" altLang="en-US" dirty="0" smtClean="0"/>
-              <a:t>造方法</a:t>
-            </a:r>
-            <a:endParaRPr lang="en-US" altLang="zh-CN" dirty="0" smtClean="0"/>
-          </a:p>
-          <a:p>
-            <a:pPr>
-              <a:buNone/>
-            </a:pPr>
-            <a:r>
-              <a:rPr lang="zh-CN" altLang="en-US" dirty="0" smtClean="0"/>
-              <a:t>③为了接收并处理客户端，写出</a:t>
-            </a:r>
-            <a:r>
-              <a:rPr lang="en-US" altLang="zh-CN" dirty="0" smtClean="0"/>
-              <a:t>start()</a:t>
-            </a:r>
-            <a:r>
-              <a:rPr lang="zh-CN" altLang="en-US" dirty="0" smtClean="0"/>
-              <a:t>方法</a:t>
-            </a:r>
-            <a:endParaRPr lang="en-US" altLang="zh-CN" dirty="0" smtClean="0"/>
-          </a:p>
-          <a:p>
-            <a:pPr>
-              <a:buNone/>
-            </a:pPr>
-            <a:r>
-              <a:rPr lang="zh-CN" altLang="en-US" dirty="0" smtClean="0"/>
-              <a:t>④因为项目需要主程序，写出</a:t>
-            </a:r>
-            <a:r>
-              <a:rPr lang="en-US" altLang="zh-CN" dirty="0" smtClean="0"/>
-              <a:t>main()</a:t>
-            </a:r>
-            <a:r>
-              <a:rPr lang="zh-CN" altLang="en-US" dirty="0" smtClean="0"/>
-              <a:t>方法让程序拥有主入口，</a:t>
-            </a:r>
-            <a:endParaRPr lang="en-US" altLang="zh-CN" dirty="0" smtClean="0"/>
-          </a:p>
-          <a:p>
-            <a:pPr>
-              <a:buNone/>
-            </a:pPr>
-            <a:r>
-              <a:rPr lang="zh-CN" altLang="en-US" dirty="0" smtClean="0"/>
-              <a:t>并把自身实例化调用</a:t>
-            </a:r>
-            <a:r>
-              <a:rPr lang="en-US" altLang="zh-CN" dirty="0" smtClean="0"/>
-              <a:t>start()</a:t>
-            </a:r>
-            <a:r>
-              <a:rPr lang="zh-CN" altLang="en-US" dirty="0" smtClean="0"/>
-              <a:t>方法</a:t>
-            </a:r>
-            <a:endParaRPr lang="en-US" altLang="zh-CN" dirty="0" smtClean="0"/>
-          </a:p>
-          <a:p>
-            <a:pPr>
-              <a:buNone/>
-            </a:pPr>
-            <a:r>
-              <a:rPr lang="zh-CN" altLang="en-US" dirty="0" smtClean="0"/>
-              <a:t>⑤因为</a:t>
-            </a:r>
-            <a:r>
-              <a:rPr lang="zh-CN" altLang="en-US" dirty="0" smtClean="0"/>
-              <a:t>处理客户端太复杂而且需要同时处理多个客户端，所以创造</a:t>
-            </a:r>
-            <a:r>
-              <a:rPr lang="en-US" altLang="zh-CN" dirty="0" err="1" smtClean="0"/>
-              <a:t>ClientHandler</a:t>
-            </a:r>
-            <a:r>
-              <a:rPr lang="zh-CN" altLang="en-US" dirty="0" smtClean="0"/>
-              <a:t>类继承</a:t>
-            </a:r>
-            <a:r>
-              <a:rPr lang="en-US" altLang="zh-CN" dirty="0" err="1" smtClean="0"/>
-              <a:t>Runnable</a:t>
-            </a:r>
-            <a:r>
-              <a:rPr lang="zh-CN" altLang="en-US" dirty="0" smtClean="0"/>
-              <a:t>接口</a:t>
-            </a:r>
-            <a:endParaRPr lang="en-US" altLang="zh-CN" dirty="0" smtClean="0"/>
-          </a:p>
-          <a:p>
-            <a:pPr>
-              <a:buNone/>
-            </a:pPr>
-            <a:r>
-              <a:rPr lang="zh-CN" altLang="en-US" dirty="0" smtClean="0"/>
-              <a:t>⑥因为继承了</a:t>
-            </a:r>
-            <a:r>
-              <a:rPr lang="en-US" altLang="zh-CN" dirty="0" err="1" smtClean="0"/>
-              <a:t>Runnable</a:t>
-            </a:r>
-            <a:r>
-              <a:rPr lang="zh-CN" altLang="en-US" dirty="0" smtClean="0"/>
-              <a:t>接口，</a:t>
-            </a:r>
-            <a:r>
-              <a:rPr lang="zh-CN" altLang="en-US" dirty="0" smtClean="0"/>
-              <a:t>所以</a:t>
-            </a:r>
-            <a:r>
-              <a:rPr lang="zh-CN" altLang="en-US" dirty="0" smtClean="0"/>
-              <a:t>重写</a:t>
-            </a:r>
-            <a:r>
-              <a:rPr lang="en-US" altLang="zh-CN" dirty="0" smtClean="0"/>
-              <a:t>run()</a:t>
-            </a:r>
-            <a:r>
-              <a:rPr lang="zh-CN" altLang="en-US" dirty="0" smtClean="0"/>
-              <a:t>方法</a:t>
-            </a:r>
-            <a:endParaRPr lang="en-US" altLang="zh-CN" dirty="0" smtClean="0"/>
-          </a:p>
-          <a:p>
-            <a:pPr>
-              <a:buNone/>
-            </a:pPr>
-            <a:r>
-              <a:rPr lang="zh-CN" altLang="en-US" dirty="0" smtClean="0"/>
-              <a:t>⑦为了让</a:t>
-            </a:r>
-            <a:r>
-              <a:rPr lang="en-US" altLang="zh-CN" dirty="0" err="1" smtClean="0"/>
-              <a:t>ClienHandler</a:t>
-            </a:r>
-            <a:r>
-              <a:rPr lang="zh-CN" altLang="en-US" dirty="0" smtClean="0"/>
-              <a:t>看到</a:t>
-            </a:r>
-            <a:r>
-              <a:rPr lang="en-US" altLang="zh-CN" dirty="0" err="1" smtClean="0"/>
-              <a:t>WebServer</a:t>
-            </a:r>
-            <a:r>
-              <a:rPr lang="zh-CN" altLang="en-US" dirty="0" smtClean="0"/>
-              <a:t>中的</a:t>
-            </a:r>
-            <a:r>
-              <a:rPr lang="en-US" altLang="zh-CN" dirty="0" smtClean="0"/>
-              <a:t>socket</a:t>
-            </a:r>
-            <a:r>
-              <a:rPr lang="zh-CN" altLang="en-US" dirty="0" smtClean="0"/>
-              <a:t>，写构造方法，把</a:t>
-            </a:r>
-            <a:r>
-              <a:rPr lang="en-US" altLang="zh-CN" dirty="0" smtClean="0"/>
-              <a:t>socket</a:t>
-            </a:r>
-            <a:r>
-              <a:rPr lang="zh-CN" altLang="en-US" dirty="0" smtClean="0"/>
-              <a:t>传入</a:t>
-            </a:r>
-            <a:endParaRPr lang="zh-CN" dirty="0"/>
-          </a:p>
-        </p:txBody>
-      </p:sp>
+      </p:pic>
     </p:spTree>
   </p:cSld>
   <p:clrMapOvr>
     <a:masterClrMapping/>
   </p:clrMapOvr>
-  <p:timing>
-    <p:tnLst>
-      <p:par>
-        <p:cTn id="1" dur="indefinite" restart="never" nodeType="tmRoot"/>
-      </p:par>
-    </p:tnLst>
-  </p:timing>
 </p:sld>
 </file>
 
@@ -9303,7 +8910,7 @@
       </p:grpSpPr>
       <p:sp>
         <p:nvSpPr>
-          <p:cNvPr id="2" name="Rectangle 1"/>
+          <p:cNvPr id="2" name="标题 1"/>
           <p:cNvSpPr>
             <a:spLocks noGrp="1"/>
           </p:cNvSpPr>
@@ -9311,39 +8918,18 @@
             <p:ph type="title"/>
           </p:nvPr>
         </p:nvSpPr>
-        <p:spPr>
-          <a:xfrm>
-            <a:off x="503238" y="4992688"/>
-            <a:ext cx="8183562" cy="1050925"/>
-          </a:xfrm>
-        </p:spPr>
+        <p:spPr/>
         <p:txBody>
           <a:bodyPr/>
           <a:lstStyle/>
           <a:p>
-            <a:r>
-              <a:rPr lang="zh-CN" altLang="en-US" dirty="0" smtClean="0"/>
-              <a:t>默写</a:t>
-            </a:r>
-            <a:r>
-              <a:rPr lang="en-US" altLang="zh-CN" dirty="0" err="1" smtClean="0"/>
-              <a:t>WebServer</a:t>
-            </a:r>
-            <a:r>
-              <a:rPr lang="zh-CN" altLang="en-US" dirty="0" smtClean="0"/>
-              <a:t>的思</a:t>
-            </a:r>
-            <a:r>
-              <a:rPr lang="zh-CN" altLang="en-US" dirty="0" smtClean="0"/>
-              <a:t>路（部分）</a:t>
-            </a:r>
-            <a:endParaRPr lang="zh-CN" dirty="0"/>
-          </a:p>
-        </p:txBody>
-      </p:sp>
-      <p:sp>
-        <p:nvSpPr>
-          <p:cNvPr id="3" name="Rectangle 2"/>
+            <a:endParaRPr lang="zh-CN" altLang="en-US" dirty="0"/>
+          </a:p>
+        </p:txBody>
+      </p:sp>
+      <p:sp>
+        <p:nvSpPr>
+          <p:cNvPr id="3" name="内容占位符 2"/>
           <p:cNvSpPr>
             <a:spLocks noGrp="1"/>
           </p:cNvSpPr>
@@ -9351,214 +8937,26 @@
             <p:ph idx="1"/>
           </p:nvPr>
         </p:nvSpPr>
-        <p:spPr>
-          <a:xfrm>
-            <a:off x="503238" y="530225"/>
-            <a:ext cx="8183562" cy="4770983"/>
-          </a:xfrm>
-        </p:spPr>
+        <p:spPr/>
         <p:txBody>
           <a:bodyPr>
-            <a:normAutofit fontScale="92500" lnSpcReduction="20000"/>
+            <a:normAutofit/>
           </a:bodyPr>
           <a:lstStyle/>
           <a:p>
-            <a:pPr>
-              <a:buNone/>
-            </a:pPr>
-            <a:r>
-              <a:rPr lang="en-US" altLang="zh-CN" dirty="0" smtClean="0"/>
-              <a:t>3.</a:t>
-            </a:r>
-            <a:r>
-              <a:rPr lang="zh-CN" altLang="en-US" dirty="0" smtClean="0"/>
-              <a:t>解析请求</a:t>
-            </a:r>
-            <a:endParaRPr lang="en-US" altLang="zh-CN" dirty="0" smtClean="0"/>
-          </a:p>
-          <a:p>
-            <a:pPr>
-              <a:buNone/>
-            </a:pPr>
-            <a:r>
-              <a:rPr lang="zh-CN" altLang="en-US" dirty="0" smtClean="0"/>
-              <a:t>①创造类</a:t>
-            </a:r>
-            <a:r>
-              <a:rPr lang="en-US" altLang="zh-CN" dirty="0" err="1" smtClean="0"/>
-              <a:t>HttpRequest</a:t>
-            </a:r>
-            <a:r>
-              <a:rPr lang="zh-CN" altLang="en-US" dirty="0" smtClean="0"/>
-              <a:t>用以解析请求</a:t>
-            </a:r>
-            <a:endParaRPr lang="en-US" altLang="zh-CN" dirty="0" smtClean="0"/>
-          </a:p>
-          <a:p>
-            <a:pPr>
-              <a:buNone/>
-            </a:pPr>
-            <a:r>
-              <a:rPr lang="zh-CN" altLang="en-US" dirty="0" smtClean="0"/>
-              <a:t>②为了看到</a:t>
-            </a:r>
-            <a:r>
-              <a:rPr lang="en-US" altLang="zh-CN" dirty="0" smtClean="0"/>
-              <a:t>socket</a:t>
-            </a:r>
-            <a:r>
-              <a:rPr lang="zh-CN" altLang="en-US" dirty="0" smtClean="0"/>
-              <a:t>，写构造方法，把</a:t>
-            </a:r>
-            <a:r>
-              <a:rPr lang="en-US" altLang="zh-CN" dirty="0" smtClean="0"/>
-              <a:t>socket</a:t>
-            </a:r>
-            <a:r>
-              <a:rPr lang="zh-CN" altLang="en-US" dirty="0" smtClean="0"/>
-              <a:t>传入</a:t>
-            </a:r>
-            <a:endParaRPr lang="en-US" altLang="zh-CN" dirty="0" smtClean="0"/>
-          </a:p>
-          <a:p>
-            <a:pPr>
-              <a:buNone/>
-            </a:pPr>
-            <a:r>
-              <a:rPr lang="zh-CN" altLang="en-US" dirty="0" smtClean="0"/>
-              <a:t>③因为需要解析请求，打开一条输入流</a:t>
-            </a:r>
-            <a:r>
-              <a:rPr lang="en-US" altLang="zh-CN" dirty="0" err="1" smtClean="0"/>
-              <a:t>OutputStream</a:t>
-            </a:r>
-            <a:r>
-              <a:rPr lang="zh-CN" altLang="en-US" dirty="0" smtClean="0"/>
-              <a:t>用</a:t>
-            </a:r>
-            <a:r>
-              <a:rPr lang="zh-CN" altLang="en-US" dirty="0" smtClean="0"/>
-              <a:t>以进行下面的读操作</a:t>
-            </a:r>
-            <a:endParaRPr lang="en-US" altLang="zh-CN" dirty="0" smtClean="0"/>
-          </a:p>
-          <a:p>
-            <a:pPr>
-              <a:buNone/>
-            </a:pPr>
-            <a:r>
-              <a:rPr lang="zh-CN" altLang="en-US" dirty="0" smtClean="0"/>
-              <a:t>④</a:t>
-            </a:r>
-            <a:r>
-              <a:rPr lang="zh-CN" altLang="en-US" dirty="0" smtClean="0"/>
-              <a:t>为了方便读取请求，写</a:t>
-            </a:r>
-            <a:r>
-              <a:rPr lang="en-US" altLang="zh-CN" dirty="0" err="1" smtClean="0"/>
-              <a:t>readLine</a:t>
-            </a:r>
-            <a:r>
-              <a:rPr lang="en-US" altLang="zh-CN" dirty="0" smtClean="0"/>
-              <a:t>()</a:t>
-            </a:r>
-            <a:r>
-              <a:rPr lang="zh-CN" altLang="en-US" dirty="0" smtClean="0"/>
-              <a:t>方法对请求按行读取</a:t>
-            </a:r>
-            <a:endParaRPr lang="en-US" altLang="zh-CN" dirty="0" smtClean="0"/>
-          </a:p>
-          <a:p>
-            <a:pPr>
-              <a:buNone/>
-            </a:pPr>
-            <a:r>
-              <a:rPr lang="zh-CN" altLang="en-US" dirty="0" smtClean="0"/>
-              <a:t>⑤开始解析操作，因为一个请求含有三部分</a:t>
-            </a:r>
-            <a:r>
-              <a:rPr lang="en-US" altLang="zh-CN" dirty="0" smtClean="0"/>
-              <a:t>(</a:t>
-            </a:r>
-            <a:r>
-              <a:rPr lang="zh-CN" altLang="en-US" dirty="0" smtClean="0"/>
-              <a:t>请求行，消息头，消息正文</a:t>
-            </a:r>
-            <a:r>
-              <a:rPr lang="en-US" altLang="zh-CN" dirty="0" smtClean="0"/>
-              <a:t>)</a:t>
-            </a:r>
-            <a:r>
-              <a:rPr lang="zh-CN" altLang="en-US" dirty="0" smtClean="0"/>
-              <a:t>，写三个方法解析</a:t>
-            </a:r>
-            <a:r>
-              <a:rPr lang="zh-CN" altLang="en-US" dirty="0" smtClean="0"/>
-              <a:t>三</a:t>
-            </a:r>
-            <a:r>
-              <a:rPr lang="zh-CN" altLang="en-US" dirty="0" smtClean="0"/>
-              <a:t>个部分，分别为</a:t>
-            </a:r>
-            <a:endParaRPr lang="en-US" altLang="zh-CN" dirty="0" smtClean="0"/>
-          </a:p>
-          <a:p>
-            <a:pPr>
-              <a:buNone/>
-            </a:pPr>
-            <a:r>
-              <a:rPr lang="en-US" altLang="zh-CN" dirty="0" smtClean="0"/>
-              <a:t>1)</a:t>
-            </a:r>
-            <a:r>
-              <a:rPr lang="en-US" altLang="zh-CN" dirty="0" err="1" smtClean="0"/>
-              <a:t>parseReqeustLine</a:t>
-            </a:r>
-            <a:r>
-              <a:rPr lang="en-US" altLang="zh-CN" dirty="0" smtClean="0"/>
-              <a:t>();</a:t>
-            </a:r>
-          </a:p>
-          <a:p>
-            <a:pPr>
-              <a:buNone/>
-            </a:pPr>
-            <a:r>
-              <a:rPr lang="en-US" altLang="zh-CN" dirty="0" smtClean="0"/>
-              <a:t>2)</a:t>
-            </a:r>
-            <a:r>
-              <a:rPr lang="en-US" altLang="zh-CN" dirty="0" err="1" smtClean="0"/>
-              <a:t>parseHeaders</a:t>
-            </a:r>
-            <a:r>
-              <a:rPr lang="en-US" altLang="zh-CN" dirty="0" smtClean="0"/>
-              <a:t>();</a:t>
-            </a:r>
-          </a:p>
-          <a:p>
-            <a:pPr>
-              <a:buNone/>
-            </a:pPr>
-            <a:r>
-              <a:rPr lang="en-US" altLang="zh-CN" dirty="0" smtClean="0"/>
-              <a:t>3)</a:t>
-            </a:r>
-            <a:r>
-              <a:rPr lang="en-US" altLang="zh-CN" dirty="0" err="1" smtClean="0"/>
-              <a:t>parseContent</a:t>
-            </a:r>
-            <a:r>
-              <a:rPr lang="en-US" altLang="zh-CN" dirty="0" smtClean="0"/>
-              <a:t>();</a:t>
-            </a:r>
-            <a:endParaRPr lang="en-US" altLang="zh-CN" dirty="0" smtClean="0"/>
-          </a:p>
-          <a:p>
-            <a:pPr>
-              <a:buNone/>
-            </a:pPr>
-            <a:endParaRPr lang="en-US" altLang="zh-CN" dirty="0" smtClean="0"/>
+            <a:r>
+              <a:rPr lang="zh-CN" altLang="en-US" sz="6000" dirty="0" smtClean="0"/>
+              <a:t>五</a:t>
+            </a:r>
+            <a:r>
+              <a:rPr lang="en-US" altLang="zh-CN" sz="6000" dirty="0" smtClean="0"/>
+              <a:t>.</a:t>
+            </a:r>
+            <a:r>
+              <a:rPr lang="zh-CN" altLang="en-US" sz="6000" dirty="0" smtClean="0"/>
+              <a:t>我的默写思路</a:t>
+            </a:r>
+            <a:endParaRPr lang="zh-CN" altLang="en-US" sz="6000" dirty="0"/>
           </a:p>
         </p:txBody>
       </p:sp>
@@ -9596,7 +8994,7 @@
       </p:grpSpPr>
       <p:sp>
         <p:nvSpPr>
-          <p:cNvPr id="2" name="标题 1"/>
+          <p:cNvPr id="2" name="Rectangle 1"/>
           <p:cNvSpPr>
             <a:spLocks noGrp="1"/>
           </p:cNvSpPr>
@@ -9604,18 +9002,35 @@
             <p:ph type="title"/>
           </p:nvPr>
         </p:nvSpPr>
-        <p:spPr/>
+        <p:spPr>
+          <a:xfrm>
+            <a:off x="503238" y="4992688"/>
+            <a:ext cx="8183562" cy="1050925"/>
+          </a:xfrm>
+        </p:spPr>
         <p:txBody>
           <a:bodyPr/>
           <a:lstStyle/>
           <a:p>
-            <a:endParaRPr lang="zh-CN" altLang="en-US"/>
-          </a:p>
-        </p:txBody>
-      </p:sp>
-      <p:sp>
-        <p:nvSpPr>
-          <p:cNvPr id="3" name="内容占位符 2"/>
+            <a:r>
+              <a:rPr lang="zh-CN" altLang="en-US" dirty="0" smtClean="0"/>
+              <a:t>默写</a:t>
+            </a:r>
+            <a:r>
+              <a:rPr lang="en-US" altLang="zh-CN" dirty="0" err="1" smtClean="0"/>
+              <a:t>WebServer</a:t>
+            </a:r>
+            <a:r>
+              <a:rPr lang="zh-CN" altLang="en-US" dirty="0" smtClean="0"/>
+              <a:t>的思路（部分）</a:t>
+            </a:r>
+            <a:endParaRPr lang="zh-CN" dirty="0"/>
+          </a:p>
+        </p:txBody>
+      </p:sp>
+      <p:sp>
+        <p:nvSpPr>
+          <p:cNvPr id="3" name="Rectangle 2"/>
           <p:cNvSpPr>
             <a:spLocks noGrp="1"/>
           </p:cNvSpPr>
@@ -9623,30 +9038,292 @@
             <p:ph idx="1"/>
           </p:nvPr>
         </p:nvSpPr>
-        <p:spPr/>
+        <p:spPr>
+          <a:xfrm>
+            <a:off x="503238" y="530225"/>
+            <a:ext cx="8183562" cy="4770983"/>
+          </a:xfrm>
+        </p:spPr>
         <p:txBody>
           <a:bodyPr>
-            <a:normAutofit/>
+            <a:normAutofit fontScale="62500" lnSpcReduction="20000"/>
           </a:bodyPr>
           <a:lstStyle/>
           <a:p>
-            <a:r>
-              <a:rPr lang="zh-CN" altLang="en-US" sz="8000" dirty="0" smtClean="0"/>
-              <a:t>六</a:t>
-            </a:r>
-            <a:r>
-              <a:rPr lang="en-US" altLang="zh-CN" sz="8000" dirty="0" smtClean="0"/>
-              <a:t>.</a:t>
-            </a:r>
-            <a:r>
-              <a:rPr lang="zh-CN" altLang="en-US" sz="8000" dirty="0" smtClean="0"/>
-              <a:t>常见</a:t>
-            </a:r>
-            <a:r>
-              <a:rPr lang="en-US" altLang="zh-CN" sz="8000" dirty="0" smtClean="0"/>
-              <a:t>Bug</a:t>
-            </a:r>
-            <a:endParaRPr lang="zh-CN" altLang="en-US" sz="8000" dirty="0"/>
+            <a:pPr>
+              <a:buNone/>
+            </a:pPr>
+            <a:r>
+              <a:rPr lang="en-US" altLang="zh-CN" dirty="0" smtClean="0"/>
+              <a:t>1.</a:t>
+            </a:r>
+            <a:r>
+              <a:rPr lang="zh-CN" altLang="en-US" dirty="0" smtClean="0"/>
+              <a:t>心里想着需求默写（或者说需要实现的功能），</a:t>
+            </a:r>
+            <a:endParaRPr lang="en-US" altLang="zh-CN" dirty="0" smtClean="0"/>
+          </a:p>
+          <a:p>
+            <a:pPr>
+              <a:buNone/>
+            </a:pPr>
+            <a:r>
+              <a:rPr lang="en-US" altLang="zh-CN" dirty="0" err="1" smtClean="0"/>
+              <a:t>WebServer</a:t>
+            </a:r>
+            <a:r>
+              <a:rPr lang="zh-CN" altLang="en-US" dirty="0" smtClean="0"/>
+              <a:t>项目的总需求为：</a:t>
+            </a:r>
+            <a:endParaRPr lang="en-US" altLang="zh-CN" dirty="0" smtClean="0"/>
+          </a:p>
+          <a:p>
+            <a:pPr>
+              <a:buNone/>
+            </a:pPr>
+            <a:r>
+              <a:rPr lang="zh-CN" altLang="en-US" dirty="0" smtClean="0"/>
+              <a:t>①启动一个服务器</a:t>
+            </a:r>
+            <a:endParaRPr lang="en-US" altLang="zh-CN" dirty="0" smtClean="0"/>
+          </a:p>
+          <a:p>
+            <a:pPr>
+              <a:buNone/>
+            </a:pPr>
+            <a:r>
+              <a:rPr lang="zh-CN" altLang="en-US" dirty="0" smtClean="0"/>
+              <a:t>②解析请求</a:t>
+            </a:r>
+            <a:endParaRPr lang="en-US" altLang="zh-CN" dirty="0" smtClean="0"/>
+          </a:p>
+          <a:p>
+            <a:pPr>
+              <a:buNone/>
+            </a:pPr>
+            <a:r>
+              <a:rPr lang="zh-CN" altLang="en-US" dirty="0" smtClean="0"/>
+              <a:t>③响应客户端</a:t>
+            </a:r>
+            <a:endParaRPr lang="en-US" altLang="zh-CN" dirty="0" smtClean="0"/>
+          </a:p>
+          <a:p>
+            <a:pPr>
+              <a:buNone/>
+            </a:pPr>
+            <a:endParaRPr lang="en-US" altLang="zh-CN" dirty="0" smtClean="0"/>
+          </a:p>
+          <a:p>
+            <a:pPr>
+              <a:buNone/>
+            </a:pPr>
+            <a:r>
+              <a:rPr lang="en-US" altLang="zh-CN" dirty="0" smtClean="0"/>
+              <a:t>2.</a:t>
+            </a:r>
+            <a:r>
+              <a:rPr lang="zh-CN" altLang="en-US" dirty="0" smtClean="0"/>
+              <a:t>启动一个服务器</a:t>
+            </a:r>
+            <a:endParaRPr lang="en-US" altLang="zh-CN" dirty="0" smtClean="0"/>
+          </a:p>
+          <a:p>
+            <a:pPr>
+              <a:buNone/>
+            </a:pPr>
+            <a:r>
+              <a:rPr lang="zh-CN" altLang="en-US" dirty="0" smtClean="0"/>
+              <a:t>①创建</a:t>
+            </a:r>
+            <a:r>
+              <a:rPr lang="en-US" altLang="zh-CN" dirty="0" err="1" smtClean="0"/>
+              <a:t>WebServer</a:t>
+            </a:r>
+            <a:r>
+              <a:rPr lang="zh-CN" altLang="en-US" dirty="0" smtClean="0"/>
+              <a:t>类</a:t>
+            </a:r>
+            <a:endParaRPr lang="en-US" altLang="zh-CN" dirty="0" smtClean="0"/>
+          </a:p>
+          <a:p>
+            <a:pPr>
+              <a:buNone/>
+            </a:pPr>
+            <a:r>
+              <a:rPr lang="zh-CN" altLang="en-US" dirty="0" smtClean="0"/>
+              <a:t>②为了初始化</a:t>
+            </a:r>
+            <a:r>
+              <a:rPr lang="en-US" altLang="zh-CN" dirty="0" err="1" smtClean="0"/>
+              <a:t>ServerSocket</a:t>
+            </a:r>
+            <a:r>
+              <a:rPr lang="zh-CN" altLang="en-US" dirty="0" smtClean="0"/>
+              <a:t>和</a:t>
+            </a:r>
+            <a:r>
+              <a:rPr lang="en-US" altLang="zh-CN" dirty="0" err="1" smtClean="0"/>
+              <a:t>ExecutorService</a:t>
+            </a:r>
+            <a:endParaRPr lang="en-US" altLang="zh-CN" dirty="0" smtClean="0"/>
+          </a:p>
+          <a:p>
+            <a:pPr>
+              <a:buNone/>
+            </a:pPr>
+            <a:r>
+              <a:rPr lang="zh-CN" altLang="en-US" dirty="0" smtClean="0"/>
+              <a:t>写出构造方法</a:t>
+            </a:r>
+            <a:endParaRPr lang="en-US" altLang="zh-CN" dirty="0" smtClean="0"/>
+          </a:p>
+          <a:p>
+            <a:pPr>
+              <a:buNone/>
+            </a:pPr>
+            <a:r>
+              <a:rPr lang="zh-CN" altLang="en-US" dirty="0" smtClean="0"/>
+              <a:t>③为了接收并处理客户端，写出</a:t>
+            </a:r>
+            <a:r>
+              <a:rPr lang="en-US" altLang="zh-CN" dirty="0" smtClean="0"/>
+              <a:t>start()</a:t>
+            </a:r>
+            <a:r>
+              <a:rPr lang="zh-CN" altLang="en-US" dirty="0" smtClean="0"/>
+              <a:t>方法</a:t>
+            </a:r>
+            <a:endParaRPr lang="en-US" altLang="zh-CN" dirty="0" smtClean="0"/>
+          </a:p>
+          <a:p>
+            <a:pPr>
+              <a:buNone/>
+            </a:pPr>
+            <a:r>
+              <a:rPr lang="zh-CN" altLang="en-US" dirty="0" smtClean="0"/>
+              <a:t>④因为项目需要主程序，写出</a:t>
+            </a:r>
+            <a:r>
+              <a:rPr lang="en-US" altLang="zh-CN" dirty="0" smtClean="0"/>
+              <a:t>main()</a:t>
+            </a:r>
+            <a:r>
+              <a:rPr lang="zh-CN" altLang="en-US" dirty="0" smtClean="0"/>
+              <a:t>方法让程序拥有主入口，</a:t>
+            </a:r>
+            <a:endParaRPr lang="en-US" altLang="zh-CN" dirty="0" smtClean="0"/>
+          </a:p>
+          <a:p>
+            <a:pPr>
+              <a:buNone/>
+            </a:pPr>
+            <a:r>
+              <a:rPr lang="zh-CN" altLang="en-US" dirty="0" smtClean="0"/>
+              <a:t>并把自身实例化调用</a:t>
+            </a:r>
+            <a:r>
+              <a:rPr lang="en-US" altLang="zh-CN" dirty="0" smtClean="0"/>
+              <a:t>start()</a:t>
+            </a:r>
+            <a:r>
+              <a:rPr lang="zh-CN" altLang="en-US" dirty="0" smtClean="0"/>
+              <a:t>方法</a:t>
+            </a:r>
+            <a:endParaRPr lang="en-US" altLang="zh-CN" dirty="0" smtClean="0"/>
+          </a:p>
+          <a:p>
+            <a:pPr>
+              <a:buNone/>
+            </a:pPr>
+            <a:r>
+              <a:rPr lang="zh-CN" altLang="en-US" dirty="0" smtClean="0"/>
+              <a:t>⑤因为处理客户端太复杂而且需要同时处理多个客户端，所以创造</a:t>
+            </a:r>
+            <a:r>
+              <a:rPr lang="en-US" altLang="zh-CN" dirty="0" err="1" smtClean="0"/>
+              <a:t>ClientHandler</a:t>
+            </a:r>
+            <a:r>
+              <a:rPr lang="zh-CN" altLang="en-US" dirty="0" smtClean="0"/>
+              <a:t>类继承</a:t>
+            </a:r>
+            <a:r>
+              <a:rPr lang="en-US" altLang="zh-CN" dirty="0" err="1" smtClean="0"/>
+              <a:t>Runnable</a:t>
+            </a:r>
+            <a:r>
+              <a:rPr lang="zh-CN" altLang="en-US" dirty="0" smtClean="0"/>
+              <a:t>接口</a:t>
+            </a:r>
+            <a:endParaRPr lang="en-US" altLang="zh-CN" dirty="0" smtClean="0"/>
+          </a:p>
+          <a:p>
+            <a:pPr>
+              <a:buNone/>
+            </a:pPr>
+            <a:r>
+              <a:rPr lang="zh-CN" altLang="en-US" dirty="0" smtClean="0"/>
+              <a:t>⑥因为继承了</a:t>
+            </a:r>
+            <a:r>
+              <a:rPr lang="en-US" altLang="zh-CN" dirty="0" err="1" smtClean="0"/>
+              <a:t>Runnable</a:t>
+            </a:r>
+            <a:r>
+              <a:rPr lang="zh-CN" altLang="en-US" dirty="0" smtClean="0"/>
+              <a:t>接口，所以重写</a:t>
+            </a:r>
+            <a:r>
+              <a:rPr lang="en-US" altLang="zh-CN" dirty="0" smtClean="0"/>
+              <a:t>run()</a:t>
+            </a:r>
+            <a:r>
+              <a:rPr lang="zh-CN" altLang="en-US" dirty="0" smtClean="0"/>
+              <a:t>方法</a:t>
+            </a:r>
+            <a:endParaRPr lang="en-US" altLang="zh-CN" dirty="0" smtClean="0"/>
+          </a:p>
+          <a:p>
+            <a:pPr>
+              <a:buNone/>
+            </a:pPr>
+            <a:r>
+              <a:rPr lang="zh-CN" altLang="en-US" dirty="0" smtClean="0"/>
+              <a:t>⑦为了让</a:t>
+            </a:r>
+            <a:r>
+              <a:rPr lang="en-US" altLang="zh-CN" dirty="0" err="1" smtClean="0"/>
+              <a:t>ClienHandler</a:t>
+            </a:r>
+            <a:r>
+              <a:rPr lang="zh-CN" altLang="en-US" dirty="0" smtClean="0"/>
+              <a:t>看到</a:t>
+            </a:r>
+            <a:r>
+              <a:rPr lang="en-US" altLang="zh-CN" dirty="0" err="1" smtClean="0"/>
+              <a:t>WebServer</a:t>
+            </a:r>
+            <a:r>
+              <a:rPr lang="zh-CN" altLang="en-US" dirty="0" smtClean="0"/>
+              <a:t>中的</a:t>
+            </a:r>
+            <a:r>
+              <a:rPr lang="en-US" altLang="zh-CN" dirty="0" smtClean="0"/>
+              <a:t>socket</a:t>
+            </a:r>
+            <a:r>
+              <a:rPr lang="zh-CN" altLang="en-US" dirty="0" smtClean="0"/>
+              <a:t>，写构造方法，把</a:t>
+            </a:r>
+            <a:r>
+              <a:rPr lang="en-US" altLang="zh-CN" dirty="0" smtClean="0"/>
+              <a:t>socket</a:t>
+            </a:r>
+            <a:r>
+              <a:rPr lang="zh-CN" altLang="en-US" dirty="0" smtClean="0"/>
+              <a:t>传入</a:t>
+            </a:r>
+            <a:endParaRPr lang="zh-CN" dirty="0"/>
           </a:p>
         </p:txBody>
       </p:sp>
@@ -9704,6 +9381,369 @@
           <a:p>
             <a:r>
               <a:rPr lang="zh-CN" altLang="en-US" dirty="0" smtClean="0"/>
+              <a:t>默写</a:t>
+            </a:r>
+            <a:r>
+              <a:rPr lang="en-US" altLang="zh-CN" dirty="0" err="1" smtClean="0"/>
+              <a:t>WebServer</a:t>
+            </a:r>
+            <a:r>
+              <a:rPr lang="zh-CN" altLang="en-US" dirty="0" smtClean="0"/>
+              <a:t>的思路（部分）</a:t>
+            </a:r>
+            <a:endParaRPr lang="zh-CN" dirty="0"/>
+          </a:p>
+        </p:txBody>
+      </p:sp>
+      <p:sp>
+        <p:nvSpPr>
+          <p:cNvPr id="3" name="Rectangle 2"/>
+          <p:cNvSpPr>
+            <a:spLocks noGrp="1"/>
+          </p:cNvSpPr>
+          <p:nvPr>
+            <p:ph idx="1"/>
+          </p:nvPr>
+        </p:nvSpPr>
+        <p:spPr>
+          <a:xfrm>
+            <a:off x="503238" y="530225"/>
+            <a:ext cx="8183562" cy="4770983"/>
+          </a:xfrm>
+        </p:spPr>
+        <p:txBody>
+          <a:bodyPr>
+            <a:normAutofit fontScale="92500" lnSpcReduction="20000"/>
+          </a:bodyPr>
+          <a:lstStyle/>
+          <a:p>
+            <a:pPr>
+              <a:buNone/>
+            </a:pPr>
+            <a:r>
+              <a:rPr lang="en-US" altLang="zh-CN" dirty="0" smtClean="0"/>
+              <a:t>3.</a:t>
+            </a:r>
+            <a:r>
+              <a:rPr lang="zh-CN" altLang="en-US" dirty="0" smtClean="0"/>
+              <a:t>解析请求</a:t>
+            </a:r>
+            <a:endParaRPr lang="en-US" altLang="zh-CN" dirty="0" smtClean="0"/>
+          </a:p>
+          <a:p>
+            <a:pPr>
+              <a:buNone/>
+            </a:pPr>
+            <a:r>
+              <a:rPr lang="zh-CN" altLang="en-US" dirty="0" smtClean="0"/>
+              <a:t>①创造类</a:t>
+            </a:r>
+            <a:r>
+              <a:rPr lang="en-US" altLang="zh-CN" dirty="0" err="1" smtClean="0"/>
+              <a:t>HttpRequest</a:t>
+            </a:r>
+            <a:r>
+              <a:rPr lang="zh-CN" altLang="en-US" dirty="0" smtClean="0"/>
+              <a:t>用以解析请求</a:t>
+            </a:r>
+            <a:endParaRPr lang="en-US" altLang="zh-CN" dirty="0" smtClean="0"/>
+          </a:p>
+          <a:p>
+            <a:pPr>
+              <a:buNone/>
+            </a:pPr>
+            <a:r>
+              <a:rPr lang="zh-CN" altLang="en-US" dirty="0" smtClean="0"/>
+              <a:t>②为了看到</a:t>
+            </a:r>
+            <a:r>
+              <a:rPr lang="en-US" altLang="zh-CN" dirty="0" smtClean="0"/>
+              <a:t>socket</a:t>
+            </a:r>
+            <a:r>
+              <a:rPr lang="zh-CN" altLang="en-US" dirty="0" smtClean="0"/>
+              <a:t>，写构造方法，把</a:t>
+            </a:r>
+            <a:r>
+              <a:rPr lang="en-US" altLang="zh-CN" dirty="0" smtClean="0"/>
+              <a:t>socket</a:t>
+            </a:r>
+            <a:r>
+              <a:rPr lang="zh-CN" altLang="en-US" dirty="0" smtClean="0"/>
+              <a:t>传入</a:t>
+            </a:r>
+            <a:endParaRPr lang="en-US" altLang="zh-CN" dirty="0" smtClean="0"/>
+          </a:p>
+          <a:p>
+            <a:pPr>
+              <a:buNone/>
+            </a:pPr>
+            <a:r>
+              <a:rPr lang="zh-CN" altLang="en-US" dirty="0" smtClean="0"/>
+              <a:t>③因为需要解析请求，打开一条输入流</a:t>
+            </a:r>
+            <a:r>
+              <a:rPr lang="en-US" altLang="zh-CN" dirty="0" err="1" smtClean="0"/>
+              <a:t>OutputStream</a:t>
+            </a:r>
+            <a:r>
+              <a:rPr lang="zh-CN" altLang="en-US" dirty="0" smtClean="0"/>
+              <a:t>用以进行下面的读操作</a:t>
+            </a:r>
+            <a:endParaRPr lang="en-US" altLang="zh-CN" dirty="0" smtClean="0"/>
+          </a:p>
+          <a:p>
+            <a:pPr>
+              <a:buNone/>
+            </a:pPr>
+            <a:r>
+              <a:rPr lang="zh-CN" altLang="en-US" dirty="0" smtClean="0"/>
+              <a:t>④为了方便读取请求，写</a:t>
+            </a:r>
+            <a:r>
+              <a:rPr lang="en-US" altLang="zh-CN" dirty="0" err="1" smtClean="0"/>
+              <a:t>readLine</a:t>
+            </a:r>
+            <a:r>
+              <a:rPr lang="en-US" altLang="zh-CN" dirty="0" smtClean="0"/>
+              <a:t>()</a:t>
+            </a:r>
+            <a:r>
+              <a:rPr lang="zh-CN" altLang="en-US" dirty="0" smtClean="0"/>
+              <a:t>方法对请求按行读取</a:t>
+            </a:r>
+            <a:endParaRPr lang="en-US" altLang="zh-CN" dirty="0" smtClean="0"/>
+          </a:p>
+          <a:p>
+            <a:pPr>
+              <a:buNone/>
+            </a:pPr>
+            <a:r>
+              <a:rPr lang="zh-CN" altLang="en-US" dirty="0" smtClean="0"/>
+              <a:t>⑤开始解析操作，因为一个请求含有三部分</a:t>
+            </a:r>
+            <a:r>
+              <a:rPr lang="en-US" altLang="zh-CN" dirty="0" smtClean="0"/>
+              <a:t>(</a:t>
+            </a:r>
+            <a:r>
+              <a:rPr lang="zh-CN" altLang="en-US" dirty="0" smtClean="0"/>
+              <a:t>请求行，消息头，消息正文</a:t>
+            </a:r>
+            <a:r>
+              <a:rPr lang="en-US" altLang="zh-CN" dirty="0" smtClean="0"/>
+              <a:t>)</a:t>
+            </a:r>
+            <a:r>
+              <a:rPr lang="zh-CN" altLang="en-US" dirty="0" smtClean="0"/>
+              <a:t>，写三个方法解析三个部分，分别为</a:t>
+            </a:r>
+            <a:endParaRPr lang="en-US" altLang="zh-CN" dirty="0" smtClean="0"/>
+          </a:p>
+          <a:p>
+            <a:pPr>
+              <a:buNone/>
+            </a:pPr>
+            <a:r>
+              <a:rPr lang="en-US" altLang="zh-CN" dirty="0" smtClean="0"/>
+              <a:t>1)</a:t>
+            </a:r>
+            <a:r>
+              <a:rPr lang="en-US" altLang="zh-CN" dirty="0" err="1" smtClean="0"/>
+              <a:t>parseReqeustLine</a:t>
+            </a:r>
+            <a:r>
+              <a:rPr lang="en-US" altLang="zh-CN" dirty="0" smtClean="0"/>
+              <a:t>();</a:t>
+            </a:r>
+            <a:endParaRPr lang="en-US" altLang="zh-CN" dirty="0" smtClean="0"/>
+          </a:p>
+          <a:p>
+            <a:pPr>
+              <a:buNone/>
+            </a:pPr>
+            <a:r>
+              <a:rPr lang="en-US" altLang="zh-CN" dirty="0" smtClean="0"/>
+              <a:t>2)</a:t>
+            </a:r>
+            <a:r>
+              <a:rPr lang="en-US" altLang="zh-CN" dirty="0" err="1" smtClean="0"/>
+              <a:t>parseHeaders</a:t>
+            </a:r>
+            <a:r>
+              <a:rPr lang="en-US" altLang="zh-CN" dirty="0" smtClean="0"/>
+              <a:t>();</a:t>
+            </a:r>
+            <a:endParaRPr lang="en-US" altLang="zh-CN" dirty="0" smtClean="0"/>
+          </a:p>
+          <a:p>
+            <a:pPr>
+              <a:buNone/>
+            </a:pPr>
+            <a:r>
+              <a:rPr lang="en-US" altLang="zh-CN" dirty="0" smtClean="0"/>
+              <a:t>3)</a:t>
+            </a:r>
+            <a:r>
+              <a:rPr lang="en-US" altLang="zh-CN" dirty="0" err="1" smtClean="0"/>
+              <a:t>parseContent</a:t>
+            </a:r>
+            <a:r>
+              <a:rPr lang="en-US" altLang="zh-CN" dirty="0" smtClean="0"/>
+              <a:t>();</a:t>
+            </a:r>
+            <a:endParaRPr lang="en-US" altLang="zh-CN" dirty="0" smtClean="0"/>
+          </a:p>
+          <a:p>
+            <a:pPr>
+              <a:buNone/>
+            </a:pPr>
+            <a:endParaRPr lang="en-US" altLang="zh-CN" dirty="0" smtClean="0"/>
+          </a:p>
+        </p:txBody>
+      </p:sp>
+    </p:spTree>
+  </p:cSld>
+  <p:clrMapOvr>
+    <a:masterClrMapping/>
+  </p:clrMapOvr>
+  <p:timing>
+    <p:tnLst>
+      <p:par>
+        <p:cTn id="1" dur="indefinite" restart="never" nodeType="tmRoot"/>
+      </p:par>
+    </p:tnLst>
+  </p:timing>
+</p:sld>
+</file>
+
+<file path=ppt/slides/slide28.xml><?xml version="1.0" encoding="utf-8"?>
+<p:sld xmlns:a="http://schemas.openxmlformats.org/drawingml/2006/main" xmlns:r="http://schemas.openxmlformats.org/officeDocument/2006/relationships" xmlns:p="http://schemas.openxmlformats.org/presentationml/2006/main">
+  <p:cSld>
+    <p:spTree>
+      <p:nvGrpSpPr>
+        <p:cNvPr id="1" name=""/>
+        <p:cNvGrpSpPr/>
+        <p:nvPr/>
+      </p:nvGrpSpPr>
+      <p:grpSpPr>
+        <a:xfrm>
+          <a:off x="0" y="0"/>
+          <a:ext cx="0" cy="0"/>
+          <a:chOff x="0" y="0"/>
+          <a:chExt cx="0" cy="0"/>
+        </a:xfrm>
+      </p:grpSpPr>
+      <p:sp>
+        <p:nvSpPr>
+          <p:cNvPr id="2" name="标题 1"/>
+          <p:cNvSpPr>
+            <a:spLocks noGrp="1"/>
+          </p:cNvSpPr>
+          <p:nvPr>
+            <p:ph type="title"/>
+          </p:nvPr>
+        </p:nvSpPr>
+        <p:spPr/>
+        <p:txBody>
+          <a:bodyPr/>
+          <a:lstStyle/>
+          <a:p>
+            <a:endParaRPr lang="zh-CN" altLang="en-US"/>
+          </a:p>
+        </p:txBody>
+      </p:sp>
+      <p:sp>
+        <p:nvSpPr>
+          <p:cNvPr id="3" name="内容占位符 2"/>
+          <p:cNvSpPr>
+            <a:spLocks noGrp="1"/>
+          </p:cNvSpPr>
+          <p:nvPr>
+            <p:ph idx="1"/>
+          </p:nvPr>
+        </p:nvSpPr>
+        <p:spPr/>
+        <p:txBody>
+          <a:bodyPr>
+            <a:normAutofit/>
+          </a:bodyPr>
+          <a:lstStyle/>
+          <a:p>
+            <a:r>
+              <a:rPr lang="zh-CN" altLang="en-US" sz="8000" dirty="0" smtClean="0"/>
+              <a:t>六</a:t>
+            </a:r>
+            <a:r>
+              <a:rPr lang="en-US" altLang="zh-CN" sz="8000" dirty="0" smtClean="0"/>
+              <a:t>.</a:t>
+            </a:r>
+            <a:r>
+              <a:rPr lang="zh-CN" altLang="en-US" sz="8000" dirty="0" smtClean="0"/>
+              <a:t>常见</a:t>
+            </a:r>
+            <a:r>
+              <a:rPr lang="en-US" altLang="zh-CN" sz="8000" dirty="0" smtClean="0"/>
+              <a:t>Bug</a:t>
+            </a:r>
+            <a:endParaRPr lang="zh-CN" altLang="en-US" sz="8000" dirty="0"/>
+          </a:p>
+        </p:txBody>
+      </p:sp>
+    </p:spTree>
+  </p:cSld>
+  <p:clrMapOvr>
+    <a:masterClrMapping/>
+  </p:clrMapOvr>
+  <p:timing>
+    <p:tnLst>
+      <p:par>
+        <p:cTn id="1" dur="indefinite" restart="never" nodeType="tmRoot"/>
+      </p:par>
+    </p:tnLst>
+  </p:timing>
+</p:sld>
+</file>
+
+<file path=ppt/slides/slide29.xml><?xml version="1.0" encoding="utf-8"?>
+<p:sld xmlns:a="http://schemas.openxmlformats.org/drawingml/2006/main" xmlns:r="http://schemas.openxmlformats.org/officeDocument/2006/relationships" xmlns:p="http://schemas.openxmlformats.org/presentationml/2006/main">
+  <p:cSld>
+    <p:spTree>
+      <p:nvGrpSpPr>
+        <p:cNvPr id="1" name=""/>
+        <p:cNvGrpSpPr/>
+        <p:nvPr/>
+      </p:nvGrpSpPr>
+      <p:grpSpPr>
+        <a:xfrm>
+          <a:off x="0" y="0"/>
+          <a:ext cx="0" cy="0"/>
+          <a:chOff x="0" y="0"/>
+          <a:chExt cx="0" cy="0"/>
+        </a:xfrm>
+      </p:grpSpPr>
+      <p:sp>
+        <p:nvSpPr>
+          <p:cNvPr id="2" name="Rectangle 1"/>
+          <p:cNvSpPr>
+            <a:spLocks noGrp="1"/>
+          </p:cNvSpPr>
+          <p:nvPr>
+            <p:ph type="title"/>
+          </p:nvPr>
+        </p:nvSpPr>
+        <p:spPr>
+          <a:xfrm>
+            <a:off x="503238" y="4992688"/>
+            <a:ext cx="8183562" cy="1050925"/>
+          </a:xfrm>
+        </p:spPr>
+        <p:txBody>
+          <a:bodyPr/>
+          <a:lstStyle/>
+          <a:p>
+            <a:r>
+              <a:rPr lang="zh-CN" altLang="en-US" dirty="0" smtClean="0"/>
               <a:t>常见</a:t>
             </a:r>
             <a:r>
@@ -9740,6 +9780,7 @@
               <a:rPr lang="en-US" altLang="zh-CN" dirty="0" smtClean="0"/>
               <a:t>1.</a:t>
             </a:r>
+            <a:endParaRPr lang="en-US" altLang="zh-CN" dirty="0" smtClean="0"/>
           </a:p>
           <a:p>
             <a:r>
@@ -9773,50 +9814,46 @@
             </a:r>
             <a:r>
               <a:rPr lang="zh-CN" altLang="en-US" dirty="0" smtClean="0"/>
+              <a:t>原因：</a:t>
+            </a:r>
+            <a:r>
+              <a:rPr lang="en-US" altLang="zh-CN" dirty="0" smtClean="0"/>
+              <a:t>socket</a:t>
+            </a:r>
+            <a:r>
+              <a:rPr lang="zh-CN" altLang="en-US" dirty="0" smtClean="0"/>
+              <a:t>没关</a:t>
+            </a:r>
+            <a:endParaRPr lang="en-US" altLang="zh-CN" dirty="0" smtClean="0"/>
+          </a:p>
+          <a:p>
+            <a:endParaRPr lang="en-US" altLang="zh-CN" dirty="0" smtClean="0"/>
+          </a:p>
+          <a:p>
+            <a:r>
+              <a:rPr lang="en-US" altLang="zh-CN" dirty="0" smtClean="0"/>
+              <a:t>3.</a:t>
+            </a:r>
+            <a:r>
+              <a:rPr lang="zh-CN" altLang="en-US" dirty="0" smtClean="0"/>
+              <a:t>注册登录时使用英文可以登录，但使用中文时无法登录</a:t>
+            </a:r>
+            <a:endParaRPr lang="en-US" altLang="zh-CN" dirty="0" smtClean="0"/>
+          </a:p>
+          <a:p>
+            <a:r>
+              <a:rPr lang="zh-CN" altLang="en-US" dirty="0" smtClean="0"/>
+              <a:t>①</a:t>
+            </a:r>
+            <a:r>
+              <a:rPr lang="en-US" altLang="zh-CN" dirty="0" smtClean="0"/>
+              <a:t>Bug</a:t>
+            </a:r>
+            <a:r>
+              <a:rPr lang="zh-CN" altLang="en-US" dirty="0" smtClean="0"/>
               <a:t>原因</a:t>
             </a:r>
             <a:r>
-              <a:rPr lang="zh-CN" altLang="en-US" dirty="0" smtClean="0"/>
-              <a:t>：</a:t>
-            </a:r>
-            <a:r>
-              <a:rPr lang="en-US" altLang="zh-CN" dirty="0" smtClean="0"/>
-              <a:t>socket</a:t>
-            </a:r>
-            <a:r>
-              <a:rPr lang="zh-CN" altLang="en-US" dirty="0" smtClean="0"/>
-              <a:t>没关</a:t>
-            </a:r>
-            <a:endParaRPr lang="en-US" altLang="zh-CN" dirty="0" smtClean="0"/>
-          </a:p>
-          <a:p>
-            <a:endParaRPr lang="en-US" altLang="zh-CN" dirty="0" smtClean="0"/>
-          </a:p>
-          <a:p>
-            <a:r>
-              <a:rPr lang="en-US" altLang="zh-CN" dirty="0" smtClean="0"/>
-              <a:t>3.</a:t>
-            </a:r>
-            <a:r>
-              <a:rPr lang="zh-CN" altLang="en-US" dirty="0" smtClean="0"/>
-              <a:t>注册登录时使用英文可以登录，但使用中文时无法登录</a:t>
-            </a:r>
-            <a:endParaRPr lang="en-US" altLang="zh-CN" dirty="0" smtClean="0"/>
-          </a:p>
-          <a:p>
-            <a:r>
-              <a:rPr lang="zh-CN" altLang="en-US" dirty="0" smtClean="0"/>
-              <a:t>①</a:t>
-            </a:r>
-            <a:r>
-              <a:rPr lang="en-US" altLang="zh-CN" dirty="0" smtClean="0"/>
-              <a:t>Bug</a:t>
-            </a:r>
-            <a:r>
-              <a:rPr lang="zh-CN" altLang="en-US" dirty="0" smtClean="0"/>
-              <a:t>原因</a:t>
-            </a:r>
-            <a:r>
               <a:rPr lang="en-US" altLang="zh-CN" dirty="0" smtClean="0"/>
               <a:t>:</a:t>
             </a:r>
@@ -9841,11 +9878,7 @@
             </a:r>
             <a:r>
               <a:rPr lang="en-US" altLang="zh-CN" dirty="0" smtClean="0"/>
-              <a:t>&lt;</a:t>
-            </a:r>
-            <a:r>
-              <a:rPr lang="en-US" altLang="zh-CN" dirty="0" smtClean="0"/>
-              <a:t>meta </a:t>
+              <a:t>&lt;meta </a:t>
             </a:r>
             <a:r>
               <a:rPr lang="en-US" altLang="zh-CN" dirty="0" err="1" smtClean="0"/>
@@ -9890,6 +9923,7 @@
               <a:rPr lang="en-US" altLang="zh-CN" sz="1900" dirty="0" smtClean="0"/>
               <a:t>)</a:t>
             </a:r>
+            <a:endParaRPr lang="en-US" altLang="zh-CN" sz="1900" dirty="0" smtClean="0"/>
           </a:p>
           <a:p>
             <a:endParaRPr lang="en-US" altLang="zh-CN" sz="1900" i="1" dirty="0" smtClean="0"/>
@@ -9905,7 +9939,7 @@
           <p:nvPr/>
         </p:nvPicPr>
         <p:blipFill>
-          <a:blip r:embed="rId3" cstate="print"/>
+          <a:blip r:embed="rId1" cstate="print"/>
           <a:srcRect/>
           <a:stretch>
             <a:fillRect/>
@@ -9943,208 +9977,6 @@
 </p:sld>
 </file>
 
-<file path=ppt/slides/slide28.xml><?xml version="1.0" encoding="utf-8"?>
-<p:sld xmlns:a="http://schemas.openxmlformats.org/drawingml/2006/main" xmlns:r="http://schemas.openxmlformats.org/officeDocument/2006/relationships" xmlns:p="http://schemas.openxmlformats.org/presentationml/2006/main">
-  <p:cSld>
-    <p:spTree>
-      <p:nvGrpSpPr>
-        <p:cNvPr id="1" name=""/>
-        <p:cNvGrpSpPr/>
-        <p:nvPr/>
-      </p:nvGrpSpPr>
-      <p:grpSpPr>
-        <a:xfrm>
-          <a:off x="0" y="0"/>
-          <a:ext cx="0" cy="0"/>
-          <a:chOff x="0" y="0"/>
-          <a:chExt cx="0" cy="0"/>
-        </a:xfrm>
-      </p:grpSpPr>
-      <p:sp>
-        <p:nvSpPr>
-          <p:cNvPr id="2" name="Rectangle 1"/>
-          <p:cNvSpPr>
-            <a:spLocks noGrp="1"/>
-          </p:cNvSpPr>
-          <p:nvPr>
-            <p:ph type="title"/>
-          </p:nvPr>
-        </p:nvSpPr>
-        <p:spPr>
-          <a:xfrm>
-            <a:off x="503238" y="4992688"/>
-            <a:ext cx="8183562" cy="1050925"/>
-          </a:xfrm>
-        </p:spPr>
-        <p:txBody>
-          <a:bodyPr/>
-          <a:lstStyle/>
-          <a:p>
-            <a:r>
-              <a:rPr lang="zh-CN" altLang="en-US" dirty="0" smtClean="0"/>
-              <a:t>常见</a:t>
-            </a:r>
-            <a:r>
-              <a:rPr lang="en-US" altLang="zh-CN" dirty="0" smtClean="0"/>
-              <a:t>bug</a:t>
-            </a:r>
-            <a:endParaRPr lang="zh-CN" dirty="0"/>
-          </a:p>
-        </p:txBody>
-      </p:sp>
-      <p:sp>
-        <p:nvSpPr>
-          <p:cNvPr id="3" name="Rectangle 2"/>
-          <p:cNvSpPr>
-            <a:spLocks noGrp="1"/>
-          </p:cNvSpPr>
-          <p:nvPr>
-            <p:ph idx="1"/>
-          </p:nvPr>
-        </p:nvSpPr>
-        <p:spPr>
-          <a:xfrm>
-            <a:off x="503238" y="530225"/>
-            <a:ext cx="8183562" cy="4187825"/>
-          </a:xfrm>
-        </p:spPr>
-        <p:txBody>
-          <a:bodyPr>
-            <a:normAutofit/>
-          </a:bodyPr>
-          <a:lstStyle/>
-          <a:p>
-            <a:r>
-              <a:rPr lang="en-US" altLang="zh-CN" sz="1900" i="1" dirty="0" smtClean="0"/>
-              <a:t>4.</a:t>
-            </a:r>
-            <a:r>
-              <a:rPr lang="zh-CN" altLang="en-US" sz="2400" dirty="0" smtClean="0"/>
-              <a:t>网页可以打开，但无法正确显示内容，如部分图片和样式加载不出来</a:t>
-            </a:r>
-            <a:endParaRPr lang="en-US" altLang="zh-CN" sz="2400" dirty="0" smtClean="0"/>
-          </a:p>
-          <a:p>
-            <a:r>
-              <a:rPr lang="en-US" altLang="zh-CN" sz="2400" dirty="0" smtClean="0"/>
-              <a:t>Bug</a:t>
-            </a:r>
-            <a:r>
-              <a:rPr lang="zh-CN" altLang="en-US" sz="2400" dirty="0" smtClean="0"/>
-              <a:t>原因：响应头没写对，检查</a:t>
-            </a:r>
-            <a:r>
-              <a:rPr lang="en-US" altLang="zh-CN" sz="2400" dirty="0" err="1" smtClean="0"/>
-              <a:t>HttpResponse</a:t>
-            </a:r>
-            <a:r>
-              <a:rPr lang="zh-CN" altLang="en-US" sz="2400" dirty="0" smtClean="0"/>
-              <a:t>的</a:t>
-            </a:r>
-            <a:r>
-              <a:rPr lang="en-US" altLang="zh-CN" sz="2400" dirty="0" err="1" smtClean="0"/>
-              <a:t>setEntity</a:t>
-            </a:r>
-            <a:r>
-              <a:rPr lang="zh-CN" altLang="en-US" sz="2400" dirty="0" smtClean="0"/>
-              <a:t>方法</a:t>
-            </a:r>
-            <a:endParaRPr lang="en-US" altLang="zh-CN" sz="2400" dirty="0" smtClean="0"/>
-          </a:p>
-          <a:p>
-            <a:endParaRPr lang="en-US" altLang="zh-CN" sz="2000" dirty="0" smtClean="0"/>
-          </a:p>
-        </p:txBody>
-      </p:sp>
-    </p:spTree>
-  </p:cSld>
-  <p:clrMapOvr>
-    <a:masterClrMapping/>
-  </p:clrMapOvr>
-  <p:timing>
-    <p:tnLst>
-      <p:par>
-        <p:cTn id="1" dur="indefinite" restart="never" nodeType="tmRoot"/>
-      </p:par>
-    </p:tnLst>
-  </p:timing>
-</p:sld>
-</file>
-
-<file path=ppt/slides/slide29.xml><?xml version="1.0" encoding="utf-8"?>
-<p:sld xmlns:a="http://schemas.openxmlformats.org/drawingml/2006/main" xmlns:r="http://schemas.openxmlformats.org/officeDocument/2006/relationships" xmlns:p="http://schemas.openxmlformats.org/presentationml/2006/main">
-  <p:cSld>
-    <p:spTree>
-      <p:nvGrpSpPr>
-        <p:cNvPr id="1" name=""/>
-        <p:cNvGrpSpPr/>
-        <p:nvPr/>
-      </p:nvGrpSpPr>
-      <p:grpSpPr>
-        <a:xfrm>
-          <a:off x="0" y="0"/>
-          <a:ext cx="0" cy="0"/>
-          <a:chOff x="0" y="0"/>
-          <a:chExt cx="0" cy="0"/>
-        </a:xfrm>
-      </p:grpSpPr>
-      <p:sp>
-        <p:nvSpPr>
-          <p:cNvPr id="2" name="标题 1"/>
-          <p:cNvSpPr>
-            <a:spLocks noGrp="1"/>
-          </p:cNvSpPr>
-          <p:nvPr>
-            <p:ph type="title"/>
-          </p:nvPr>
-        </p:nvSpPr>
-        <p:spPr/>
-        <p:txBody>
-          <a:bodyPr/>
-          <a:lstStyle/>
-          <a:p>
-            <a:endParaRPr lang="zh-CN" altLang="en-US"/>
-          </a:p>
-        </p:txBody>
-      </p:sp>
-      <p:sp>
-        <p:nvSpPr>
-          <p:cNvPr id="3" name="内容占位符 2"/>
-          <p:cNvSpPr>
-            <a:spLocks noGrp="1"/>
-          </p:cNvSpPr>
-          <p:nvPr>
-            <p:ph idx="1"/>
-          </p:nvPr>
-        </p:nvSpPr>
-        <p:spPr/>
-        <p:txBody>
-          <a:bodyPr/>
-          <a:lstStyle/>
-          <a:p>
-            <a:r>
-              <a:rPr lang="zh-CN" altLang="en-US" dirty="0" smtClean="0"/>
-              <a:t>谢谢大家</a:t>
-            </a:r>
-            <a:endParaRPr lang="zh-CN" altLang="en-US" dirty="0"/>
-          </a:p>
-        </p:txBody>
-      </p:sp>
-    </p:spTree>
-  </p:cSld>
-  <p:clrMapOvr>
-    <a:masterClrMapping/>
-  </p:clrMapOvr>
-  <p:timing>
-    <p:tnLst>
-      <p:par>
-        <p:cTn id="1" dur="indefinite" restart="never" nodeType="tmRoot"/>
-      </p:par>
-    </p:tnLst>
-  </p:timing>
-</p:sld>
-</file>
-
 <file path=ppt/slides/slide3.xml><?xml version="1.0" encoding="utf-8"?>
 <p:sld xmlns:a="http://schemas.openxmlformats.org/drawingml/2006/main" xmlns:r="http://schemas.openxmlformats.org/officeDocument/2006/relationships" xmlns:p="http://schemas.openxmlformats.org/presentationml/2006/main">
   <p:cSld>
@@ -10278,6 +10110,208 @@
               <a:t>响应给客户端）</a:t>
             </a:r>
             <a:endParaRPr lang="en-US" altLang="zh-CN" dirty="0" smtClean="0"/>
+          </a:p>
+        </p:txBody>
+      </p:sp>
+    </p:spTree>
+  </p:cSld>
+  <p:clrMapOvr>
+    <a:masterClrMapping/>
+  </p:clrMapOvr>
+  <p:timing>
+    <p:tnLst>
+      <p:par>
+        <p:cTn id="1" dur="indefinite" restart="never" nodeType="tmRoot"/>
+      </p:par>
+    </p:tnLst>
+  </p:timing>
+</p:sld>
+</file>
+
+<file path=ppt/slides/slide30.xml><?xml version="1.0" encoding="utf-8"?>
+<p:sld xmlns:a="http://schemas.openxmlformats.org/drawingml/2006/main" xmlns:r="http://schemas.openxmlformats.org/officeDocument/2006/relationships" xmlns:p="http://schemas.openxmlformats.org/presentationml/2006/main">
+  <p:cSld>
+    <p:spTree>
+      <p:nvGrpSpPr>
+        <p:cNvPr id="1" name=""/>
+        <p:cNvGrpSpPr/>
+        <p:nvPr/>
+      </p:nvGrpSpPr>
+      <p:grpSpPr>
+        <a:xfrm>
+          <a:off x="0" y="0"/>
+          <a:ext cx="0" cy="0"/>
+          <a:chOff x="0" y="0"/>
+          <a:chExt cx="0" cy="0"/>
+        </a:xfrm>
+      </p:grpSpPr>
+      <p:sp>
+        <p:nvSpPr>
+          <p:cNvPr id="2" name="Rectangle 1"/>
+          <p:cNvSpPr>
+            <a:spLocks noGrp="1"/>
+          </p:cNvSpPr>
+          <p:nvPr>
+            <p:ph type="title"/>
+          </p:nvPr>
+        </p:nvSpPr>
+        <p:spPr>
+          <a:xfrm>
+            <a:off x="503238" y="4992688"/>
+            <a:ext cx="8183562" cy="1050925"/>
+          </a:xfrm>
+        </p:spPr>
+        <p:txBody>
+          <a:bodyPr/>
+          <a:lstStyle/>
+          <a:p>
+            <a:r>
+              <a:rPr lang="zh-CN" altLang="en-US" dirty="0" smtClean="0"/>
+              <a:t>常见</a:t>
+            </a:r>
+            <a:r>
+              <a:rPr lang="en-US" altLang="zh-CN" dirty="0" smtClean="0"/>
+              <a:t>bug</a:t>
+            </a:r>
+            <a:endParaRPr lang="zh-CN" dirty="0"/>
+          </a:p>
+        </p:txBody>
+      </p:sp>
+      <p:sp>
+        <p:nvSpPr>
+          <p:cNvPr id="3" name="Rectangle 2"/>
+          <p:cNvSpPr>
+            <a:spLocks noGrp="1"/>
+          </p:cNvSpPr>
+          <p:nvPr>
+            <p:ph idx="1"/>
+          </p:nvPr>
+        </p:nvSpPr>
+        <p:spPr>
+          <a:xfrm>
+            <a:off x="503238" y="530225"/>
+            <a:ext cx="8183562" cy="4187825"/>
+          </a:xfrm>
+        </p:spPr>
+        <p:txBody>
+          <a:bodyPr>
+            <a:normAutofit/>
+          </a:bodyPr>
+          <a:lstStyle/>
+          <a:p>
+            <a:r>
+              <a:rPr lang="en-US" altLang="zh-CN" sz="1900" i="1" dirty="0" smtClean="0"/>
+              <a:t>4.</a:t>
+            </a:r>
+            <a:r>
+              <a:rPr lang="zh-CN" altLang="en-US" sz="2400" dirty="0" smtClean="0"/>
+              <a:t>网页可以打开，但无法正确显示内容，如部分图片和样式加载不出来</a:t>
+            </a:r>
+            <a:endParaRPr lang="en-US" altLang="zh-CN" sz="2400" dirty="0" smtClean="0"/>
+          </a:p>
+          <a:p>
+            <a:r>
+              <a:rPr lang="en-US" altLang="zh-CN" sz="2400" dirty="0" smtClean="0"/>
+              <a:t>Bug</a:t>
+            </a:r>
+            <a:r>
+              <a:rPr lang="zh-CN" altLang="en-US" sz="2400" dirty="0" smtClean="0"/>
+              <a:t>原因：响应头没写对，检查</a:t>
+            </a:r>
+            <a:r>
+              <a:rPr lang="en-US" altLang="zh-CN" sz="2400" dirty="0" err="1" smtClean="0"/>
+              <a:t>HttpResponse</a:t>
+            </a:r>
+            <a:r>
+              <a:rPr lang="zh-CN" altLang="en-US" sz="2400" dirty="0" smtClean="0"/>
+              <a:t>的</a:t>
+            </a:r>
+            <a:r>
+              <a:rPr lang="en-US" altLang="zh-CN" sz="2400" dirty="0" err="1" smtClean="0"/>
+              <a:t>setEntity</a:t>
+            </a:r>
+            <a:r>
+              <a:rPr lang="zh-CN" altLang="en-US" sz="2400" dirty="0" smtClean="0"/>
+              <a:t>方法</a:t>
+            </a:r>
+            <a:endParaRPr lang="en-US" altLang="zh-CN" sz="2400" dirty="0" smtClean="0"/>
+          </a:p>
+          <a:p>
+            <a:endParaRPr lang="en-US" altLang="zh-CN" sz="2000" dirty="0" smtClean="0"/>
+          </a:p>
+        </p:txBody>
+      </p:sp>
+    </p:spTree>
+  </p:cSld>
+  <p:clrMapOvr>
+    <a:masterClrMapping/>
+  </p:clrMapOvr>
+  <p:timing>
+    <p:tnLst>
+      <p:par>
+        <p:cTn id="1" dur="indefinite" restart="never" nodeType="tmRoot"/>
+      </p:par>
+    </p:tnLst>
+  </p:timing>
+</p:sld>
+</file>
+
+<file path=ppt/slides/slide31.xml><?xml version="1.0" encoding="utf-8"?>
+<p:sld xmlns:a="http://schemas.openxmlformats.org/drawingml/2006/main" xmlns:r="http://schemas.openxmlformats.org/officeDocument/2006/relationships" xmlns:p="http://schemas.openxmlformats.org/presentationml/2006/main">
+  <p:cSld>
+    <p:spTree>
+      <p:nvGrpSpPr>
+        <p:cNvPr id="1" name=""/>
+        <p:cNvGrpSpPr/>
+        <p:nvPr/>
+      </p:nvGrpSpPr>
+      <p:grpSpPr>
+        <a:xfrm>
+          <a:off x="0" y="0"/>
+          <a:ext cx="0" cy="0"/>
+          <a:chOff x="0" y="0"/>
+          <a:chExt cx="0" cy="0"/>
+        </a:xfrm>
+      </p:grpSpPr>
+      <p:sp>
+        <p:nvSpPr>
+          <p:cNvPr id="2" name="标题 1"/>
+          <p:cNvSpPr>
+            <a:spLocks noGrp="1"/>
+          </p:cNvSpPr>
+          <p:nvPr>
+            <p:ph type="title"/>
+          </p:nvPr>
+        </p:nvSpPr>
+        <p:spPr/>
+        <p:txBody>
+          <a:bodyPr/>
+          <a:lstStyle/>
+          <a:p>
+            <a:endParaRPr lang="zh-CN" altLang="en-US"/>
+          </a:p>
+        </p:txBody>
+      </p:sp>
+      <p:sp>
+        <p:nvSpPr>
+          <p:cNvPr id="3" name="内容占位符 2"/>
+          <p:cNvSpPr>
+            <a:spLocks noGrp="1"/>
+          </p:cNvSpPr>
+          <p:nvPr>
+            <p:ph idx="1"/>
+          </p:nvPr>
+        </p:nvSpPr>
+        <p:spPr/>
+        <p:txBody>
+          <a:bodyPr/>
+          <a:lstStyle/>
+          <a:p>
+            <a:r>
+              <a:rPr lang="zh-CN" altLang="en-US" dirty="0" smtClean="0"/>
+              <a:t>谢谢大家</a:t>
+            </a:r>
+            <a:endParaRPr lang="zh-CN" altLang="en-US" dirty="0"/>
           </a:p>
         </p:txBody>
       </p:sp>
@@ -10489,6 +10523,7 @@
               <a:rPr lang="en-US" altLang="zh-CN" dirty="0" smtClean="0"/>
               <a:t> HTTP/1.1</a:t>
             </a:r>
+            <a:endParaRPr lang="en-US" altLang="zh-CN" dirty="0" smtClean="0"/>
           </a:p>
           <a:p>
             <a:endParaRPr lang="en-US" altLang="zh-CN" dirty="0" smtClean="0"/>
@@ -10509,24 +10544,28 @@
               <a:rPr lang="en-US" altLang="zh-CN" dirty="0" smtClean="0"/>
               <a:t>Host: localhost:8088</a:t>
             </a:r>
+            <a:endParaRPr lang="en-US" altLang="zh-CN" dirty="0" smtClean="0"/>
           </a:p>
           <a:p>
             <a:r>
               <a:rPr lang="en-US" altLang="zh-CN" dirty="0" smtClean="0"/>
               <a:t>Connection: keep-alive</a:t>
             </a:r>
+            <a:endParaRPr lang="en-US" altLang="zh-CN" dirty="0" smtClean="0"/>
           </a:p>
           <a:p>
             <a:r>
               <a:rPr lang="en-US" altLang="zh-CN" dirty="0" smtClean="0"/>
               <a:t>Cache-Control: max-age=0</a:t>
             </a:r>
+            <a:endParaRPr lang="en-US" altLang="zh-CN" dirty="0" smtClean="0"/>
           </a:p>
           <a:p>
             <a:r>
               <a:rPr lang="en-US" altLang="zh-CN" dirty="0" smtClean="0"/>
               <a:t>Upgrade-Insecure-Requests: 1</a:t>
             </a:r>
+            <a:endParaRPr lang="en-US" altLang="zh-CN" dirty="0" smtClean="0"/>
           </a:p>
           <a:p>
             <a:r>
@@ -10537,6 +10576,7 @@
               <a:rPr lang="en-US" altLang="zh-CN" dirty="0" smtClean="0"/>
               <a:t>=0.9,image/webp,image/apng,*/*;q=0.8</a:t>
             </a:r>
+            <a:endParaRPr lang="en-US" altLang="zh-CN" dirty="0" smtClean="0"/>
           </a:p>
           <a:p>
             <a:r>
@@ -10570,6 +10610,7 @@
               <a:rPr lang="en-US" altLang="zh-CN" dirty="0" smtClean="0"/>
               <a:t>=0.9</a:t>
             </a:r>
+            <a:endParaRPr lang="en-US" altLang="zh-CN" dirty="0" smtClean="0"/>
           </a:p>
           <a:p>
             <a:endParaRPr lang="en-US" altLang="zh-CN" dirty="0" smtClean="0"/>
@@ -10701,6 +10742,7 @@
               <a:rPr lang="en-US" altLang="zh-CN" dirty="0" smtClean="0"/>
               <a:t>HTTP/1.1 200 OK</a:t>
             </a:r>
+            <a:endParaRPr lang="en-US" altLang="zh-CN" dirty="0" smtClean="0"/>
           </a:p>
           <a:p>
             <a:endParaRPr lang="en-US" altLang="zh-CN" dirty="0" smtClean="0"/>
@@ -10721,12 +10763,14 @@
               <a:rPr lang="en-US" altLang="zh-CN" dirty="0" smtClean="0"/>
               <a:t>Content-Type: text/html;</a:t>
             </a:r>
+            <a:endParaRPr lang="en-US" altLang="zh-CN" dirty="0" smtClean="0"/>
           </a:p>
           <a:p>
             <a:r>
               <a:rPr lang="en-US" altLang="zh-CN" dirty="0" smtClean="0"/>
               <a:t>Content-Length: 1222;</a:t>
             </a:r>
+            <a:endParaRPr lang="en-US" altLang="zh-CN" dirty="0" smtClean="0"/>
           </a:p>
           <a:p>
             <a:endParaRPr lang="en-US" altLang="zh-CN" dirty="0" smtClean="0"/>
@@ -10829,11 +10873,7 @@
             </a:r>
             <a:r>
               <a:rPr lang="zh-CN" altLang="en-US" sz="6600" dirty="0" smtClean="0"/>
-              <a:t>所</a:t>
-            </a:r>
-            <a:r>
-              <a:rPr lang="zh-CN" altLang="en-US" sz="6600" dirty="0" smtClean="0"/>
-              <a:t>有的类与方法</a:t>
+              <a:t>所有的类与方法</a:t>
             </a:r>
             <a:endParaRPr lang="zh-CN" altLang="en-US" sz="6600" dirty="0"/>
           </a:p>
@@ -11255,6 +11295,7 @@
               <a:rPr lang="en-US" altLang="zh-CN" dirty="0" smtClean="0"/>
               <a:t>2.public void start()</a:t>
             </a:r>
+            <a:endParaRPr lang="en-US" altLang="zh-CN" dirty="0" smtClean="0"/>
           </a:p>
           <a:p>
             <a:r>
@@ -11271,6 +11312,7 @@
               <a:rPr lang="en-US" altLang="zh-CN" dirty="0" smtClean="0"/>
               <a:t>3.main</a:t>
             </a:r>
+            <a:endParaRPr lang="en-US" altLang="zh-CN" dirty="0" smtClean="0"/>
           </a:p>
           <a:p>
             <a:r>
@@ -11603,8 +11645,11 @@
       </a:bgFillStyleLst>
     </a:fmtScheme>
   </a:themeElements>
-  <a:objectDefaults/>
-  <a:extraClrSchemeLst/>
+  <a:extLst>
+    <a:ext uri="{05A4C25C-085E-4340-85A3-A5531E510DB2}">
+      <thm15:themeFamily xmlns:thm15="http://schemas.microsoft.com/office/thememl/2012/main" name="Office Theme" id="{62F939B6-93AF-4DB8-9C6B-D6C7DFDC589F}" vid="{4A3C46E8-61CC-4603-A589-7422A47A8E4A}"/>
+    </a:ext>
+  </a:extLst>
 </a:theme>
 </file>
 
@@ -11883,1253 +11928,10 @@
       </a:bgFillStyleLst>
     </a:fmtScheme>
   </a:themeElements>
-  <a:objectDefaults/>
-  <a:extraClrSchemeLst/>
+  <a:extLst>
+    <a:ext uri="{05A4C25C-085E-4340-85A3-A5531E510DB2}">
+      <thm15:themeFamily xmlns:thm15="http://schemas.microsoft.com/office/thememl/2012/main" name="Office Theme" id="{62F939B6-93AF-4DB8-9C6B-D6C7DFDC589F}" vid="{4A3C46E8-61CC-4603-A589-7422A47A8E4A}"/>
+    </a:ext>
+  </a:extLst>
 </a:theme>
-</file>
-
-<file path=customXml/item1.xml><?xml version="1.0" encoding="utf-8"?>
-<ct:contentTypeSchema xmlns:ct="http://schemas.microsoft.com/office/2006/metadata/contentType" xmlns:ma="http://schemas.microsoft.com/office/2006/metadata/properties/metaAttributes" ct:_="" ma:_="" ma:contentTypeName="TemplateFile" ma:contentTypeID="0x0101008D8B3457135D67479991424C624CBB4704002439B9162B2E88498A324BEFF3815221" ma:contentTypeVersion="55" ma:contentTypeDescription="Create a new document." ma:contentTypeScope="" ma:versionID="a7e4f43ee53fc86ae1dd6272262eb9fb">
-  <xsd:schema xmlns:xsd="http://www.w3.org/2001/XMLSchema" xmlns:xs="http://www.w3.org/2001/XMLSchema" xmlns:p="http://schemas.microsoft.com/office/2006/metadata/properties" xmlns:ns2="905c3888-6285-45d0-bd76-60a9ac2d738c" xmlns:ns3="a0b64b53-fba7-43ca-b952-90e5e74773dd" targetNamespace="http://schemas.microsoft.com/office/2006/metadata/properties" ma:root="true" ma:fieldsID="12cd52f9b34cd953802493d919c383c5" ns2:_="" ns3:_="">
-    <xsd:import namespace="905c3888-6285-45d0-bd76-60a9ac2d738c"/>
-    <xsd:import namespace="a0b64b53-fba7-43ca-b952-90e5e74773dd"/>
-    <xsd:element name="properties">
-      <xsd:complexType>
-        <xsd:sequence>
-          <xsd:element name="documentManagement">
-            <xsd:complexType>
-              <xsd:all>
-                <xsd:element ref="ns2:AcquiredFrom" minOccurs="0"/>
-                <xsd:element ref="ns2:UACurrentWords" minOccurs="0"/>
-                <xsd:element ref="ns2:TPApplication" minOccurs="0"/>
-                <xsd:element ref="ns2:ApprovalLog" minOccurs="0"/>
-                <xsd:element ref="ns2:ApprovalStatus" minOccurs="0"/>
-                <xsd:element ref="ns2:AssetStart" minOccurs="0"/>
-                <xsd:element ref="ns2:AssetExpire" minOccurs="0"/>
-                <xsd:element ref="ns2:AssetId" minOccurs="0"/>
-                <xsd:element ref="ns2:IsSearchable" minOccurs="0"/>
-                <xsd:element ref="ns2:AssetType" minOccurs="0"/>
-                <xsd:element ref="ns2:APAuthor" minOccurs="0"/>
-                <xsd:element ref="ns2:AverageRating" minOccurs="0"/>
-                <xsd:element ref="ns2:BlockPublish" minOccurs="0"/>
-                <xsd:element ref="ns2:BugNumber" minOccurs="0"/>
-                <xsd:element ref="ns2:CampaignTagsTaxHTField0" minOccurs="0"/>
-                <xsd:element ref="ns2:TPClientViewer" minOccurs="0"/>
-                <xsd:element ref="ns2:ClipArtFilename" minOccurs="0"/>
-                <xsd:element ref="ns2:TPCommandLine" minOccurs="0"/>
-                <xsd:element ref="ns2:TPComponent" minOccurs="0"/>
-                <xsd:element ref="ns2:ContentItem" minOccurs="0"/>
-                <xsd:element ref="ns2:CrawlForDependencies" minOccurs="0"/>
-                <xsd:element ref="ns2:CSXHash" minOccurs="0"/>
-                <xsd:element ref="ns2:CSXSubmissionMarket" minOccurs="0"/>
-                <xsd:element ref="ns2:CSXUpdate" minOccurs="0"/>
-                <xsd:element ref="ns2:IntlLangReviewDate" minOccurs="0"/>
-                <xsd:element ref="ns2:IsDeleted" minOccurs="0"/>
-                <xsd:element ref="ns2:APDescription" minOccurs="0"/>
-                <xsd:element ref="ns2:DirectSourceMarket" minOccurs="0"/>
-                <xsd:element ref="ns2:Downloads" minOccurs="0"/>
-                <xsd:element ref="ns2:DSATActionTaken" minOccurs="0"/>
-                <xsd:element ref="ns2:APEditor" minOccurs="0"/>
-                <xsd:element ref="ns2:EditorialStatus" minOccurs="0"/>
-                <xsd:element ref="ns2:EditorialTags" minOccurs="0"/>
-                <xsd:element ref="ns2:TPExecutable" minOccurs="0"/>
-                <xsd:element ref="ns2:FeatureTagsTaxHTField0" minOccurs="0"/>
-                <xsd:element ref="ns2:TPFriendlyName" minOccurs="0"/>
-                <xsd:element ref="ns2:FriendlyTitle" minOccurs="0"/>
-                <xsd:element ref="ns2:PrimaryImageGen" minOccurs="0"/>
-                <xsd:element ref="ns2:HandoffToMSDN" minOccurs="0"/>
-                <xsd:element ref="ns2:InProjectListLookup" minOccurs="0"/>
-                <xsd:element ref="ns2:TPInstallLocation" minOccurs="0"/>
-                <xsd:element ref="ns2:InternalTagsTaxHTField0" minOccurs="0"/>
-                <xsd:element ref="ns2:IntlLangReview" minOccurs="0"/>
-                <xsd:element ref="ns2:IntlLangReviewer" minOccurs="0"/>
-                <xsd:element ref="ns2:MarketSpecific" minOccurs="0"/>
-                <xsd:element ref="ns2:LastCompleteVersionLookup" minOccurs="0"/>
-                <xsd:element ref="ns2:LastHandOff" minOccurs="0"/>
-                <xsd:element ref="ns2:LastModifiedDateTime" minOccurs="0"/>
-                <xsd:element ref="ns2:LastPreviewErrorLookup" minOccurs="0"/>
-                <xsd:element ref="ns2:LastPreviewResultLookup" minOccurs="0"/>
-                <xsd:element ref="ns2:LastPreviewAttemptDateLookup" minOccurs="0"/>
-                <xsd:element ref="ns2:LastPreviewedByLookup" minOccurs="0"/>
-                <xsd:element ref="ns2:LastPreviewTimeLookup" minOccurs="0"/>
-                <xsd:element ref="ns2:LastPreviewVersionLookup" minOccurs="0"/>
-                <xsd:element ref="ns2:LastPublishErrorLookup" minOccurs="0"/>
-                <xsd:element ref="ns2:LastPublishResultLookup" minOccurs="0"/>
-                <xsd:element ref="ns2:LastPublishAttemptDateLookup" minOccurs="0"/>
-                <xsd:element ref="ns2:LastPublishedByLookup" minOccurs="0"/>
-                <xsd:element ref="ns2:LastPublishTimeLookup" minOccurs="0"/>
-                <xsd:element ref="ns2:LastPublishVersionLookup" minOccurs="0"/>
-                <xsd:element ref="ns2:TPLaunchHelpLinkType" minOccurs="0"/>
-                <xsd:element ref="ns2:LegacyData" minOccurs="0"/>
-                <xsd:element ref="ns2:TPLaunchHelpLink" minOccurs="0"/>
-                <xsd:element ref="ns2:LocComments" minOccurs="0"/>
-                <xsd:element ref="ns2:LocLastLocAttemptVersionLookup" minOccurs="0"/>
-                <xsd:element ref="ns2:LocLastLocAttemptVersionTypeLookup" minOccurs="0"/>
-                <xsd:element ref="ns2:LocManualTestRequired" minOccurs="0"/>
-                <xsd:element ref="ns2:LocMarketGroupTiers2" minOccurs="0"/>
-                <xsd:element ref="ns2:LocNewPublishedVersionLookup" minOccurs="0"/>
-                <xsd:element ref="ns2:LocOverallHandbackStatusLookup" minOccurs="0"/>
-                <xsd:element ref="ns2:LocOverallLocStatusLookup" minOccurs="0"/>
-                <xsd:element ref="ns2:LocOverallPreviewStatusLookup" minOccurs="0"/>
-                <xsd:element ref="ns2:LocOverallPublishStatusLookup" minOccurs="0"/>
-                <xsd:element ref="ns2:IntlLocPriority" minOccurs="0"/>
-                <xsd:element ref="ns2:LocProcessedForHandoffsLookup" minOccurs="0"/>
-                <xsd:element ref="ns2:LocProcessedForMarketsLookup" minOccurs="0"/>
-                <xsd:element ref="ns2:LocPublishedDependentAssetsLookup" minOccurs="0"/>
-                <xsd:element ref="ns2:LocPublishedLinkedAssetsLookup" minOccurs="0"/>
-                <xsd:element ref="ns2:LocRecommendedHandoff" minOccurs="0"/>
-                <xsd:element ref="ns2:LocalizationTagsTaxHTField0" minOccurs="0"/>
-                <xsd:element ref="ns2:MachineTranslated" minOccurs="0"/>
-                <xsd:element ref="ns2:Manager" minOccurs="0"/>
-                <xsd:element ref="ns2:Markets" minOccurs="0"/>
-                <xsd:element ref="ns2:Milestone" minOccurs="0"/>
-                <xsd:element ref="ns2:TPNamespace" minOccurs="0"/>
-                <xsd:element ref="ns2:NumericId" minOccurs="0"/>
-                <xsd:element ref="ns2:NumOfRatingsLookup" minOccurs="0"/>
-                <xsd:element ref="ns2:OOCacheId" minOccurs="0"/>
-                <xsd:element ref="ns2:OpenTemplate" minOccurs="0"/>
-                <xsd:element ref="ns2:OriginAsset" minOccurs="0"/>
-                <xsd:element ref="ns2:OriginalRelease" minOccurs="0"/>
-                <xsd:element ref="ns2:OriginalSourceMarket" minOccurs="0"/>
-                <xsd:element ref="ns2:OutputCachingOn" minOccurs="0"/>
-                <xsd:element ref="ns2:ParentAssetId" minOccurs="0"/>
-                <xsd:element ref="ns2:PlannedPubDate" minOccurs="0"/>
-                <xsd:element ref="ns2:PolicheckWords" minOccurs="0"/>
-                <xsd:element ref="ns2:BusinessGroup" minOccurs="0"/>
-                <xsd:element ref="ns2:UAProjectedTotalWords" minOccurs="0"/>
-                <xsd:element ref="ns2:Provider" minOccurs="0"/>
-                <xsd:element ref="ns2:Providers" minOccurs="0"/>
-                <xsd:element ref="ns2:PublishStatusLookup" minOccurs="0"/>
-                <xsd:element ref="ns2:PublishTargets" minOccurs="0"/>
-                <xsd:element ref="ns2:RecommendationsModifier" minOccurs="0"/>
-                <xsd:element ref="ns2:ArtSampleDocs" minOccurs="0"/>
-                <xsd:element ref="ns2:ScenarioTagsTaxHTField0" minOccurs="0"/>
-                <xsd:element ref="ns2:ShowIn" minOccurs="0"/>
-                <xsd:element ref="ns2:SourceTitle" minOccurs="0"/>
-                <xsd:element ref="ns2:CSXSubmissionDate" minOccurs="0"/>
-                <xsd:element ref="ns2:SubmitterId" minOccurs="0"/>
-                <xsd:element ref="ns2:TaxCatchAll" minOccurs="0"/>
-                <xsd:element ref="ns2:TaxCatchAllLabel" minOccurs="0"/>
-                <xsd:element ref="ns2:TemplateStatus" minOccurs="0"/>
-                <xsd:element ref="ns2:TemplateTemplateType" minOccurs="0"/>
-                <xsd:element ref="ns2:ThumbnailAssetId" minOccurs="0"/>
-                <xsd:element ref="ns2:TimesCloned" minOccurs="0"/>
-                <xsd:element ref="ns2:TrustLevel" minOccurs="0"/>
-                <xsd:element ref="ns2:UALocComments" minOccurs="0"/>
-                <xsd:element ref="ns2:UALocRecommendation" minOccurs="0"/>
-                <xsd:element ref="ns2:UANotes" minOccurs="0"/>
-                <xsd:element ref="ns2:TPAppVersion" minOccurs="0"/>
-                <xsd:element ref="ns2:VoteCount" minOccurs="0"/>
-                <xsd:element ref="ns3:Description0" minOccurs="0"/>
-                <xsd:element ref="ns3:Component0" minOccurs="0"/>
-              </xsd:all>
-            </xsd:complexType>
-          </xsd:element>
-        </xsd:sequence>
-      </xsd:complexType>
-    </xsd:element>
-  </xsd:schema>
-  <xsd:schema xmlns:xsd="http://www.w3.org/2001/XMLSchema" xmlns:xs="http://www.w3.org/2001/XMLSchema" xmlns:dms="http://schemas.microsoft.com/office/2006/documentManagement/types" xmlns:pc="http://schemas.microsoft.com/office/infopath/2007/PartnerControls" targetNamespace="905c3888-6285-45d0-bd76-60a9ac2d738c" elementFormDefault="qualified">
-    <xsd:import namespace="http://schemas.microsoft.com/office/2006/documentManagement/types"/>
-    <xsd:import namespace="http://schemas.microsoft.com/office/infopath/2007/PartnerControls"/>
-    <xsd:element name="AcquiredFrom" ma:index="1" nillable="true" ma:displayName="Acquired From" ma:default="Internal MS" ma:internalName="AcquiredFrom" ma:readOnly="false">
-      <xsd:simpleType>
-        <xsd:restriction base="dms:Choice">
-          <xsd:enumeration value="Internal MS"/>
-          <xsd:enumeration value="Community"/>
-          <xsd:enumeration value="MVP"/>
-          <xsd:enumeration value="Publisher"/>
-          <xsd:enumeration value="Partner"/>
-          <xsd:enumeration value="None"/>
-        </xsd:restriction>
-      </xsd:simpleType>
-    </xsd:element>
-    <xsd:element name="UACurrentWords" ma:index="2" nillable="true" ma:displayName="Actual Word Count" ma:default="" ma:internalName="UACurrentWords" ma:readOnly="false">
-      <xsd:simpleType>
-        <xsd:restriction base="dms:Unknown"/>
-      </xsd:simpleType>
-    </xsd:element>
-    <xsd:element name="TPApplication" ma:index="3" nillable="true" ma:displayName="Application to Open Template With" ma:default="" ma:internalName="TPApplication">
-      <xsd:simpleType>
-        <xsd:restriction base="dms:Text"/>
-      </xsd:simpleType>
-    </xsd:element>
-    <xsd:element name="ApprovalLog" ma:index="4" nillable="true" ma:displayName="Approval Log" ma:default="" ma:hidden="true" ma:internalName="ApprovalLog" ma:readOnly="false">
-      <xsd:simpleType>
-        <xsd:restriction base="dms:Note"/>
-      </xsd:simpleType>
-    </xsd:element>
-    <xsd:element name="ApprovalStatus" ma:index="5" nillable="true" ma:displayName="Approval Status" ma:default="InProgress" ma:internalName="ApprovalStatus" ma:readOnly="false">
-      <xsd:simpleType>
-        <xsd:restriction base="dms:Choice">
-          <xsd:enumeration value="InProgress"/>
-          <xsd:enumeration value="Rejected"/>
-          <xsd:enumeration value="Questionable"/>
-          <xsd:enumeration value="ApprovedAutomatic"/>
-          <xsd:enumeration value="ApprovedManual"/>
-          <xsd:enumeration value="On Hold"/>
-          <xsd:enumeration value="Needs Review"/>
-          <xsd:enumeration value="A Violation"/>
-          <xsd:enumeration value="Unpublished Violation"/>
-        </xsd:restriction>
-      </xsd:simpleType>
-    </xsd:element>
-    <xsd:element name="AssetStart" ma:index="6" nillable="true" ma:displayName="Asset Begin Date" ma:default="[Today]" ma:internalName="AssetStart" ma:readOnly="false">
-      <xsd:simpleType>
-        <xsd:restriction base="dms:DateTime"/>
-      </xsd:simpleType>
-    </xsd:element>
-    <xsd:element name="AssetExpire" ma:index="7" nillable="true" ma:displayName="Asset End Date" ma:default="2029-01-01T00:00:00Z" ma:internalName="AssetExpire" ma:readOnly="false">
-      <xsd:simpleType>
-        <xsd:restriction base="dms:DateTime"/>
-      </xsd:simpleType>
-    </xsd:element>
-    <xsd:element name="AssetId" ma:index="8" nillable="true" ma:displayName="Asset ID" ma:default="" ma:indexed="true" ma:internalName="AssetId" ma:readOnly="false">
-      <xsd:simpleType>
-        <xsd:restriction base="dms:Text">
-          <xsd:maxLength value="255"/>
-        </xsd:restriction>
-      </xsd:simpleType>
-    </xsd:element>
-    <xsd:element name="IsSearchable" ma:index="9" nillable="true" ma:displayName="Asset Searchable?" ma:default="true" ma:internalName="IsSearchable" ma:readOnly="false">
-      <xsd:simpleType>
-        <xsd:restriction base="dms:Boolean"/>
-      </xsd:simpleType>
-    </xsd:element>
-    <xsd:element name="AssetType" ma:index="10" nillable="true" ma:displayName="Asset Type" ma:default="" ma:internalName="AssetType" ma:readOnly="false">
-      <xsd:simpleType>
-        <xsd:restriction base="dms:Unknown"/>
-      </xsd:simpleType>
-    </xsd:element>
-    <xsd:element name="APAuthor" ma:index="11" nillable="true" ma:displayName="Author" ma:default="" ma:list="UserInfo" ma:internalName="APAuthor" ma:readOnly="false">
-      <xsd:complexType>
-        <xsd:complexContent>
-          <xsd:extension base="dms:User">
-            <xsd:sequence>
-              <xsd:element name="UserInfo" minOccurs="0" maxOccurs="unbounded">
-                <xsd:complexType>
-                  <xsd:sequence>
-                    <xsd:element name="DisplayName" type="xsd:string" minOccurs="0"/>
-                    <xsd:element name="AccountId" type="dms:UserId" minOccurs="0" nillable="true"/>
-                    <xsd:element name="AccountType" type="xsd:string" minOccurs="0"/>
-                  </xsd:sequence>
-                </xsd:complexType>
-              </xsd:element>
-            </xsd:sequence>
-          </xsd:extension>
-        </xsd:complexContent>
-      </xsd:complexType>
-    </xsd:element>
-    <xsd:element name="AverageRating" ma:index="12" nillable="true" ma:displayName="Average Rating" ma:internalName="AverageRating" ma:readOnly="false">
-      <xsd:simpleType>
-        <xsd:restriction base="dms:Text"/>
-      </xsd:simpleType>
-    </xsd:element>
-    <xsd:element name="BlockPublish" ma:index="13" nillable="true" ma:displayName="Block from Publishing?" ma:default="" ma:internalName="BlockPublish" ma:readOnly="false">
-      <xsd:simpleType>
-        <xsd:restriction base="dms:Boolean"/>
-      </xsd:simpleType>
-    </xsd:element>
-    <xsd:element name="BugNumber" ma:index="14" nillable="true" ma:displayName="Bug Number" ma:default="" ma:internalName="BugNumber" ma:readOnly="false">
-      <xsd:simpleType>
-        <xsd:restriction base="dms:Text"/>
-      </xsd:simpleType>
-    </xsd:element>
-    <xsd:element name="CampaignTagsTaxHTField0" ma:index="16" nillable="true" ma:taxonomy="true" ma:internalName="CampaignTagsTaxHTField0" ma:taxonomyFieldName="CampaignTags" ma:displayName="Campaigns" ma:readOnly="false" ma:default="" ma:fieldId="{2fd52ad2-63b0-4f05-b7aa-a17a1c48ca45}" ma:taxonomyMulti="true" ma:sspId="8f79753a-75d3-41f5-8ca3-40b843941b4f" ma:termSetId="ca0e50d4-faa1-44ce-961e-bb1441c60e66" ma:anchorId="00000000-0000-0000-0000-000000000000" ma:open="false" ma:isKeyword="false">
-      <xsd:complexType>
-        <xsd:sequence>
-          <xsd:element ref="pc:Terms" minOccurs="0" maxOccurs="1"/>
-        </xsd:sequence>
-      </xsd:complexType>
-    </xsd:element>
-    <xsd:element name="TPClientViewer" ma:index="17" nillable="true" ma:displayName="Client Viewer" ma:default="" ma:internalName="TPClientViewer">
-      <xsd:simpleType>
-        <xsd:restriction base="dms:Text"/>
-      </xsd:simpleType>
-    </xsd:element>
-    <xsd:element name="ClipArtFilename" ma:index="18" nillable="true" ma:displayName="Clip Art Name" ma:default="" ma:internalName="ClipArtFilename" ma:readOnly="false">
-      <xsd:simpleType>
-        <xsd:restriction base="dms:Text"/>
-      </xsd:simpleType>
-    </xsd:element>
-    <xsd:element name="TPCommandLine" ma:index="19" nillable="true" ma:displayName="Command Line" ma:default="" ma:internalName="TPCommandLine">
-      <xsd:simpleType>
-        <xsd:restriction base="dms:Text"/>
-      </xsd:simpleType>
-    </xsd:element>
-    <xsd:element name="TPComponent" ma:index="20" nillable="true" ma:displayName="Component" ma:default="" ma:internalName="TPComponent">
-      <xsd:simpleType>
-        <xsd:restriction base="dms:Text"/>
-      </xsd:simpleType>
-    </xsd:element>
-    <xsd:element name="ContentItem" ma:index="21" nillable="true" ma:displayName="Content Item" ma:default="" ma:hidden="true" ma:internalName="ContentItem" ma:readOnly="false">
-      <xsd:simpleType>
-        <xsd:restriction base="dms:Unknown"/>
-      </xsd:simpleType>
-    </xsd:element>
-    <xsd:element name="CrawlForDependencies" ma:index="23" nillable="true" ma:displayName="Crawl for Dependencies?" ma:default="true" ma:internalName="CrawlForDependencies" ma:readOnly="false">
-      <xsd:simpleType>
-        <xsd:restriction base="dms:Boolean"/>
-      </xsd:simpleType>
-    </xsd:element>
-    <xsd:element name="CSXHash" ma:index="26" nillable="true" ma:displayName="CSX Hash" ma:default="" ma:indexed="true" ma:internalName="CSXHash" ma:readOnly="false">
-      <xsd:simpleType>
-        <xsd:restriction base="dms:Text"/>
-      </xsd:simpleType>
-    </xsd:element>
-    <xsd:element name="CSXSubmissionMarket" ma:index="27" nillable="true" ma:displayName="CSX Submission Market" ma:default="" ma:list="{85FC5A58-2851-427E-95B4-AFAF1C73BA4D}" ma:internalName="CSXSubmissionMarket" ma:readOnly="false" ma:showField="MarketName" ma:web="905c3888-6285-45d0-bd76-60a9ac2d738c">
-      <xsd:simpleType>
-        <xsd:restriction base="dms:Lookup"/>
-      </xsd:simpleType>
-    </xsd:element>
-    <xsd:element name="CSXUpdate" ma:index="28" nillable="true" ma:displayName="CSX Updated?" ma:default="false" ma:internalName="CSXUpdate" ma:readOnly="false">
-      <xsd:simpleType>
-        <xsd:restriction base="dms:Boolean"/>
-      </xsd:simpleType>
-    </xsd:element>
-    <xsd:element name="IntlLangReviewDate" ma:index="29" nillable="true" ma:displayName="Date to Complete Intl QA" ma:default="" ma:internalName="IntlLangReviewDate" ma:readOnly="false">
-      <xsd:simpleType>
-        <xsd:restriction base="dms:DateTime"/>
-      </xsd:simpleType>
-    </xsd:element>
-    <xsd:element name="IsDeleted" ma:index="30" nillable="true" ma:displayName="Deleted?" ma:default="" ma:internalName="IsDeleted" ma:readOnly="false">
-      <xsd:simpleType>
-        <xsd:restriction base="dms:Boolean"/>
-      </xsd:simpleType>
-    </xsd:element>
-    <xsd:element name="APDescription" ma:index="31" nillable="true" ma:displayName="Description" ma:default="" ma:internalName="APDescription" ma:readOnly="false">
-      <xsd:simpleType>
-        <xsd:restriction base="dms:Note"/>
-      </xsd:simpleType>
-    </xsd:element>
-    <xsd:element name="DirectSourceMarket" ma:index="32" nillable="true" ma:displayName="Direct Source Market Group" ma:default="" ma:internalName="DirectSourceMarket" ma:readOnly="false">
-      <xsd:simpleType>
-        <xsd:restriction base="dms:Text"/>
-      </xsd:simpleType>
-    </xsd:element>
-    <xsd:element name="Downloads" ma:index="33" nillable="true" ma:displayName="Downloads" ma:default="0" ma:hidden="true" ma:internalName="Downloads" ma:readOnly="false">
-      <xsd:simpleType>
-        <xsd:restriction base="dms:Unknown"/>
-      </xsd:simpleType>
-    </xsd:element>
-    <xsd:element name="DSATActionTaken" ma:index="34" nillable="true" ma:displayName="DSAT Action Taken" ma:default="" ma:internalName="DSATActionTaken" ma:readOnly="false">
-      <xsd:simpleType>
-        <xsd:restriction base="dms:Choice">
-          <xsd:enumeration value="Best Bets"/>
-          <xsd:enumeration value="Expire"/>
-          <xsd:enumeration value="Hide"/>
-          <xsd:enumeration value="None"/>
-        </xsd:restriction>
-      </xsd:simpleType>
-    </xsd:element>
-    <xsd:element name="APEditor" ma:index="35" nillable="true" ma:displayName="Editor" ma:default="" ma:list="UserInfo" ma:internalName="APEditor" ma:readOnly="false">
-      <xsd:complexType>
-        <xsd:complexContent>
-          <xsd:extension base="dms:User">
-            <xsd:sequence>
-              <xsd:element name="UserInfo" minOccurs="0" maxOccurs="unbounded">
-                <xsd:complexType>
-                  <xsd:sequence>
-                    <xsd:element name="DisplayName" type="xsd:string" minOccurs="0"/>
-                    <xsd:element name="AccountId" type="dms:UserId" minOccurs="0" nillable="true"/>
-                    <xsd:element name="AccountType" type="xsd:string" minOccurs="0"/>
-                  </xsd:sequence>
-                </xsd:complexType>
-              </xsd:element>
-            </xsd:sequence>
-          </xsd:extension>
-        </xsd:complexContent>
-      </xsd:complexType>
-    </xsd:element>
-    <xsd:element name="EditorialStatus" ma:index="36" nillable="true" ma:displayName="Editorial Status" ma:default="" ma:internalName="EditorialStatus" ma:readOnly="false">
-      <xsd:simpleType>
-        <xsd:restriction base="dms:Unknown"/>
-      </xsd:simpleType>
-    </xsd:element>
-    <xsd:element name="EditorialTags" ma:index="37" nillable="true" ma:displayName="Editorial Tags" ma:default="" ma:internalName="EditorialTags">
-      <xsd:simpleType>
-        <xsd:restriction base="dms:Unknown"/>
-      </xsd:simpleType>
-    </xsd:element>
-    <xsd:element name="TPExecutable" ma:index="38" nillable="true" ma:displayName="Executable" ma:default="" ma:internalName="TPExecutable">
-      <xsd:simpleType>
-        <xsd:restriction base="dms:Text"/>
-      </xsd:simpleType>
-    </xsd:element>
-    <xsd:element name="FeatureTagsTaxHTField0" ma:index="40" nillable="true" ma:taxonomy="true" ma:internalName="FeatureTagsTaxHTField0" ma:taxonomyFieldName="FeatureTags" ma:displayName="Features" ma:readOnly="false" ma:default="" ma:fieldId="{d402824c-da96-4981-b598-df734aacbc3e}" ma:taxonomyMulti="true" ma:sspId="8f79753a-75d3-41f5-8ca3-40b843941b4f" ma:termSetId="f1ab6845-967d-4854-a0ba-4ec07f0f8113" ma:anchorId="00000000-0000-0000-0000-000000000000" ma:open="false" ma:isKeyword="false">
-      <xsd:complexType>
-        <xsd:sequence>
-          <xsd:element ref="pc:Terms" minOccurs="0" maxOccurs="1"/>
-        </xsd:sequence>
-      </xsd:complexType>
-    </xsd:element>
-    <xsd:element name="TPFriendlyName" ma:index="41" nillable="true" ma:displayName="Friendly Name" ma:default="" ma:internalName="TPFriendlyName">
-      <xsd:simpleType>
-        <xsd:restriction base="dms:Text"/>
-      </xsd:simpleType>
-    </xsd:element>
-    <xsd:element name="FriendlyTitle" ma:index="42" nillable="true" ma:displayName="Friendly Title" ma:default="" ma:description="Shorter title to be used when displaying search results" ma:internalName="FriendlyTitle" ma:readOnly="false">
-      <xsd:simpleType>
-        <xsd:restriction base="dms:Text"/>
-      </xsd:simpleType>
-    </xsd:element>
-    <xsd:element name="PrimaryImageGen" ma:index="43" nillable="true" ma:displayName="Generate Images?" ma:default="true" ma:internalName="PrimaryImageGen">
-      <xsd:simpleType>
-        <xsd:restriction base="dms:Boolean"/>
-      </xsd:simpleType>
-    </xsd:element>
-    <xsd:element name="HandoffToMSDN" ma:index="44" nillable="true" ma:displayName="Handoff To MSDN Date" ma:default="" ma:internalName="HandoffToMSDN" ma:readOnly="false">
-      <xsd:simpleType>
-        <xsd:restriction base="dms:DateTime"/>
-      </xsd:simpleType>
-    </xsd:element>
-    <xsd:element name="InProjectListLookup" ma:index="45" nillable="true" ma:displayName="InProjectListLookup" ma:list="{7F948D4D-A57E-4E3F-87E9-0ABE9F2D748E}" ma:internalName="InProjectListLookup" ma:readOnly="true" ma:showField="InProjectList" ma:web="905c3888-6285-45d0-bd76-60a9ac2d738c">
-      <xsd:complexType>
-        <xsd:complexContent>
-          <xsd:extension base="dms:MultiChoiceLookup">
-            <xsd:sequence>
-              <xsd:element name="Value" type="dms:Lookup" maxOccurs="unbounded" minOccurs="0" nillable="true"/>
-            </xsd:sequence>
-          </xsd:extension>
-        </xsd:complexContent>
-      </xsd:complexType>
-    </xsd:element>
-    <xsd:element name="TPInstallLocation" ma:index="46" nillable="true" ma:displayName="Install Location" ma:default="" ma:internalName="TPInstallLocation">
-      <xsd:simpleType>
-        <xsd:restriction base="dms:Text"/>
-      </xsd:simpleType>
-    </xsd:element>
-    <xsd:element name="InternalTagsTaxHTField0" ma:index="48" nillable="true" ma:taxonomy="true" ma:internalName="InternalTagsTaxHTField0" ma:taxonomyFieldName="InternalTags" ma:displayName="Internal Tags" ma:readOnly="false" ma:default="" ma:fieldId="{b8eee2a3-2d4f-4b12-b229-9e667c371718}" ma:taxonomyMulti="true" ma:sspId="8f79753a-75d3-41f5-8ca3-40b843941b4f" ma:termSetId="82b6639e-f7fc-4c18-ad2d-003a6e707765" ma:anchorId="00000000-0000-0000-0000-000000000000" ma:open="false" ma:isKeyword="false">
-      <xsd:complexType>
-        <xsd:sequence>
-          <xsd:element ref="pc:Terms" minOccurs="0" maxOccurs="1"/>
-        </xsd:sequence>
-      </xsd:complexType>
-    </xsd:element>
-    <xsd:element name="IntlLangReview" ma:index="49" nillable="true" ma:displayName="Intl Lang QA Review Required?" ma:default="" ma:internalName="IntlLangReview" ma:readOnly="false">
-      <xsd:simpleType>
-        <xsd:restriction base="dms:Boolean"/>
-      </xsd:simpleType>
-    </xsd:element>
-    <xsd:element name="IntlLangReviewer" ma:index="50" nillable="true" ma:displayName="Intl Lang QA Reviewer" ma:default="" ma:internalName="IntlLangReviewer" ma:readOnly="false">
-      <xsd:simpleType>
-        <xsd:restriction base="dms:Text"/>
-      </xsd:simpleType>
-    </xsd:element>
-    <xsd:element name="MarketSpecific" ma:index="51" nillable="true" ma:displayName="Is Market Specific?" ma:default="" ma:internalName="MarketSpecific" ma:readOnly="false">
-      <xsd:simpleType>
-        <xsd:restriction base="dms:Boolean"/>
-      </xsd:simpleType>
-    </xsd:element>
-    <xsd:element name="LastCompleteVersionLookup" ma:index="52" nillable="true" ma:displayName="Last Complete Version Lookup" ma:default="" ma:list="{7F948D4D-A57E-4E3F-87E9-0ABE9F2D748E}" ma:internalName="LastCompleteVersionLookup" ma:readOnly="true" ma:showField="LastCompleteVersion" ma:web="905c3888-6285-45d0-bd76-60a9ac2d738c">
-      <xsd:complexType>
-        <xsd:complexContent>
-          <xsd:extension base="dms:MultiChoiceLookup">
-            <xsd:sequence>
-              <xsd:element name="Value" type="dms:Lookup" maxOccurs="unbounded" minOccurs="0" nillable="true"/>
-            </xsd:sequence>
-          </xsd:extension>
-        </xsd:complexContent>
-      </xsd:complexType>
-    </xsd:element>
-    <xsd:element name="LastHandOff" ma:index="53" nillable="true" ma:displayName="Last Hand-off" ma:default="" ma:internalName="LastHandOff" ma:readOnly="false">
-      <xsd:simpleType>
-        <xsd:restriction base="dms:DateTime"/>
-      </xsd:simpleType>
-    </xsd:element>
-    <xsd:element name="LastModifiedDateTime" ma:index="54" nillable="true" ma:displayName="Last Modified Date" ma:default="" ma:internalName="LastModifiedDateTime" ma:readOnly="false">
-      <xsd:simpleType>
-        <xsd:restriction base="dms:DateTime"/>
-      </xsd:simpleType>
-    </xsd:element>
-    <xsd:element name="LastPreviewErrorLookup" ma:index="55" nillable="true" ma:displayName="Last Preview Attempt Error" ma:default="" ma:list="{7F948D4D-A57E-4E3F-87E9-0ABE9F2D748E}" ma:internalName="LastPreviewErrorLookup" ma:readOnly="true" ma:showField="LastPreviewError" ma:web="905c3888-6285-45d0-bd76-60a9ac2d738c">
-      <xsd:complexType>
-        <xsd:complexContent>
-          <xsd:extension base="dms:MultiChoiceLookup">
-            <xsd:sequence>
-              <xsd:element name="Value" type="dms:Lookup" maxOccurs="unbounded" minOccurs="0" nillable="true"/>
-            </xsd:sequence>
-          </xsd:extension>
-        </xsd:complexContent>
-      </xsd:complexType>
-    </xsd:element>
-    <xsd:element name="LastPreviewResultLookup" ma:index="56" nillable="true" ma:displayName="Last Preview Attempt Result" ma:default="" ma:list="{7F948D4D-A57E-4E3F-87E9-0ABE9F2D748E}" ma:internalName="LastPreviewResultLookup" ma:readOnly="true" ma:showField="LastPreviewResult" ma:web="905c3888-6285-45d0-bd76-60a9ac2d738c">
-      <xsd:complexType>
-        <xsd:complexContent>
-          <xsd:extension base="dms:MultiChoiceLookup">
-            <xsd:sequence>
-              <xsd:element name="Value" type="dms:Lookup" maxOccurs="unbounded" minOccurs="0" nillable="true"/>
-            </xsd:sequence>
-          </xsd:extension>
-        </xsd:complexContent>
-      </xsd:complexType>
-    </xsd:element>
-    <xsd:element name="LastPreviewAttemptDateLookup" ma:index="57" nillable="true" ma:displayName="Last Preview Attempted On" ma:default="" ma:list="{7F948D4D-A57E-4E3F-87E9-0ABE9F2D748E}" ma:internalName="LastPreviewAttemptDateLookup" ma:readOnly="true" ma:showField="LastPreviewAttemptDate" ma:web="905c3888-6285-45d0-bd76-60a9ac2d738c">
-      <xsd:complexType>
-        <xsd:complexContent>
-          <xsd:extension base="dms:MultiChoiceLookup">
-            <xsd:sequence>
-              <xsd:element name="Value" type="dms:Lookup" maxOccurs="unbounded" minOccurs="0" nillable="true"/>
-            </xsd:sequence>
-          </xsd:extension>
-        </xsd:complexContent>
-      </xsd:complexType>
-    </xsd:element>
-    <xsd:element name="LastPreviewedByLookup" ma:index="58" nillable="true" ma:displayName="Last Previewed By" ma:default="" ma:list="{7F948D4D-A57E-4E3F-87E9-0ABE9F2D748E}" ma:internalName="LastPreviewedByLookup" ma:readOnly="true" ma:showField="LastPreviewedBy" ma:web="905c3888-6285-45d0-bd76-60a9ac2d738c">
-      <xsd:complexType>
-        <xsd:complexContent>
-          <xsd:extension base="dms:MultiChoiceLookup">
-            <xsd:sequence>
-              <xsd:element name="Value" type="dms:Lookup" maxOccurs="unbounded" minOccurs="0" nillable="true"/>
-            </xsd:sequence>
-          </xsd:extension>
-        </xsd:complexContent>
-      </xsd:complexType>
-    </xsd:element>
-    <xsd:element name="LastPreviewTimeLookup" ma:index="59" nillable="true" ma:displayName="Last Previewed Date" ma:default="" ma:list="{7F948D4D-A57E-4E3F-87E9-0ABE9F2D748E}" ma:internalName="LastPreviewTimeLookup" ma:readOnly="true" ma:showField="LastPreviewTime" ma:web="905c3888-6285-45d0-bd76-60a9ac2d738c">
-      <xsd:complexType>
-        <xsd:complexContent>
-          <xsd:extension base="dms:MultiChoiceLookup">
-            <xsd:sequence>
-              <xsd:element name="Value" type="dms:Lookup" maxOccurs="unbounded" minOccurs="0" nillable="true"/>
-            </xsd:sequence>
-          </xsd:extension>
-        </xsd:complexContent>
-      </xsd:complexType>
-    </xsd:element>
-    <xsd:element name="LastPreviewVersionLookup" ma:index="60" nillable="true" ma:displayName="Last Previewed Version" ma:default="" ma:list="{7F948D4D-A57E-4E3F-87E9-0ABE9F2D748E}" ma:internalName="LastPreviewVersionLookup" ma:readOnly="true" ma:showField="LastPreviewVersion" ma:web="905c3888-6285-45d0-bd76-60a9ac2d738c">
-      <xsd:complexType>
-        <xsd:complexContent>
-          <xsd:extension base="dms:MultiChoiceLookup">
-            <xsd:sequence>
-              <xsd:element name="Value" type="dms:Lookup" maxOccurs="unbounded" minOccurs="0" nillable="true"/>
-            </xsd:sequence>
-          </xsd:extension>
-        </xsd:complexContent>
-      </xsd:complexType>
-    </xsd:element>
-    <xsd:element name="LastPublishErrorLookup" ma:index="61" nillable="true" ma:displayName="Last Publish Attempt Error" ma:default="" ma:list="{7F948D4D-A57E-4E3F-87E9-0ABE9F2D748E}" ma:internalName="LastPublishErrorLookup" ma:readOnly="true" ma:showField="LastPublishError" ma:web="905c3888-6285-45d0-bd76-60a9ac2d738c">
-      <xsd:complexType>
-        <xsd:complexContent>
-          <xsd:extension base="dms:MultiChoiceLookup">
-            <xsd:sequence>
-              <xsd:element name="Value" type="dms:Lookup" maxOccurs="unbounded" minOccurs="0" nillable="true"/>
-            </xsd:sequence>
-          </xsd:extension>
-        </xsd:complexContent>
-      </xsd:complexType>
-    </xsd:element>
-    <xsd:element name="LastPublishResultLookup" ma:index="62" nillable="true" ma:displayName="Last Publish Attempt Result" ma:default="" ma:list="{7F948D4D-A57E-4E3F-87E9-0ABE9F2D748E}" ma:internalName="LastPublishResultLookup" ma:readOnly="true" ma:showField="LastPublishResult" ma:web="905c3888-6285-45d0-bd76-60a9ac2d738c">
-      <xsd:complexType>
-        <xsd:complexContent>
-          <xsd:extension base="dms:MultiChoiceLookup">
-            <xsd:sequence>
-              <xsd:element name="Value" type="dms:Lookup" maxOccurs="unbounded" minOccurs="0" nillable="true"/>
-            </xsd:sequence>
-          </xsd:extension>
-        </xsd:complexContent>
-      </xsd:complexType>
-    </xsd:element>
-    <xsd:element name="LastPublishAttemptDateLookup" ma:index="63" nillable="true" ma:displayName="Last Publish Attempted On" ma:default="" ma:list="{7F948D4D-A57E-4E3F-87E9-0ABE9F2D748E}" ma:internalName="LastPublishAttemptDateLookup" ma:readOnly="true" ma:showField="LastPublishAttemptDate" ma:web="905c3888-6285-45d0-bd76-60a9ac2d738c">
-      <xsd:complexType>
-        <xsd:complexContent>
-          <xsd:extension base="dms:MultiChoiceLookup">
-            <xsd:sequence>
-              <xsd:element name="Value" type="dms:Lookup" maxOccurs="unbounded" minOccurs="0" nillable="true"/>
-            </xsd:sequence>
-          </xsd:extension>
-        </xsd:complexContent>
-      </xsd:complexType>
-    </xsd:element>
-    <xsd:element name="LastPublishedByLookup" ma:index="64" nillable="true" ma:displayName="Last Published By" ma:default="" ma:list="{7F948D4D-A57E-4E3F-87E9-0ABE9F2D748E}" ma:internalName="LastPublishedByLookup" ma:readOnly="true" ma:showField="LastPublishedBy" ma:web="905c3888-6285-45d0-bd76-60a9ac2d738c">
-      <xsd:complexType>
-        <xsd:complexContent>
-          <xsd:extension base="dms:MultiChoiceLookup">
-            <xsd:sequence>
-              <xsd:element name="Value" type="dms:Lookup" maxOccurs="unbounded" minOccurs="0" nillable="true"/>
-            </xsd:sequence>
-          </xsd:extension>
-        </xsd:complexContent>
-      </xsd:complexType>
-    </xsd:element>
-    <xsd:element name="LastPublishTimeLookup" ma:index="65" nillable="true" ma:displayName="Last Published Date" ma:default="" ma:list="{7F948D4D-A57E-4E3F-87E9-0ABE9F2D748E}" ma:internalName="LastPublishTimeLookup" ma:readOnly="true" ma:showField="LastPublishTime" ma:web="905c3888-6285-45d0-bd76-60a9ac2d738c">
-      <xsd:complexType>
-        <xsd:complexContent>
-          <xsd:extension base="dms:MultiChoiceLookup">
-            <xsd:sequence>
-              <xsd:element name="Value" type="dms:Lookup" maxOccurs="unbounded" minOccurs="0" nillable="true"/>
-            </xsd:sequence>
-          </xsd:extension>
-        </xsd:complexContent>
-      </xsd:complexType>
-    </xsd:element>
-    <xsd:element name="LastPublishVersionLookup" ma:index="66" nillable="true" ma:displayName="Last Published Version" ma:default="" ma:list="{7F948D4D-A57E-4E3F-87E9-0ABE9F2D748E}" ma:internalName="LastPublishVersionLookup" ma:readOnly="true" ma:showField="LastPublishVersion" ma:web="905c3888-6285-45d0-bd76-60a9ac2d738c">
-      <xsd:complexType>
-        <xsd:complexContent>
-          <xsd:extension base="dms:MultiChoiceLookup">
-            <xsd:sequence>
-              <xsd:element name="Value" type="dms:Lookup" maxOccurs="unbounded" minOccurs="0" nillable="true"/>
-            </xsd:sequence>
-          </xsd:extension>
-        </xsd:complexContent>
-      </xsd:complexType>
-    </xsd:element>
-    <xsd:element name="TPLaunchHelpLinkType" ma:index="67" nillable="true" ma:displayName="Launch Help Link Type" ma:default="Template" ma:internalName="TPLaunchHelpLinkType">
-      <xsd:simpleType>
-        <xsd:restriction base="dms:Choice">
-          <xsd:enumeration value="Template"/>
-          <xsd:enumeration value="Training"/>
-          <xsd:enumeration value="URL"/>
-          <xsd:enumeration value="None"/>
-        </xsd:restriction>
-      </xsd:simpleType>
-    </xsd:element>
-    <xsd:element name="LegacyData" ma:index="68" nillable="true" ma:displayName="Legacy Data" ma:default="" ma:internalName="LegacyData" ma:readOnly="false">
-      <xsd:simpleType>
-        <xsd:restriction base="dms:Note"/>
-      </xsd:simpleType>
-    </xsd:element>
-    <xsd:element name="TPLaunchHelpLink" ma:index="69" nillable="true" ma:displayName="Link to Launch Help Topic" ma:default="" ma:internalName="TPLaunchHelpLink">
-      <xsd:simpleType>
-        <xsd:restriction base="dms:Text"/>
-      </xsd:simpleType>
-    </xsd:element>
-    <xsd:element name="LocComments" ma:index="70" nillable="true" ma:displayName="Loc Approval Comments" ma:default="" ma:internalName="LocComments" ma:readOnly="false">
-      <xsd:simpleType>
-        <xsd:restriction base="dms:Note"/>
-      </xsd:simpleType>
-    </xsd:element>
-    <xsd:element name="LocLastLocAttemptVersionLookup" ma:index="71" nillable="true" ma:displayName="Loc Last Loc Attempt Version" ma:default="" ma:list="{B1EFB310-8154-40EE-A736-2FF11D479763}" ma:internalName="LocLastLocAttemptVersionLookup" ma:readOnly="false" ma:showField="LastLocAttemptVersion" ma:web="905c3888-6285-45d0-bd76-60a9ac2d738c">
-      <xsd:simpleType>
-        <xsd:restriction base="dms:Lookup"/>
-      </xsd:simpleType>
-    </xsd:element>
-    <xsd:element name="LocLastLocAttemptVersionTypeLookup" ma:index="72" nillable="true" ma:displayName="Loc Last Loc Attempt Version Type" ma:default="" ma:list="{B1EFB310-8154-40EE-A736-2FF11D479763}" ma:internalName="LocLastLocAttemptVersionTypeLookup" ma:readOnly="true" ma:showField="LastLocAttemptVersionType" ma:web="905c3888-6285-45d0-bd76-60a9ac2d738c">
-      <xsd:simpleType>
-        <xsd:restriction base="dms:Lookup"/>
-      </xsd:simpleType>
-    </xsd:element>
-    <xsd:element name="LocManualTestRequired" ma:index="73" nillable="true" ma:displayName="Loc Manual Test Required" ma:default="" ma:internalName="LocManualTestRequired" ma:readOnly="false">
-      <xsd:simpleType>
-        <xsd:restriction base="dms:Boolean"/>
-      </xsd:simpleType>
-    </xsd:element>
-    <xsd:element name="LocMarketGroupTiers2" ma:index="74" nillable="true" ma:displayName="Loc Market Group Tiers" ma:internalName="LocMarketGroupTiers2" ma:readOnly="false">
-      <xsd:simpleType>
-        <xsd:restriction base="dms:Unknown"/>
-      </xsd:simpleType>
-    </xsd:element>
-    <xsd:element name="LocNewPublishedVersionLookup" ma:index="75" nillable="true" ma:displayName="Loc New Published Version Lookup" ma:default="" ma:list="{B1EFB310-8154-40EE-A736-2FF11D479763}" ma:internalName="LocNewPublishedVersionLookup" ma:readOnly="true" ma:showField="NewPublishedVersion" ma:web="905c3888-6285-45d0-bd76-60a9ac2d738c">
-      <xsd:simpleType>
-        <xsd:restriction base="dms:Lookup"/>
-      </xsd:simpleType>
-    </xsd:element>
-    <xsd:element name="LocOverallHandbackStatusLookup" ma:index="76" nillable="true" ma:displayName="Loc Overall Handback Status" ma:default="" ma:list="{B1EFB310-8154-40EE-A736-2FF11D479763}" ma:internalName="LocOverallHandbackStatusLookup" ma:readOnly="true" ma:showField="OverallHandbackStatus" ma:web="905c3888-6285-45d0-bd76-60a9ac2d738c">
-      <xsd:simpleType>
-        <xsd:restriction base="dms:Lookup"/>
-      </xsd:simpleType>
-    </xsd:element>
-    <xsd:element name="LocOverallLocStatusLookup" ma:index="77" nillable="true" ma:displayName="Loc Overall Localize Status" ma:default="" ma:list="{B1EFB310-8154-40EE-A736-2FF11D479763}" ma:internalName="LocOverallLocStatusLookup" ma:readOnly="true" ma:showField="OverallLocStatus" ma:web="905c3888-6285-45d0-bd76-60a9ac2d738c">
-      <xsd:simpleType>
-        <xsd:restriction base="dms:Lookup"/>
-      </xsd:simpleType>
-    </xsd:element>
-    <xsd:element name="LocOverallPreviewStatusLookup" ma:index="78" nillable="true" ma:displayName="Loc Overall Preview Status" ma:default="" ma:list="{B1EFB310-8154-40EE-A736-2FF11D479763}" ma:internalName="LocOverallPreviewStatusLookup" ma:readOnly="true" ma:showField="OverallPreviewStatus" ma:web="905c3888-6285-45d0-bd76-60a9ac2d738c">
-      <xsd:simpleType>
-        <xsd:restriction base="dms:Lookup"/>
-      </xsd:simpleType>
-    </xsd:element>
-    <xsd:element name="LocOverallPublishStatusLookup" ma:index="79" nillable="true" ma:displayName="Loc Overall Publish Status" ma:default="" ma:list="{B1EFB310-8154-40EE-A736-2FF11D479763}" ma:internalName="LocOverallPublishStatusLookup" ma:readOnly="true" ma:showField="OverallPublishStatus" ma:web="905c3888-6285-45d0-bd76-60a9ac2d738c">
-      <xsd:simpleType>
-        <xsd:restriction base="dms:Lookup"/>
-      </xsd:simpleType>
-    </xsd:element>
-    <xsd:element name="IntlLocPriority" ma:index="80" nillable="true" ma:displayName="Loc Priority" ma:default="" ma:internalName="IntlLocPriority" ma:readOnly="false">
-      <xsd:simpleType>
-        <xsd:restriction base="dms:Unknown"/>
-      </xsd:simpleType>
-    </xsd:element>
-    <xsd:element name="LocProcessedForHandoffsLookup" ma:index="81" nillable="true" ma:displayName="Loc Processed For Handoffs" ma:default="" ma:list="{B1EFB310-8154-40EE-A736-2FF11D479763}" ma:internalName="LocProcessedForHandoffsLookup" ma:readOnly="true" ma:showField="ProcessedForHandoffs" ma:web="905c3888-6285-45d0-bd76-60a9ac2d738c">
-      <xsd:simpleType>
-        <xsd:restriction base="dms:Lookup"/>
-      </xsd:simpleType>
-    </xsd:element>
-    <xsd:element name="LocProcessedForMarketsLookup" ma:index="82" nillable="true" ma:displayName="Loc Processed For Markets" ma:default="" ma:list="{B1EFB310-8154-40EE-A736-2FF11D479763}" ma:internalName="LocProcessedForMarketsLookup" ma:readOnly="true" ma:showField="ProcessedForMarkets" ma:web="905c3888-6285-45d0-bd76-60a9ac2d738c">
-      <xsd:simpleType>
-        <xsd:restriction base="dms:Lookup"/>
-      </xsd:simpleType>
-    </xsd:element>
-    <xsd:element name="LocPublishedDependentAssetsLookup" ma:index="83" nillable="true" ma:displayName="Loc Published Dependent Assets" ma:default="" ma:list="{B1EFB310-8154-40EE-A736-2FF11D479763}" ma:internalName="LocPublishedDependentAssetsLookup" ma:readOnly="true" ma:showField="PublishedDependentAssets" ma:web="905c3888-6285-45d0-bd76-60a9ac2d738c">
-      <xsd:simpleType>
-        <xsd:restriction base="dms:Lookup"/>
-      </xsd:simpleType>
-    </xsd:element>
-    <xsd:element name="LocPublishedLinkedAssetsLookup" ma:index="84" nillable="true" ma:displayName="Loc Published Linked Assets" ma:default="" ma:list="{B1EFB310-8154-40EE-A736-2FF11D479763}" ma:internalName="LocPublishedLinkedAssetsLookup" ma:readOnly="true" ma:showField="PublishedLinkedAssets" ma:web="905c3888-6285-45d0-bd76-60a9ac2d738c">
-      <xsd:simpleType>
-        <xsd:restriction base="dms:Lookup"/>
-      </xsd:simpleType>
-    </xsd:element>
-    <xsd:element name="LocRecommendedHandoff" ma:index="85" nillable="true" ma:displayName="Loc Recommended Handoff" ma:default="" ma:indexed="true" ma:internalName="LocRecommendedHandoff" ma:readOnly="false">
-      <xsd:simpleType>
-        <xsd:restriction base="dms:Text"/>
-      </xsd:simpleType>
-    </xsd:element>
-    <xsd:element name="LocalizationTagsTaxHTField0" ma:index="87" nillable="true" ma:taxonomy="true" ma:internalName="LocalizationTagsTaxHTField0" ma:taxonomyFieldName="LocalizationTags" ma:displayName="Localization Tags" ma:readOnly="false" ma:default="" ma:fieldId="{726a1ece-9747-4e7d-9113-bc8295fd2c1d}" ma:taxonomyMulti="true" ma:sspId="8f79753a-75d3-41f5-8ca3-40b843941b4f" ma:termSetId="5b7703a5-8e8b-4b58-8b31-1cea35331da3" ma:anchorId="00000000-0000-0000-0000-000000000000" ma:open="false" ma:isKeyword="false">
-      <xsd:complexType>
-        <xsd:sequence>
-          <xsd:element ref="pc:Terms" minOccurs="0" maxOccurs="1"/>
-        </xsd:sequence>
-      </xsd:complexType>
-    </xsd:element>
-    <xsd:element name="MachineTranslated" ma:index="88" nillable="true" ma:displayName="Machine Translated" ma:default="" ma:internalName="MachineTranslated" ma:readOnly="false">
-      <xsd:simpleType>
-        <xsd:restriction base="dms:Boolean"/>
-      </xsd:simpleType>
-    </xsd:element>
-    <xsd:element name="Manager" ma:index="89" nillable="true" ma:displayName="Manager" ma:hidden="true" ma:internalName="Manager" ma:readOnly="false">
-      <xsd:simpleType>
-        <xsd:restriction base="dms:Text"/>
-      </xsd:simpleType>
-    </xsd:element>
-    <xsd:element name="Markets" ma:index="90" nillable="true" ma:displayName="Markets" ma:default="" ma:description="Leave blank to show in all markets" ma:list="{85FC5A58-2851-427E-95B4-AFAF1C73BA4D}" ma:internalName="Markets" ma:readOnly="false" ma:showField="MarketName" ma:web="905c3888-6285-45d0-bd76-60a9ac2d738c">
-      <xsd:complexType>
-        <xsd:complexContent>
-          <xsd:extension base="dms:MultiChoiceLookup">
-            <xsd:sequence>
-              <xsd:element name="Value" type="dms:Lookup" maxOccurs="unbounded" minOccurs="0" nillable="true"/>
-            </xsd:sequence>
-          </xsd:extension>
-        </xsd:complexContent>
-      </xsd:complexType>
-    </xsd:element>
-    <xsd:element name="Milestone" ma:index="91" nillable="true" ma:displayName="Milestone" ma:default="" ma:internalName="Milestone" ma:readOnly="false">
-      <xsd:simpleType>
-        <xsd:restriction base="dms:Unknown"/>
-      </xsd:simpleType>
-    </xsd:element>
-    <xsd:element name="TPNamespace" ma:index="94" nillable="true" ma:displayName="Namespace" ma:default="" ma:internalName="TPNamespace">
-      <xsd:simpleType>
-        <xsd:restriction base="dms:Text"/>
-      </xsd:simpleType>
-    </xsd:element>
-    <xsd:element name="NumericId" ma:index="95" nillable="true" ma:displayName="Numeric ID" ma:default="" ma:indexed="true" ma:internalName="NumericId" ma:readOnly="false">
-      <xsd:simpleType>
-        <xsd:restriction base="dms:Number"/>
-      </xsd:simpleType>
-    </xsd:element>
-    <xsd:element name="NumOfRatingsLookup" ma:index="96" nillable="true" ma:displayName="NumOfRatings" ma:default="" ma:list="{7F948D4D-A57E-4E3F-87E9-0ABE9F2D748E}" ma:internalName="NumOfRatingsLookup" ma:readOnly="true" ma:showField="NumOfRatings" ma:web="905c3888-6285-45d0-bd76-60a9ac2d738c">
-      <xsd:complexType>
-        <xsd:complexContent>
-          <xsd:extension base="dms:MultiChoiceLookup">
-            <xsd:sequence>
-              <xsd:element name="Value" type="dms:Lookup" maxOccurs="unbounded" minOccurs="0" nillable="true"/>
-            </xsd:sequence>
-          </xsd:extension>
-        </xsd:complexContent>
-      </xsd:complexType>
-    </xsd:element>
-    <xsd:element name="OOCacheId" ma:index="97" nillable="true" ma:displayName="OOCacheId" ma:internalName="OOCacheId" ma:readOnly="false">
-      <xsd:simpleType>
-        <xsd:restriction base="dms:Text"/>
-      </xsd:simpleType>
-    </xsd:element>
-    <xsd:element name="OpenTemplate" ma:index="98" nillable="true" ma:displayName="Open Template" ma:default="true" ma:internalName="OpenTemplate">
-      <xsd:simpleType>
-        <xsd:restriction base="dms:Boolean"/>
-      </xsd:simpleType>
-    </xsd:element>
-    <xsd:element name="OriginAsset" ma:index="99" nillable="true" ma:displayName="Origin Asset" ma:default="" ma:internalName="OriginAsset" ma:readOnly="false">
-      <xsd:simpleType>
-        <xsd:restriction base="dms:Text"/>
-      </xsd:simpleType>
-    </xsd:element>
-    <xsd:element name="OriginalRelease" ma:index="100" nillable="true" ma:displayName="Original Release" ma:default="15" ma:internalName="OriginalRelease" ma:readOnly="false">
-      <xsd:simpleType>
-        <xsd:restriction base="dms:Choice">
-          <xsd:enumeration value="14"/>
-          <xsd:enumeration value="15"/>
-          <xsd:enumeration value="16"/>
-        </xsd:restriction>
-      </xsd:simpleType>
-    </xsd:element>
-    <xsd:element name="OriginalSourceMarket" ma:index="101" nillable="true" ma:displayName="Original Source Market Group" ma:default="" ma:internalName="OriginalSourceMarket" ma:readOnly="false">
-      <xsd:simpleType>
-        <xsd:restriction base="dms:Text"/>
-      </xsd:simpleType>
-    </xsd:element>
-    <xsd:element name="OutputCachingOn" ma:index="102" nillable="true" ma:displayName="Output Caching" ma:default="true" ma:hidden="true" ma:internalName="OutputCachingOn" ma:readOnly="false">
-      <xsd:simpleType>
-        <xsd:restriction base="dms:Boolean"/>
-      </xsd:simpleType>
-    </xsd:element>
-    <xsd:element name="ParentAssetId" ma:index="103" nillable="true" ma:displayName="Parent Asset Id" ma:default="" ma:internalName="ParentAssetId" ma:readOnly="false">
-      <xsd:simpleType>
-        <xsd:restriction base="dms:Text"/>
-      </xsd:simpleType>
-    </xsd:element>
-    <xsd:element name="PlannedPubDate" ma:index="104" nillable="true" ma:displayName="Planned Publish Date" ma:default="" ma:indexed="true" ma:internalName="PlannedPubDate" ma:readOnly="false">
-      <xsd:simpleType>
-        <xsd:restriction base="dms:DateTime"/>
-      </xsd:simpleType>
-    </xsd:element>
-    <xsd:element name="PolicheckWords" ma:index="105" nillable="true" ma:displayName="Policheck Words" ma:default="" ma:internalName="PolicheckWords" ma:readOnly="false">
-      <xsd:simpleType>
-        <xsd:restriction base="dms:Text"/>
-      </xsd:simpleType>
-    </xsd:element>
-    <xsd:element name="BusinessGroup" ma:index="106" nillable="true" ma:displayName="Product Division Owner" ma:default="" ma:internalName="BusinessGroup" ma:readOnly="false">
-      <xsd:simpleType>
-        <xsd:restriction base="dms:Unknown"/>
-      </xsd:simpleType>
-    </xsd:element>
-    <xsd:element name="UAProjectedTotalWords" ma:index="107" nillable="true" ma:displayName="Projected Word Count" ma:default="" ma:internalName="UAProjectedTotalWords" ma:readOnly="false">
-      <xsd:simpleType>
-        <xsd:restriction base="dms:Unknown"/>
-      </xsd:simpleType>
-    </xsd:element>
-    <xsd:element name="Provider" ma:index="108" nillable="true" ma:displayName="Provider" ma:default="" ma:internalName="Provider" ma:readOnly="false">
-      <xsd:simpleType>
-        <xsd:restriction base="dms:Unknown"/>
-      </xsd:simpleType>
-    </xsd:element>
-    <xsd:element name="Providers" ma:index="109" nillable="true" ma:displayName="Providers" ma:default="" ma:internalName="Providers">
-      <xsd:simpleType>
-        <xsd:restriction base="dms:Unknown"/>
-      </xsd:simpleType>
-    </xsd:element>
-    <xsd:element name="PublishStatusLookup" ma:index="110" nillable="true" ma:displayName="Publish Status" ma:default="" ma:list="{7F948D4D-A57E-4E3F-87E9-0ABE9F2D748E}" ma:internalName="PublishStatusLookup" ma:readOnly="false" ma:showField="PublishStatus" ma:web="905c3888-6285-45d0-bd76-60a9ac2d738c">
-      <xsd:complexType>
-        <xsd:complexContent>
-          <xsd:extension base="dms:MultiChoiceLookup">
-            <xsd:sequence>
-              <xsd:element name="Value" type="dms:Lookup" maxOccurs="unbounded" minOccurs="0" nillable="true"/>
-            </xsd:sequence>
-          </xsd:extension>
-        </xsd:complexContent>
-      </xsd:complexType>
-    </xsd:element>
-    <xsd:element name="PublishTargets" ma:index="111" nillable="true" ma:displayName="Publish Target" ma:default="OfficeOnlineVNext" ma:internalName="PublishTargets" ma:readOnly="false">
-      <xsd:simpleType>
-        <xsd:restriction base="dms:Unknown"/>
-      </xsd:simpleType>
-    </xsd:element>
-    <xsd:element name="RecommendationsModifier" ma:index="112" nillable="true" ma:displayName="Recommendations Modifier" ma:default="" ma:internalName="RecommendationsModifier" ma:readOnly="false">
-      <xsd:simpleType>
-        <xsd:restriction base="dms:Number"/>
-      </xsd:simpleType>
-    </xsd:element>
-    <xsd:element name="ArtSampleDocs" ma:index="113" nillable="true" ma:displayName="Sample Docs" ma:default="" ma:hidden="true" ma:internalName="ArtSampleDocs" ma:readOnly="false">
-      <xsd:simpleType>
-        <xsd:restriction base="dms:Text"/>
-      </xsd:simpleType>
-    </xsd:element>
-    <xsd:element name="ScenarioTagsTaxHTField0" ma:index="115" nillable="true" ma:taxonomy="true" ma:internalName="ScenarioTagsTaxHTField0" ma:taxonomyFieldName="ScenarioTags" ma:displayName="Scenarios" ma:readOnly="false" ma:default="" ma:fieldId="{cba8db9d-85f8-47e4-85af-460188139726}" ma:taxonomyMulti="true" ma:sspId="8f79753a-75d3-41f5-8ca3-40b843941b4f" ma:termSetId="4b7d5f16-e2f2-4fc0-bab3-6e8b931e57d6" ma:anchorId="00000000-0000-0000-0000-000000000000" ma:open="false" ma:isKeyword="false">
-      <xsd:complexType>
-        <xsd:sequence>
-          <xsd:element ref="pc:Terms" minOccurs="0" maxOccurs="1"/>
-        </xsd:sequence>
-      </xsd:complexType>
-    </xsd:element>
-    <xsd:element name="ShowIn" ma:index="117" nillable="true" ma:displayName="Show In" ma:default="Show everywhere" ma:internalName="ShowIn" ma:readOnly="false">
-      <xsd:simpleType>
-        <xsd:restriction base="dms:Choice">
-          <xsd:enumeration value="Hide on web"/>
-          <xsd:enumeration value="On Web no search"/>
-          <xsd:enumeration value="Show everywhere"/>
-          <xsd:enumeration value="Special use only"/>
-        </xsd:restriction>
-      </xsd:simpleType>
-    </xsd:element>
-    <xsd:element name="SourceTitle" ma:index="118" nillable="true" ma:displayName="Source Title" ma:default="" ma:indexed="true" ma:internalName="SourceTitle" ma:readOnly="false">
-      <xsd:simpleType>
-        <xsd:restriction base="dms:Text"/>
-      </xsd:simpleType>
-    </xsd:element>
-    <xsd:element name="CSXSubmissionDate" ma:index="119" nillable="true" ma:displayName="Submission Date" ma:default="" ma:internalName="CSXSubmissionDate" ma:readOnly="false">
-      <xsd:simpleType>
-        <xsd:restriction base="dms:DateTime"/>
-      </xsd:simpleType>
-    </xsd:element>
-    <xsd:element name="SubmitterId" ma:index="120" nillable="true" ma:displayName="Submitter ID" ma:default="" ma:internalName="SubmitterId" ma:readOnly="false">
-      <xsd:simpleType>
-        <xsd:restriction base="dms:Text"/>
-      </xsd:simpleType>
-    </xsd:element>
-    <xsd:element name="TaxCatchAll" ma:index="121" nillable="true" ma:displayName="Taxonomy Catch All Column" ma:hidden="true" ma:list="{72161567-9e55-4761-b65c-3c8149bfc4ca}" ma:internalName="TaxCatchAll" ma:showField="CatchAllData" ma:web="905c3888-6285-45d0-bd76-60a9ac2d738c">
-      <xsd:complexType>
-        <xsd:complexContent>
-          <xsd:extension base="dms:MultiChoiceLookup">
-            <xsd:sequence>
-              <xsd:element name="Value" type="dms:Lookup" maxOccurs="unbounded" minOccurs="0" nillable="true"/>
-            </xsd:sequence>
-          </xsd:extension>
-        </xsd:complexContent>
-      </xsd:complexType>
-    </xsd:element>
-    <xsd:element name="TaxCatchAllLabel" ma:index="122" nillable="true" ma:displayName="Taxonomy Catch All Column1" ma:hidden="true" ma:list="{72161567-9e55-4761-b65c-3c8149bfc4ca}" ma:internalName="TaxCatchAllLabel" ma:readOnly="true" ma:showField="CatchAllDataLabel" ma:web="905c3888-6285-45d0-bd76-60a9ac2d738c">
-      <xsd:complexType>
-        <xsd:complexContent>
-          <xsd:extension base="dms:MultiChoiceLookup">
-            <xsd:sequence>
-              <xsd:element name="Value" type="dms:Lookup" maxOccurs="unbounded" minOccurs="0" nillable="true"/>
-            </xsd:sequence>
-          </xsd:extension>
-        </xsd:complexContent>
-      </xsd:complexType>
-    </xsd:element>
-    <xsd:element name="TemplateStatus" ma:index="123" nillable="true" ma:displayName="Template Status" ma:default="" ma:internalName="TemplateStatus">
-      <xsd:simpleType>
-        <xsd:restriction base="dms:Unknown"/>
-      </xsd:simpleType>
-    </xsd:element>
-    <xsd:element name="TemplateTemplateType" ma:index="124" nillable="true" ma:displayName="Template Type" ma:default="" ma:internalName="TemplateTemplateType">
-      <xsd:simpleType>
-        <xsd:restriction base="dms:Unknown"/>
-      </xsd:simpleType>
-    </xsd:element>
-    <xsd:element name="ThumbnailAssetId" ma:index="125" nillable="true" ma:displayName="Thumbnail Image Asset" ma:default="" ma:internalName="ThumbnailAssetId" ma:readOnly="false">
-      <xsd:simpleType>
-        <xsd:restriction base="dms:Text"/>
-      </xsd:simpleType>
-    </xsd:element>
-    <xsd:element name="TimesCloned" ma:index="126" nillable="true" ma:displayName="Times Cloned" ma:default="" ma:internalName="TimesCloned" ma:readOnly="false">
-      <xsd:simpleType>
-        <xsd:restriction base="dms:Number"/>
-      </xsd:simpleType>
-    </xsd:element>
-    <xsd:element name="TrustLevel" ma:index="128" nillable="true" ma:displayName="Trust Level" ma:default="1 Microsoft Managed Content" ma:internalName="TrustLevel" ma:readOnly="false">
-      <xsd:simpleType>
-        <xsd:restriction base="dms:Unknown"/>
-      </xsd:simpleType>
-    </xsd:element>
-    <xsd:element name="UALocComments" ma:index="129" nillable="true" ma:displayName="UA Loc Comments" ma:default="" ma:internalName="UALocComments" ma:readOnly="false">
-      <xsd:simpleType>
-        <xsd:restriction base="dms:Note"/>
-      </xsd:simpleType>
-    </xsd:element>
-    <xsd:element name="UALocRecommendation" ma:index="130" nillable="true" ma:displayName="UA Loc Recommendation" ma:default="Localize" ma:internalName="UALocRecommendation" ma:readOnly="false">
-      <xsd:simpleType>
-        <xsd:restriction base="dms:Choice">
-          <xsd:enumeration value="Localize"/>
-          <xsd:enumeration value="Never Localize"/>
-          <xsd:enumeration value="Priority Localize"/>
-        </xsd:restriction>
-      </xsd:simpleType>
-    </xsd:element>
-    <xsd:element name="UANotes" ma:index="131" nillable="true" ma:displayName="UA Notes" ma:default="" ma:internalName="UANotes" ma:readOnly="false">
-      <xsd:simpleType>
-        <xsd:restriction base="dms:Note"/>
-      </xsd:simpleType>
-    </xsd:element>
-    <xsd:element name="TPAppVersion" ma:index="132" nillable="true" ma:displayName="Version" ma:default="" ma:internalName="TPAppVersion">
-      <xsd:simpleType>
-        <xsd:restriction base="dms:Text"/>
-      </xsd:simpleType>
-    </xsd:element>
-    <xsd:element name="VoteCount" ma:index="133" nillable="true" ma:displayName="Vote Count" ma:default="" ma:internalName="VoteCount" ma:readOnly="false">
-      <xsd:simpleType>
-        <xsd:restriction base="dms:Unknown"/>
-      </xsd:simpleType>
-    </xsd:element>
-  </xsd:schema>
-  <xsd:schema xmlns:xsd="http://www.w3.org/2001/XMLSchema" xmlns:xs="http://www.w3.org/2001/XMLSchema" xmlns:dms="http://schemas.microsoft.com/office/2006/documentManagement/types" xmlns:pc="http://schemas.microsoft.com/office/infopath/2007/PartnerControls" targetNamespace="a0b64b53-fba7-43ca-b952-90e5e74773dd" elementFormDefault="qualified">
-    <xsd:import namespace="http://schemas.microsoft.com/office/2006/documentManagement/types"/>
-    <xsd:import namespace="http://schemas.microsoft.com/office/infopath/2007/PartnerControls"/>
-    <xsd:element name="Description0" ma:index="134" nillable="true" ma:displayName="Description" ma:internalName="Description0">
-      <xsd:simpleType>
-        <xsd:restriction base="dms:Note"/>
-      </xsd:simpleType>
-    </xsd:element>
-    <xsd:element name="Component0" ma:index="135" nillable="true" ma:displayName="Component" ma:internalName="Component0">
-      <xsd:simpleType>
-        <xsd:restriction base="dms:Text">
-          <xsd:maxLength value="255"/>
-        </xsd:restriction>
-      </xsd:simpleType>
-    </xsd:element>
-  </xsd:schema>
-  <xsd:schema xmlns="http://schemas.openxmlformats.org/package/2006/metadata/core-properties" xmlns:xsd="http://www.w3.org/2001/XMLSchema" xmlns:xsi="http://www.w3.org/2001/XMLSchema-instance" xmlns:dc="http://purl.org/dc/elements/1.1/" xmlns:dcterms="http://purl.org/dc/terms/" xmlns:odoc="http://schemas.microsoft.com/internal/obd" targetNamespace="http://schemas.openxmlformats.org/package/2006/metadata/core-properties" elementFormDefault="qualified" attributeFormDefault="unqualified" blockDefault="#all">
-    <xsd:import namespace="http://purl.org/dc/elements/1.1/" schemaLocation="http://dublincore.org/schemas/xmls/qdc/2003/04/02/dc.xsd"/>
-    <xsd:import namespace="http://purl.org/dc/terms/" schemaLocation="http://dublincore.org/schemas/xmls/qdc/2003/04/02/dcterms.xsd"/>
-    <xsd:element name="coreProperties" type="CT_coreProperties"/>
-    <xsd:complexType name="CT_coreProperties">
-      <xsd:all>
-        <xsd:element ref="dc:creator" minOccurs="0" maxOccurs="1"/>
-        <xsd:element ref="dcterms:created" minOccurs="0" maxOccurs="1"/>
-        <xsd:element ref="dc:identifier" minOccurs="0" maxOccurs="1"/>
-        <xsd:element name="contentType" minOccurs="0" maxOccurs="1" type="xsd:string" ma:index="22" ma:displayName="Content Type"/>
-        <xsd:element ref="dc:title" minOccurs="0" maxOccurs="1" ma:index="127" ma:displayName="Title"/>
-        <xsd:element ref="dc:subject" minOccurs="0" maxOccurs="1"/>
-        <xsd:element ref="dc:description" minOccurs="0" maxOccurs="1"/>
-        <xsd:element name="keywords" minOccurs="0" maxOccurs="1" type="xsd:string"/>
-        <xsd:element ref="dc:language" minOccurs="0" maxOccurs="1"/>
-        <xsd:element name="category" minOccurs="0" maxOccurs="1" type="xsd:string"/>
-        <xsd:element name="version" minOccurs="0" maxOccurs="1" type="xsd:string"/>
-        <xsd:element name="revision" minOccurs="0" maxOccurs="1" type="xsd:string">
-          <xsd:annotation>
-            <xsd:documentation>
-                        This value indicates the number of saves or revisions. The application is responsible for updating this value after each revision.
-                    </xsd:documentation>
-          </xsd:annotation>
-        </xsd:element>
-        <xsd:element name="lastModifiedBy" minOccurs="0" maxOccurs="1" type="xsd:string"/>
-        <xsd:element ref="dcterms:modified" minOccurs="0" maxOccurs="1"/>
-        <xsd:element name="contentStatus" minOccurs="0" maxOccurs="1" type="xsd:string"/>
-      </xsd:all>
-    </xsd:complexType>
-  </xsd:schema>
-  <xs:schema xmlns:pc="http://schemas.microsoft.com/office/infopath/2007/PartnerControls" xmlns:xs="http://www.w3.org/2001/XMLSchema" targetNamespace="http://schemas.microsoft.com/office/infopath/2007/PartnerControls" elementFormDefault="qualified" attributeFormDefault="unqualified">
-    <xs:element name="Person">
-      <xs:complexType>
-        <xs:sequence>
-          <xs:element ref="pc:DisplayName" minOccurs="0"/>
-          <xs:element ref="pc:AccountId" minOccurs="0"/>
-          <xs:element ref="pc:AccountType" minOccurs="0"/>
-        </xs:sequence>
-      </xs:complexType>
-    </xs:element>
-    <xs:element name="DisplayName" type="xs:string"/>
-    <xs:element name="AccountId" type="xs:string"/>
-    <xs:element name="AccountType" type="xs:string"/>
-    <xs:element name="BDCAssociatedEntity">
-      <xs:complexType>
-        <xs:sequence>
-          <xs:element ref="pc:BDCEntity" minOccurs="0" maxOccurs="unbounded"/>
-        </xs:sequence>
-        <xs:attribute ref="pc:EntityNamespace"/>
-        <xs:attribute ref="pc:EntityName"/>
-        <xs:attribute ref="pc:SystemInstanceName"/>
-        <xs:attribute ref="pc:AssociationName"/>
-      </xs:complexType>
-    </xs:element>
-    <xs:attribute name="EntityNamespace" type="xs:string"/>
-    <xs:attribute name="EntityName" type="xs:string"/>
-    <xs:attribute name="SystemInstanceName" type="xs:string"/>
-    <xs:attribute name="AssociationName" type="xs:string"/>
-    <xs:element name="BDCEntity">
-      <xs:complexType>
-        <xs:sequence>
-          <xs:element ref="pc:EntityDisplayName" minOccurs="0"/>
-          <xs:element ref="pc:EntityInstanceReference" minOccurs="0"/>
-          <xs:element ref="pc:EntityId1" minOccurs="0"/>
-          <xs:element ref="pc:EntityId2" minOccurs="0"/>
-          <xs:element ref="pc:EntityId3" minOccurs="0"/>
-          <xs:element ref="pc:EntityId4" minOccurs="0"/>
-          <xs:element ref="pc:EntityId5" minOccurs="0"/>
-        </xs:sequence>
-      </xs:complexType>
-    </xs:element>
-    <xs:element name="EntityDisplayName" type="xs:string"/>
-    <xs:element name="EntityInstanceReference" type="xs:string"/>
-    <xs:element name="EntityId1" type="xs:string"/>
-    <xs:element name="EntityId2" type="xs:string"/>
-    <xs:element name="EntityId3" type="xs:string"/>
-    <xs:element name="EntityId4" type="xs:string"/>
-    <xs:element name="EntityId5" type="xs:string"/>
-    <xs:element name="Terms">
-      <xs:complexType>
-        <xs:sequence>
-          <xs:element ref="pc:TermInfo" minOccurs="0" maxOccurs="unbounded"/>
-        </xs:sequence>
-      </xs:complexType>
-    </xs:element>
-    <xs:element name="TermInfo">
-      <xs:complexType>
-        <xs:sequence>
-          <xs:element ref="pc:TermName" minOccurs="0"/>
-          <xs:element ref="pc:TermId" minOccurs="0"/>
-        </xs:sequence>
-      </xs:complexType>
-    </xs:element>
-    <xs:element name="TermName" type="xs:string"/>
-    <xs:element name="TermId" type="xs:string"/>
-  </xs:schema>
-</ct:contentTypeSchema>
-</file>
-
-<file path=customXml/item2.xml><?xml version="1.0" encoding="utf-8"?>
-<?mso-contentType ?>
-<FormTemplates xmlns="http://schemas.microsoft.com/sharepoint/v3/contenttype/forms">
-  <Display>DocumentLibraryForm</Display>
-  <Edit>AssetEditForm</Edit>
-  <New>DocumentLibraryForm</New>
-</FormTemplates>
-</file>
-
-<file path=customXml/item3.xml><?xml version="1.0" encoding="utf-8"?>
-<p:properties xmlns:p="http://schemas.microsoft.com/office/2006/metadata/properties" xmlns:xsi="http://www.w3.org/2001/XMLSchema-instance" xmlns:pc="http://schemas.microsoft.com/office/infopath/2007/PartnerControls">
-  <documentManagement>
-    <DirectSourceMarket xmlns="905c3888-6285-45d0-bd76-60a9ac2d738c">english</DirectSourceMarket>
-    <ApprovalStatus xmlns="905c3888-6285-45d0-bd76-60a9ac2d738c">InProgress</ApprovalStatus>
-    <MarketSpecific xmlns="905c3888-6285-45d0-bd76-60a9ac2d738c" xsi:nil="true"/>
-    <PrimaryImageGen xmlns="905c3888-6285-45d0-bd76-60a9ac2d738c">true</PrimaryImageGen>
-    <ThumbnailAssetId xmlns="905c3888-6285-45d0-bd76-60a9ac2d738c" xsi:nil="true"/>
-    <TPFriendlyName xmlns="905c3888-6285-45d0-bd76-60a9ac2d738c">Staff training presentation</TPFriendlyName>
-    <NumericId xmlns="905c3888-6285-45d0-bd76-60a9ac2d738c">-1</NumericId>
-    <BusinessGroup xmlns="905c3888-6285-45d0-bd76-60a9ac2d738c" xsi:nil="true"/>
-    <SourceTitle xmlns="905c3888-6285-45d0-bd76-60a9ac2d738c">Staff training presentation</SourceTitle>
-    <APEditor xmlns="905c3888-6285-45d0-bd76-60a9ac2d738c">
-      <UserInfo>
-        <DisplayName>REDMOND\v-luannv</DisplayName>
-        <AccountId>95</AccountId>
-        <AccountType/>
-      </UserInfo>
-    </APEditor>
-    <OpenTemplate xmlns="905c3888-6285-45d0-bd76-60a9ac2d738c">true</OpenTemplate>
-    <UALocComments xmlns="905c3888-6285-45d0-bd76-60a9ac2d738c" xsi:nil="true"/>
-    <ParentAssetId xmlns="905c3888-6285-45d0-bd76-60a9ac2d738c" xsi:nil="true"/>
-    <IntlLangReviewDate xmlns="905c3888-6285-45d0-bd76-60a9ac2d738c" xsi:nil="true"/>
-    <PublishStatusLookup xmlns="905c3888-6285-45d0-bd76-60a9ac2d738c">
-      <Value>84005</Value>
-      <Value>441861</Value>
-    </PublishStatusLookup>
-    <LastPublishResultLookup xmlns="905c3888-6285-45d0-bd76-60a9ac2d738c" xsi:nil="true"/>
-    <MachineTranslated xmlns="905c3888-6285-45d0-bd76-60a9ac2d738c">false</MachineTranslated>
-    <OriginalSourceMarket xmlns="905c3888-6285-45d0-bd76-60a9ac2d738c">english</OriginalSourceMarket>
-    <TPInstallLocation xmlns="905c3888-6285-45d0-bd76-60a9ac2d738c">{My Templates}</TPInstallLocation>
-    <APDescription xmlns="905c3888-6285-45d0-bd76-60a9ac2d738c" xsi:nil="true"/>
-    <ClipArtFilename xmlns="905c3888-6285-45d0-bd76-60a9ac2d738c" xsi:nil="true"/>
-    <ContentItem xmlns="905c3888-6285-45d0-bd76-60a9ac2d738c" xsi:nil="true"/>
-    <PublishTargets xmlns="905c3888-6285-45d0-bd76-60a9ac2d738c">OfficeOnline</PublishTargets>
-    <TimesCloned xmlns="905c3888-6285-45d0-bd76-60a9ac2d738c" xsi:nil="true"/>
-    <EditorialStatus xmlns="905c3888-6285-45d0-bd76-60a9ac2d738c" xsi:nil="true"/>
-    <TPLaunchHelpLinkType xmlns="905c3888-6285-45d0-bd76-60a9ac2d738c">Template</TPLaunchHelpLinkType>
-    <LastModifiedDateTime xmlns="905c3888-6285-45d0-bd76-60a9ac2d738c" xsi:nil="true"/>
-    <AssetStart xmlns="905c3888-6285-45d0-bd76-60a9ac2d738c">2009-01-02T00:00:00+00:00</AssetStart>
-    <LastHandOff xmlns="905c3888-6285-45d0-bd76-60a9ac2d738c" xsi:nil="true"/>
-    <Provider xmlns="905c3888-6285-45d0-bd76-60a9ac2d738c">EY006220130</Provider>
-    <AcquiredFrom xmlns="905c3888-6285-45d0-bd76-60a9ac2d738c" xsi:nil="true"/>
-    <TPClientViewer xmlns="905c3888-6285-45d0-bd76-60a9ac2d738c">Microsoft Office PowerPoint</TPClientViewer>
-    <UACurrentWords xmlns="905c3888-6285-45d0-bd76-60a9ac2d738c">0</UACurrentWords>
-    <UALocRecommendation xmlns="905c3888-6285-45d0-bd76-60a9ac2d738c">Localize</UALocRecommendation>
-    <ArtSampleDocs xmlns="905c3888-6285-45d0-bd76-60a9ac2d738c" xsi:nil="true"/>
-    <IsDeleted xmlns="905c3888-6285-45d0-bd76-60a9ac2d738c">false</IsDeleted>
-    <TemplateStatus xmlns="905c3888-6285-45d0-bd76-60a9ac2d738c" xsi:nil="true"/>
-    <UANotes xmlns="905c3888-6285-45d0-bd76-60a9ac2d738c">online only</UANotes>
-    <ShowIn xmlns="905c3888-6285-45d0-bd76-60a9ac2d738c" xsi:nil="true"/>
-    <CSXHash xmlns="905c3888-6285-45d0-bd76-60a9ac2d738c" xsi:nil="true"/>
-    <VoteCount xmlns="905c3888-6285-45d0-bd76-60a9ac2d738c" xsi:nil="true"/>
-    <AssetExpire xmlns="905c3888-6285-45d0-bd76-60a9ac2d738c">2029-05-12T00:00:00+00:00</AssetExpire>
-    <CSXSubmissionMarket xmlns="905c3888-6285-45d0-bd76-60a9ac2d738c" xsi:nil="true"/>
-    <DSATActionTaken xmlns="905c3888-6285-45d0-bd76-60a9ac2d738c" xsi:nil="true"/>
-    <SubmitterId xmlns="905c3888-6285-45d0-bd76-60a9ac2d738c" xsi:nil="true"/>
-    <TPExecutable xmlns="905c3888-6285-45d0-bd76-60a9ac2d738c" xsi:nil="true"/>
-    <AssetType xmlns="905c3888-6285-45d0-bd76-60a9ac2d738c">TP</AssetType>
-    <CSXUpdate xmlns="905c3888-6285-45d0-bd76-60a9ac2d738c">false</CSXUpdate>
-    <CSXSubmissionDate xmlns="905c3888-6285-45d0-bd76-60a9ac2d738c" xsi:nil="true"/>
-    <ApprovalLog xmlns="905c3888-6285-45d0-bd76-60a9ac2d738c" xsi:nil="true"/>
-    <BugNumber xmlns="905c3888-6285-45d0-bd76-60a9ac2d738c" xsi:nil="true"/>
-    <Milestone xmlns="905c3888-6285-45d0-bd76-60a9ac2d738c" xsi:nil="true"/>
-    <OriginAsset xmlns="905c3888-6285-45d0-bd76-60a9ac2d738c" xsi:nil="true"/>
-    <TPComponent xmlns="905c3888-6285-45d0-bd76-60a9ac2d738c">PPTFiles</TPComponent>
-    <Description0 xmlns="a0b64b53-fba7-43ca-b952-90e5e74773dd" xsi:nil="true"/>
-    <AssetId xmlns="905c3888-6285-45d0-bd76-60a9ac2d738c">TP010167128</AssetId>
-    <TPLaunchHelpLink xmlns="905c3888-6285-45d0-bd76-60a9ac2d738c" xsi:nil="true"/>
-    <TPApplication xmlns="905c3888-6285-45d0-bd76-60a9ac2d738c">PowerPoint</TPApplication>
-    <IntlLocPriority xmlns="905c3888-6285-45d0-bd76-60a9ac2d738c" xsi:nil="true"/>
-    <HandoffToMSDN xmlns="905c3888-6285-45d0-bd76-60a9ac2d738c" xsi:nil="true"/>
-    <CrawlForDependencies xmlns="905c3888-6285-45d0-bd76-60a9ac2d738c">false</CrawlForDependencies>
-    <PlannedPubDate xmlns="905c3888-6285-45d0-bd76-60a9ac2d738c" xsi:nil="true"/>
-    <IntlLangReviewer xmlns="905c3888-6285-45d0-bd76-60a9ac2d738c" xsi:nil="true"/>
-    <TrustLevel xmlns="905c3888-6285-45d0-bd76-60a9ac2d738c">1 Microsoft Managed Content</TrustLevel>
-    <IsSearchable xmlns="905c3888-6285-45d0-bd76-60a9ac2d738c">false</IsSearchable>
-    <TPNamespace xmlns="905c3888-6285-45d0-bd76-60a9ac2d738c">POWERPNT</TPNamespace>
-    <Markets xmlns="905c3888-6285-45d0-bd76-60a9ac2d738c"/>
-    <Component0 xmlns="a0b64b53-fba7-43ca-b952-90e5e74773dd" xsi:nil="true"/>
-    <UAProjectedTotalWords xmlns="905c3888-6285-45d0-bd76-60a9ac2d738c" xsi:nil="true"/>
-    <IntlLangReview xmlns="905c3888-6285-45d0-bd76-60a9ac2d738c" xsi:nil="true"/>
-    <OutputCachingOn xmlns="905c3888-6285-45d0-bd76-60a9ac2d738c">false</OutputCachingOn>
-    <AverageRating xmlns="905c3888-6285-45d0-bd76-60a9ac2d738c" xsi:nil="true"/>
-    <TPCommandLine xmlns="905c3888-6285-45d0-bd76-60a9ac2d738c">{PP} /n {FilePath}</TPCommandLine>
-    <TPAppVersion xmlns="905c3888-6285-45d0-bd76-60a9ac2d738c">11</TPAppVersion>
-    <APAuthor xmlns="905c3888-6285-45d0-bd76-60a9ac2d738c">
-      <UserInfo>
-        <DisplayName>REDMOND\cynvey</DisplayName>
-        <AccountId>229</AccountId>
-        <AccountType/>
-      </UserInfo>
-    </APAuthor>
-    <OOCacheId xmlns="905c3888-6285-45d0-bd76-60a9ac2d738c" xsi:nil="true"/>
-    <Downloads xmlns="905c3888-6285-45d0-bd76-60a9ac2d738c">0</Downloads>
-    <Providers xmlns="905c3888-6285-45d0-bd76-60a9ac2d738c" xsi:nil="true"/>
-    <LegacyData xmlns="905c3888-6285-45d0-bd76-60a9ac2d738c" xsi:nil="true"/>
-    <TemplateTemplateType xmlns="905c3888-6285-45d0-bd76-60a9ac2d738c">PowerPoint 2003 Default</TemplateTemplateType>
-    <PolicheckWords xmlns="905c3888-6285-45d0-bd76-60a9ac2d738c" xsi:nil="true"/>
-    <EditorialTags xmlns="905c3888-6285-45d0-bd76-60a9ac2d738c" xsi:nil="true"/>
-    <Manager xmlns="905c3888-6285-45d0-bd76-60a9ac2d738c" xsi:nil="true"/>
-    <FriendlyTitle xmlns="905c3888-6285-45d0-bd76-60a9ac2d738c" xsi:nil="true"/>
-    <FeatureTagsTaxHTField0 xmlns="905c3888-6285-45d0-bd76-60a9ac2d738c">
-      <Terms xmlns="http://schemas.microsoft.com/office/infopath/2007/PartnerControls"/>
-    </FeatureTagsTaxHTField0>
-    <LocOverallLocStatusLookup xmlns="905c3888-6285-45d0-bd76-60a9ac2d738c" xsi:nil="true"/>
-    <LocPublishedLinkedAssetsLookup xmlns="905c3888-6285-45d0-bd76-60a9ac2d738c" xsi:nil="true"/>
-    <InternalTagsTaxHTField0 xmlns="905c3888-6285-45d0-bd76-60a9ac2d738c">
-      <Terms xmlns="http://schemas.microsoft.com/office/infopath/2007/PartnerControls"/>
-    </InternalTagsTaxHTField0>
-    <LocComments xmlns="905c3888-6285-45d0-bd76-60a9ac2d738c" xsi:nil="true"/>
-    <LocProcessedForMarketsLookup xmlns="905c3888-6285-45d0-bd76-60a9ac2d738c" xsi:nil="true"/>
-    <LocalizationTagsTaxHTField0 xmlns="905c3888-6285-45d0-bd76-60a9ac2d738c">
-      <Terms xmlns="http://schemas.microsoft.com/office/infopath/2007/PartnerControls"/>
-    </LocalizationTagsTaxHTField0>
-    <LocLastLocAttemptVersionTypeLookup xmlns="905c3888-6285-45d0-bd76-60a9ac2d738c" xsi:nil="true"/>
-    <BlockPublish xmlns="905c3888-6285-45d0-bd76-60a9ac2d738c" xsi:nil="true"/>
-    <CampaignTagsTaxHTField0 xmlns="905c3888-6285-45d0-bd76-60a9ac2d738c">
-      <Terms xmlns="http://schemas.microsoft.com/office/infopath/2007/PartnerControls"/>
-    </CampaignTagsTaxHTField0>
-    <LocManualTestRequired xmlns="905c3888-6285-45d0-bd76-60a9ac2d738c" xsi:nil="true"/>
-    <RecommendationsModifier xmlns="905c3888-6285-45d0-bd76-60a9ac2d738c" xsi:nil="true"/>
-    <LocOverallPreviewStatusLookup xmlns="905c3888-6285-45d0-bd76-60a9ac2d738c" xsi:nil="true"/>
-    <LocOverallPublishStatusLookup xmlns="905c3888-6285-45d0-bd76-60a9ac2d738c" xsi:nil="true"/>
-    <TaxCatchAll xmlns="905c3888-6285-45d0-bd76-60a9ac2d738c"/>
-    <LocNewPublishedVersionLookup xmlns="905c3888-6285-45d0-bd76-60a9ac2d738c" xsi:nil="true"/>
-    <LocPublishedDependentAssetsLookup xmlns="905c3888-6285-45d0-bd76-60a9ac2d738c" xsi:nil="true"/>
-    <LocOverallHandbackStatusLookup xmlns="905c3888-6285-45d0-bd76-60a9ac2d738c" xsi:nil="true"/>
-    <LocProcessedForHandoffsLookup xmlns="905c3888-6285-45d0-bd76-60a9ac2d738c" xsi:nil="true"/>
-    <LocLastLocAttemptVersionLookup xmlns="905c3888-6285-45d0-bd76-60a9ac2d738c">39849</LocLastLocAttemptVersionLookup>
-    <LocRecommendedHandoff xmlns="905c3888-6285-45d0-bd76-60a9ac2d738c" xsi:nil="true"/>
-    <ScenarioTagsTaxHTField0 xmlns="905c3888-6285-45d0-bd76-60a9ac2d738c">
-      <Terms xmlns="http://schemas.microsoft.com/office/infopath/2007/PartnerControls"/>
-    </ScenarioTagsTaxHTField0>
-    <OriginalRelease xmlns="905c3888-6285-45d0-bd76-60a9ac2d738c">14</OriginalRelease>
-    <LocMarketGroupTiers2 xmlns="905c3888-6285-45d0-bd76-60a9ac2d738c" xsi:nil="true"/>
-  </documentManagement>
-</p:properties>
-</file>
-
-<file path=customXml/itemProps1.xml><?xml version="1.0" encoding="utf-8"?>
-<ds:datastoreItem xmlns:ds="http://schemas.openxmlformats.org/officeDocument/2006/customXml" ds:itemID="{FA9B9F68-1EF9-45C6-B133-E8B2C6C48B13}">
-  <ds:schemaRefs>
-    <ds:schemaRef ds:uri="http://schemas.microsoft.com/office/2006/metadata/contentType"/>
-    <ds:schemaRef ds:uri="http://schemas.microsoft.com/office/2006/metadata/properties/metaAttributes"/>
-    <ds:schemaRef ds:uri="http://www.w3.org/2001/XMLSchema"/>
-    <ds:schemaRef ds:uri="http://schemas.microsoft.com/office/2006/metadata/properties"/>
-    <ds:schemaRef ds:uri="905c3888-6285-45d0-bd76-60a9ac2d738c"/>
-    <ds:schemaRef ds:uri="a0b64b53-fba7-43ca-b952-90e5e74773dd"/>
-    <ds:schemaRef ds:uri="http://schemas.microsoft.com/office/2006/documentManagement/types"/>
-    <ds:schemaRef ds:uri="http://schemas.microsoft.com/office/infopath/2007/PartnerControls"/>
-    <ds:schemaRef ds:uri="http://schemas.openxmlformats.org/package/2006/metadata/core-properties"/>
-    <ds:schemaRef ds:uri="http://purl.org/dc/elements/1.1/"/>
-    <ds:schemaRef ds:uri="http://purl.org/dc/terms/"/>
-    <ds:schemaRef ds:uri="http://schemas.microsoft.com/internal/obd"/>
-  </ds:schemaRefs>
-</ds:datastoreItem>
-</file>
-
-<file path=customXml/itemProps2.xml><?xml version="1.0" encoding="utf-8"?>
-<ds:datastoreItem xmlns:ds="http://schemas.openxmlformats.org/officeDocument/2006/customXml" ds:itemID="{70161924-9216-4F25-BF24-6A233B86DDD3}">
-  <ds:schemaRefs>
-    <ds:schemaRef ds:uri="http://schemas.microsoft.com/sharepoint/v3/contenttype/forms"/>
-  </ds:schemaRefs>
-</ds:datastoreItem>
-</file>
-
-<file path=customXml/itemProps3.xml><?xml version="1.0" encoding="utf-8"?>
-<ds:datastoreItem xmlns:ds="http://schemas.openxmlformats.org/officeDocument/2006/customXml" ds:itemID="{6C4147D6-5E57-47AF-A370-269A56B584F4}">
-  <ds:schemaRefs>
-    <ds:schemaRef ds:uri="http://schemas.microsoft.com/office/2006/metadata/properties"/>
-    <ds:schemaRef ds:uri="http://schemas.microsoft.com/office/infopath/2007/PartnerControls"/>
-    <ds:schemaRef ds:uri="905c3888-6285-45d0-bd76-60a9ac2d738c"/>
-    <ds:schemaRef ds:uri="a0b64b53-fba7-43ca-b952-90e5e74773dd"/>
-  </ds:schemaRefs>
-</ds:datastoreItem>
 </file>
--- a/WebServer.pptx
+++ b/WebServer.pptx
@@ -38,7 +38,8 @@
     <p:sldId id="321" r:id="rId31"/>
     <p:sldId id="312" r:id="rId32"/>
     <p:sldId id="315" r:id="rId33"/>
-    <p:sldId id="322" r:id="rId34"/>
+    <p:sldId id="353" r:id="rId34"/>
+    <p:sldId id="322" r:id="rId35"/>
   </p:sldIdLst>
   <p:sldSz cx="9144000" cy="6858000" type="screen4x3"/>
   <p:notesSz cx="6858000" cy="9144000"/>
@@ -10257,6 +10258,826 @@
 </file>
 
 <file path=ppt/slides/slide31.xml><?xml version="1.0" encoding="utf-8"?>
+<p:sld xmlns:a="http://schemas.openxmlformats.org/drawingml/2006/main" xmlns:r="http://schemas.openxmlformats.org/officeDocument/2006/relationships" xmlns:p="http://schemas.openxmlformats.org/presentationml/2006/main">
+  <p:cSld>
+    <p:spTree>
+      <p:nvGrpSpPr>
+        <p:cNvPr id="1" name=""/>
+        <p:cNvGrpSpPr/>
+        <p:nvPr/>
+      </p:nvGrpSpPr>
+      <p:grpSpPr/>
+      <p:sp>
+        <p:nvSpPr>
+          <p:cNvPr id="2" name="标题 1"/>
+          <p:cNvSpPr>
+            <a:spLocks noGrp="1"/>
+          </p:cNvSpPr>
+          <p:nvPr>
+            <p:ph type="title"/>
+          </p:nvPr>
+        </p:nvSpPr>
+        <p:spPr>
+          <a:xfrm>
+            <a:off x="502920" y="5255260"/>
+            <a:ext cx="8183880" cy="788670"/>
+          </a:xfrm>
+        </p:spPr>
+        <p:txBody>
+          <a:bodyPr/>
+          <a:p>
+            <a:endParaRPr lang="zh-CN" altLang="en-US"/>
+          </a:p>
+        </p:txBody>
+      </p:sp>
+      <p:sp>
+        <p:nvSpPr>
+          <p:cNvPr id="3" name="内容占位符 2"/>
+          <p:cNvSpPr>
+            <a:spLocks noGrp="1"/>
+          </p:cNvSpPr>
+          <p:nvPr>
+            <p:ph idx="1"/>
+          </p:nvPr>
+        </p:nvSpPr>
+        <p:spPr>
+          <a:xfrm>
+            <a:off x="502920" y="530225"/>
+            <a:ext cx="8183880" cy="4725670"/>
+          </a:xfrm>
+        </p:spPr>
+        <p:txBody>
+          <a:bodyPr/>
+          <a:p>
+            <a:pPr lvl="1"/>
+            <a:endParaRPr lang="zh-CN" altLang="en-US"/>
+          </a:p>
+        </p:txBody>
+      </p:sp>
+      <p:sp>
+        <p:nvSpPr>
+          <p:cNvPr id="4" name="同侧圆角矩形 3"/>
+          <p:cNvSpPr/>
+          <p:nvPr/>
+        </p:nvSpPr>
+        <p:spPr>
+          <a:xfrm>
+            <a:off x="3645535" y="804545"/>
+            <a:ext cx="1586865" cy="469900"/>
+          </a:xfrm>
+          <a:prstGeom prst="round2SameRect">
+            <a:avLst/>
+          </a:prstGeom>
+        </p:spPr>
+        <p:style>
+          <a:lnRef idx="2">
+            <a:schemeClr val="accent1">
+              <a:shade val="50000"/>
+            </a:schemeClr>
+          </a:lnRef>
+          <a:fillRef idx="1">
+            <a:schemeClr val="accent1"/>
+          </a:fillRef>
+          <a:effectRef idx="0">
+            <a:schemeClr val="accent1"/>
+          </a:effectRef>
+          <a:fontRef idx="minor">
+            <a:schemeClr val="lt1"/>
+          </a:fontRef>
+        </p:style>
+        <p:txBody>
+          <a:bodyPr rtlCol="0" anchor="ctr"/>
+          <a:p>
+            <a:pPr algn="ctr"/>
+            <a:r>
+              <a:rPr lang="zh-CN" altLang="en-US"/>
+              <a:t>浏览器</a:t>
+            </a:r>
+            <a:endParaRPr lang="zh-CN" altLang="en-US"/>
+          </a:p>
+        </p:txBody>
+      </p:sp>
+      <p:cxnSp>
+        <p:nvCxnSpPr>
+          <p:cNvPr id="5" name="直接箭头连接符 4"/>
+          <p:cNvCxnSpPr>
+            <a:stCxn id="4" idx="1"/>
+          </p:cNvCxnSpPr>
+          <p:nvPr/>
+        </p:nvCxnSpPr>
+        <p:spPr>
+          <a:xfrm flipH="1">
+            <a:off x="4428490" y="1274445"/>
+            <a:ext cx="10795" cy="426085"/>
+          </a:xfrm>
+          <a:prstGeom prst="straightConnector1">
+            <a:avLst/>
+          </a:prstGeom>
+          <a:ln>
+            <a:tailEnd type="arrow"/>
+          </a:ln>
+        </p:spPr>
+        <p:style>
+          <a:lnRef idx="1">
+            <a:schemeClr val="accent1"/>
+          </a:lnRef>
+          <a:fillRef idx="0">
+            <a:schemeClr val="accent1"/>
+          </a:fillRef>
+          <a:effectRef idx="0">
+            <a:schemeClr val="accent1"/>
+          </a:effectRef>
+          <a:fontRef idx="minor">
+            <a:schemeClr val="tx1"/>
+          </a:fontRef>
+        </p:style>
+      </p:cxnSp>
+      <p:sp>
+        <p:nvSpPr>
+          <p:cNvPr id="6" name="矩形 5"/>
+          <p:cNvSpPr/>
+          <p:nvPr/>
+        </p:nvSpPr>
+        <p:spPr>
+          <a:xfrm>
+            <a:off x="3708400" y="1700530"/>
+            <a:ext cx="1583690" cy="432435"/>
+          </a:xfrm>
+          <a:prstGeom prst="rect">
+            <a:avLst/>
+          </a:prstGeom>
+        </p:spPr>
+        <p:style>
+          <a:lnRef idx="2">
+            <a:schemeClr val="accent1">
+              <a:shade val="50000"/>
+            </a:schemeClr>
+          </a:lnRef>
+          <a:fillRef idx="1">
+            <a:schemeClr val="accent1"/>
+          </a:fillRef>
+          <a:effectRef idx="0">
+            <a:schemeClr val="accent1"/>
+          </a:effectRef>
+          <a:fontRef idx="minor">
+            <a:schemeClr val="lt1"/>
+          </a:fontRef>
+        </p:style>
+        <p:txBody>
+          <a:bodyPr rtlCol="0" anchor="ctr"/>
+          <a:p>
+            <a:pPr algn="ctr"/>
+            <a:r>
+              <a:rPr lang="en-US" altLang="zh-CN"/>
+              <a:t>WebServer</a:t>
+            </a:r>
+            <a:endParaRPr lang="en-US" altLang="zh-CN"/>
+          </a:p>
+        </p:txBody>
+      </p:sp>
+      <p:cxnSp>
+        <p:nvCxnSpPr>
+          <p:cNvPr id="7" name="直接箭头连接符 6"/>
+          <p:cNvCxnSpPr>
+            <a:stCxn id="6" idx="2"/>
+          </p:cNvCxnSpPr>
+          <p:nvPr/>
+        </p:nvCxnSpPr>
+        <p:spPr>
+          <a:xfrm>
+            <a:off x="4500245" y="2132965"/>
+            <a:ext cx="0" cy="575945"/>
+          </a:xfrm>
+          <a:prstGeom prst="straightConnector1">
+            <a:avLst/>
+          </a:prstGeom>
+          <a:ln>
+            <a:tailEnd type="arrow"/>
+          </a:ln>
+        </p:spPr>
+        <p:style>
+          <a:lnRef idx="1">
+            <a:schemeClr val="accent1"/>
+          </a:lnRef>
+          <a:fillRef idx="0">
+            <a:schemeClr val="accent1"/>
+          </a:fillRef>
+          <a:effectRef idx="0">
+            <a:schemeClr val="accent1"/>
+          </a:effectRef>
+          <a:fontRef idx="minor">
+            <a:schemeClr val="tx1"/>
+          </a:fontRef>
+        </p:style>
+      </p:cxnSp>
+      <p:sp>
+        <p:nvSpPr>
+          <p:cNvPr id="8" name="矩形 7"/>
+          <p:cNvSpPr/>
+          <p:nvPr/>
+        </p:nvSpPr>
+        <p:spPr>
+          <a:xfrm>
+            <a:off x="3581400" y="2708910"/>
+            <a:ext cx="1837690" cy="431800"/>
+          </a:xfrm>
+          <a:prstGeom prst="rect">
+            <a:avLst/>
+          </a:prstGeom>
+        </p:spPr>
+        <p:style>
+          <a:lnRef idx="2">
+            <a:schemeClr val="accent1">
+              <a:shade val="50000"/>
+            </a:schemeClr>
+          </a:lnRef>
+          <a:fillRef idx="1">
+            <a:schemeClr val="accent1"/>
+          </a:fillRef>
+          <a:effectRef idx="0">
+            <a:schemeClr val="accent1"/>
+          </a:effectRef>
+          <a:fontRef idx="minor">
+            <a:schemeClr val="lt1"/>
+          </a:fontRef>
+        </p:style>
+        <p:txBody>
+          <a:bodyPr rtlCol="0" anchor="ctr"/>
+          <a:p>
+            <a:pPr algn="ctr"/>
+            <a:r>
+              <a:rPr lang="en-US" altLang="zh-CN"/>
+              <a:t>ClientHandler</a:t>
+            </a:r>
+            <a:endParaRPr lang="en-US" altLang="zh-CN"/>
+          </a:p>
+        </p:txBody>
+      </p:sp>
+      <p:sp>
+        <p:nvSpPr>
+          <p:cNvPr id="9" name="文本框 8"/>
+          <p:cNvSpPr txBox="1"/>
+          <p:nvPr/>
+        </p:nvSpPr>
+        <p:spPr>
+          <a:xfrm>
+            <a:off x="4500245" y="1332230"/>
+            <a:ext cx="1269365" cy="368300"/>
+          </a:xfrm>
+          <a:prstGeom prst="rect">
+            <a:avLst/>
+          </a:prstGeom>
+          <a:noFill/>
+        </p:spPr>
+        <p:txBody>
+          <a:bodyPr wrap="square" rtlCol="0">
+            <a:spAutoFit/>
+            <a:scene3d>
+              <a:camera prst="orthographicFront"/>
+              <a:lightRig rig="threePt" dir="t"/>
+            </a:scene3d>
+          </a:bodyPr>
+          <a:p>
+            <a:r>
+              <a:rPr lang="en-US" altLang="zh-CN">
+                <a:solidFill>
+                  <a:schemeClr val="accent1"/>
+                </a:solidFill>
+                <a:effectLst>
+                  <a:outerShdw blurRad="38100" dist="25400" dir="5400000" algn="ctr" rotWithShape="0">
+                    <a:srgbClr val="6E747A">
+                      <a:alpha val="43000"/>
+                    </a:srgbClr>
+                  </a:outerShdw>
+                </a:effectLst>
+              </a:rPr>
+              <a:t>1:socket</a:t>
+            </a:r>
+            <a:endParaRPr lang="en-US" altLang="zh-CN">
+              <a:solidFill>
+                <a:schemeClr val="accent1"/>
+              </a:solidFill>
+              <a:effectLst>
+                <a:outerShdw blurRad="38100" dist="25400" dir="5400000" algn="ctr" rotWithShape="0">
+                  <a:srgbClr val="6E747A">
+                    <a:alpha val="43000"/>
+                  </a:srgbClr>
+                </a:outerShdw>
+              </a:effectLst>
+            </a:endParaRPr>
+          </a:p>
+        </p:txBody>
+      </p:sp>
+      <p:sp>
+        <p:nvSpPr>
+          <p:cNvPr id="10" name="文本框 9"/>
+          <p:cNvSpPr txBox="1"/>
+          <p:nvPr/>
+        </p:nvSpPr>
+        <p:spPr>
+          <a:xfrm>
+            <a:off x="4500245" y="2236470"/>
+            <a:ext cx="1269365" cy="368300"/>
+          </a:xfrm>
+          <a:prstGeom prst="rect">
+            <a:avLst/>
+          </a:prstGeom>
+          <a:noFill/>
+        </p:spPr>
+        <p:txBody>
+          <a:bodyPr wrap="square" rtlCol="0">
+            <a:spAutoFit/>
+            <a:scene3d>
+              <a:camera prst="orthographicFront"/>
+              <a:lightRig rig="threePt" dir="t"/>
+            </a:scene3d>
+          </a:bodyPr>
+          <a:p>
+            <a:r>
+              <a:rPr lang="en-US" altLang="zh-CN">
+                <a:solidFill>
+                  <a:schemeClr val="accent1"/>
+                </a:solidFill>
+                <a:effectLst>
+                  <a:outerShdw blurRad="38100" dist="25400" dir="5400000" algn="ctr" rotWithShape="0">
+                    <a:srgbClr val="6E747A">
+                      <a:alpha val="43000"/>
+                    </a:srgbClr>
+                  </a:outerShdw>
+                </a:effectLst>
+              </a:rPr>
+              <a:t>2:socket</a:t>
+            </a:r>
+            <a:endParaRPr lang="en-US" altLang="zh-CN">
+              <a:solidFill>
+                <a:schemeClr val="accent1"/>
+              </a:solidFill>
+              <a:effectLst>
+                <a:outerShdw blurRad="38100" dist="25400" dir="5400000" algn="ctr" rotWithShape="0">
+                  <a:srgbClr val="6E747A">
+                    <a:alpha val="43000"/>
+                  </a:srgbClr>
+                </a:outerShdw>
+              </a:effectLst>
+            </a:endParaRPr>
+          </a:p>
+        </p:txBody>
+      </p:sp>
+      <p:cxnSp>
+        <p:nvCxnSpPr>
+          <p:cNvPr id="13" name="直接箭头连接符 12"/>
+          <p:cNvCxnSpPr/>
+          <p:nvPr/>
+        </p:nvCxnSpPr>
+        <p:spPr>
+          <a:xfrm flipH="1">
+            <a:off x="2484120" y="3053080"/>
+            <a:ext cx="1097915" cy="15875"/>
+          </a:xfrm>
+          <a:prstGeom prst="straightConnector1">
+            <a:avLst/>
+          </a:prstGeom>
+          <a:ln>
+            <a:tailEnd type="arrow"/>
+          </a:ln>
+        </p:spPr>
+        <p:style>
+          <a:lnRef idx="1">
+            <a:schemeClr val="accent1"/>
+          </a:lnRef>
+          <a:fillRef idx="0">
+            <a:schemeClr val="accent1"/>
+          </a:fillRef>
+          <a:effectRef idx="0">
+            <a:schemeClr val="accent1"/>
+          </a:effectRef>
+          <a:fontRef idx="minor">
+            <a:schemeClr val="tx1"/>
+          </a:fontRef>
+        </p:style>
+      </p:cxnSp>
+      <p:sp>
+        <p:nvSpPr>
+          <p:cNvPr id="15" name="矩形 14"/>
+          <p:cNvSpPr/>
+          <p:nvPr/>
+        </p:nvSpPr>
+        <p:spPr>
+          <a:xfrm>
+            <a:off x="502920" y="2708910"/>
+            <a:ext cx="1960880" cy="431800"/>
+          </a:xfrm>
+          <a:prstGeom prst="rect">
+            <a:avLst/>
+          </a:prstGeom>
+        </p:spPr>
+        <p:style>
+          <a:lnRef idx="2">
+            <a:schemeClr val="accent1">
+              <a:shade val="50000"/>
+            </a:schemeClr>
+          </a:lnRef>
+          <a:fillRef idx="1">
+            <a:schemeClr val="accent1"/>
+          </a:fillRef>
+          <a:effectRef idx="0">
+            <a:schemeClr val="accent1"/>
+          </a:effectRef>
+          <a:fontRef idx="minor">
+            <a:schemeClr val="lt1"/>
+          </a:fontRef>
+        </p:style>
+        <p:txBody>
+          <a:bodyPr rtlCol="0" anchor="ctr"/>
+          <a:p>
+            <a:pPr algn="ctr"/>
+            <a:r>
+              <a:rPr lang="en-US" altLang="zh-CN"/>
+              <a:t>HttpRequest</a:t>
+            </a:r>
+            <a:endParaRPr lang="en-US" altLang="zh-CN"/>
+          </a:p>
+        </p:txBody>
+      </p:sp>
+      <p:cxnSp>
+        <p:nvCxnSpPr>
+          <p:cNvPr id="16" name="直接箭头连接符 15"/>
+          <p:cNvCxnSpPr>
+            <a:stCxn id="15" idx="3"/>
+            <a:endCxn id="8" idx="1"/>
+          </p:cNvCxnSpPr>
+          <p:nvPr/>
+        </p:nvCxnSpPr>
+        <p:spPr>
+          <a:xfrm>
+            <a:off x="2463800" y="2924810"/>
+            <a:ext cx="1117600" cy="0"/>
+          </a:xfrm>
+          <a:prstGeom prst="straightConnector1">
+            <a:avLst/>
+          </a:prstGeom>
+          <a:ln>
+            <a:tailEnd type="arrow"/>
+          </a:ln>
+        </p:spPr>
+        <p:style>
+          <a:lnRef idx="1">
+            <a:schemeClr val="accent1"/>
+          </a:lnRef>
+          <a:fillRef idx="0">
+            <a:schemeClr val="accent1"/>
+          </a:fillRef>
+          <a:effectRef idx="0">
+            <a:schemeClr val="accent1"/>
+          </a:effectRef>
+          <a:fontRef idx="minor">
+            <a:schemeClr val="tx1"/>
+          </a:fontRef>
+        </p:style>
+      </p:cxnSp>
+      <p:sp>
+        <p:nvSpPr>
+          <p:cNvPr id="17" name="文本框 16"/>
+          <p:cNvSpPr txBox="1"/>
+          <p:nvPr/>
+        </p:nvSpPr>
+        <p:spPr>
+          <a:xfrm>
+            <a:off x="1991360" y="2340610"/>
+            <a:ext cx="2083435" cy="368300"/>
+          </a:xfrm>
+          <a:prstGeom prst="rect">
+            <a:avLst/>
+          </a:prstGeom>
+          <a:noFill/>
+        </p:spPr>
+        <p:txBody>
+          <a:bodyPr wrap="square" rtlCol="0">
+            <a:spAutoFit/>
+            <a:scene3d>
+              <a:camera prst="orthographicFront"/>
+              <a:lightRig rig="threePt" dir="t"/>
+            </a:scene3d>
+          </a:bodyPr>
+          <a:p>
+            <a:r>
+              <a:rPr lang="en-US" altLang="zh-CN">
+                <a:solidFill>
+                  <a:schemeClr val="accent1"/>
+                </a:solidFill>
+                <a:effectLst>
+                  <a:outerShdw blurRad="38100" dist="25400" dir="5400000" algn="ctr" rotWithShape="0">
+                    <a:srgbClr val="6E747A">
+                      <a:alpha val="43000"/>
+                    </a:srgbClr>
+                  </a:outerShdw>
+                </a:effectLst>
+              </a:rPr>
+              <a:t>4:RequestURI</a:t>
+            </a:r>
+            <a:endParaRPr lang="en-US" altLang="zh-CN">
+              <a:solidFill>
+                <a:schemeClr val="accent1"/>
+              </a:solidFill>
+              <a:effectLst>
+                <a:outerShdw blurRad="38100" dist="25400" dir="5400000" algn="ctr" rotWithShape="0">
+                  <a:srgbClr val="6E747A">
+                    <a:alpha val="43000"/>
+                  </a:srgbClr>
+                </a:outerShdw>
+              </a:effectLst>
+            </a:endParaRPr>
+          </a:p>
+        </p:txBody>
+      </p:sp>
+      <p:sp>
+        <p:nvSpPr>
+          <p:cNvPr id="18" name="文本框 17"/>
+          <p:cNvSpPr txBox="1"/>
+          <p:nvPr/>
+        </p:nvSpPr>
+        <p:spPr>
+          <a:xfrm>
+            <a:off x="2613660" y="3244850"/>
+            <a:ext cx="1269365" cy="368300"/>
+          </a:xfrm>
+          <a:prstGeom prst="rect">
+            <a:avLst/>
+          </a:prstGeom>
+          <a:noFill/>
+        </p:spPr>
+        <p:txBody>
+          <a:bodyPr wrap="square" rtlCol="0">
+            <a:spAutoFit/>
+            <a:scene3d>
+              <a:camera prst="orthographicFront"/>
+              <a:lightRig rig="threePt" dir="t"/>
+            </a:scene3d>
+          </a:bodyPr>
+          <a:p>
+            <a:r>
+              <a:rPr lang="en-US" altLang="zh-CN">
+                <a:solidFill>
+                  <a:schemeClr val="accent1"/>
+                </a:solidFill>
+                <a:effectLst>
+                  <a:outerShdw blurRad="38100" dist="25400" dir="5400000" algn="ctr" rotWithShape="0">
+                    <a:srgbClr val="6E747A">
+                      <a:alpha val="43000"/>
+                    </a:srgbClr>
+                  </a:outerShdw>
+                </a:effectLst>
+              </a:rPr>
+              <a:t>3:socket</a:t>
+            </a:r>
+            <a:endParaRPr lang="en-US" altLang="zh-CN">
+              <a:solidFill>
+                <a:schemeClr val="accent1"/>
+              </a:solidFill>
+              <a:effectLst>
+                <a:outerShdw blurRad="38100" dist="25400" dir="5400000" algn="ctr" rotWithShape="0">
+                  <a:srgbClr val="6E747A">
+                    <a:alpha val="43000"/>
+                  </a:srgbClr>
+                </a:outerShdw>
+              </a:effectLst>
+            </a:endParaRPr>
+          </a:p>
+        </p:txBody>
+      </p:sp>
+      <p:cxnSp>
+        <p:nvCxnSpPr>
+          <p:cNvPr id="21" name="直接箭头连接符 20"/>
+          <p:cNvCxnSpPr>
+            <a:stCxn id="8" idx="3"/>
+          </p:cNvCxnSpPr>
+          <p:nvPr/>
+        </p:nvCxnSpPr>
+        <p:spPr>
+          <a:xfrm>
+            <a:off x="5419090" y="2924810"/>
+            <a:ext cx="1025525" cy="0"/>
+          </a:xfrm>
+          <a:prstGeom prst="straightConnector1">
+            <a:avLst/>
+          </a:prstGeom>
+          <a:ln>
+            <a:tailEnd type="arrow"/>
+          </a:ln>
+        </p:spPr>
+        <p:style>
+          <a:lnRef idx="1">
+            <a:schemeClr val="accent1"/>
+          </a:lnRef>
+          <a:fillRef idx="0">
+            <a:schemeClr val="accent1"/>
+          </a:fillRef>
+          <a:effectRef idx="0">
+            <a:schemeClr val="accent1"/>
+          </a:effectRef>
+          <a:fontRef idx="minor">
+            <a:schemeClr val="tx1"/>
+          </a:fontRef>
+        </p:style>
+      </p:cxnSp>
+      <p:sp>
+        <p:nvSpPr>
+          <p:cNvPr id="23" name="文本框 22"/>
+          <p:cNvSpPr txBox="1"/>
+          <p:nvPr/>
+        </p:nvSpPr>
+        <p:spPr>
+          <a:xfrm>
+            <a:off x="5419090" y="2556510"/>
+            <a:ext cx="1269365" cy="368300"/>
+          </a:xfrm>
+          <a:prstGeom prst="rect">
+            <a:avLst/>
+          </a:prstGeom>
+          <a:noFill/>
+        </p:spPr>
+        <p:txBody>
+          <a:bodyPr wrap="square" rtlCol="0">
+            <a:spAutoFit/>
+            <a:scene3d>
+              <a:camera prst="orthographicFront"/>
+              <a:lightRig rig="threePt" dir="t"/>
+            </a:scene3d>
+          </a:bodyPr>
+          <a:p>
+            <a:r>
+              <a:rPr lang="en-US" altLang="zh-CN">
+                <a:solidFill>
+                  <a:schemeClr val="accent1"/>
+                </a:solidFill>
+                <a:effectLst>
+                  <a:outerShdw blurRad="38100" dist="25400" dir="5400000" algn="ctr" rotWithShape="0">
+                    <a:srgbClr val="6E747A">
+                      <a:alpha val="43000"/>
+                    </a:srgbClr>
+                  </a:outerShdw>
+                </a:effectLst>
+              </a:rPr>
+              <a:t>5:file</a:t>
+            </a:r>
+            <a:endParaRPr lang="en-US" altLang="zh-CN">
+              <a:solidFill>
+                <a:schemeClr val="accent1"/>
+              </a:solidFill>
+              <a:effectLst>
+                <a:outerShdw blurRad="38100" dist="25400" dir="5400000" algn="ctr" rotWithShape="0">
+                  <a:srgbClr val="6E747A">
+                    <a:alpha val="43000"/>
+                  </a:srgbClr>
+                </a:outerShdw>
+              </a:effectLst>
+            </a:endParaRPr>
+          </a:p>
+        </p:txBody>
+      </p:sp>
+      <p:sp>
+        <p:nvSpPr>
+          <p:cNvPr id="24" name="同侧圆角矩形 23"/>
+          <p:cNvSpPr/>
+          <p:nvPr/>
+        </p:nvSpPr>
+        <p:spPr>
+          <a:xfrm>
+            <a:off x="6444615" y="2689860"/>
+            <a:ext cx="2021205" cy="469900"/>
+          </a:xfrm>
+          <a:prstGeom prst="round2SameRect">
+            <a:avLst/>
+          </a:prstGeom>
+        </p:spPr>
+        <p:style>
+          <a:lnRef idx="2">
+            <a:schemeClr val="accent1">
+              <a:shade val="50000"/>
+            </a:schemeClr>
+          </a:lnRef>
+          <a:fillRef idx="1">
+            <a:schemeClr val="accent1"/>
+          </a:fillRef>
+          <a:effectRef idx="0">
+            <a:schemeClr val="accent1"/>
+          </a:effectRef>
+          <a:fontRef idx="minor">
+            <a:schemeClr val="lt1"/>
+          </a:fontRef>
+        </p:style>
+        <p:txBody>
+          <a:bodyPr rtlCol="0" anchor="ctr"/>
+          <a:p>
+            <a:pPr algn="ctr"/>
+            <a:r>
+              <a:rPr lang="en-US" altLang="zh-CN"/>
+              <a:t>HttpResponse</a:t>
+            </a:r>
+            <a:endParaRPr lang="en-US" altLang="zh-CN"/>
+          </a:p>
+        </p:txBody>
+      </p:sp>
+      <p:cxnSp>
+        <p:nvCxnSpPr>
+          <p:cNvPr id="25" name="直接箭头连接符 24"/>
+          <p:cNvCxnSpPr>
+            <a:stCxn id="24" idx="3"/>
+            <a:endCxn id="4" idx="0"/>
+          </p:cNvCxnSpPr>
+          <p:nvPr/>
+        </p:nvCxnSpPr>
+        <p:spPr>
+          <a:xfrm flipH="1" flipV="1">
+            <a:off x="5232400" y="1039495"/>
+            <a:ext cx="2223135" cy="1650365"/>
+          </a:xfrm>
+          <a:prstGeom prst="straightConnector1">
+            <a:avLst/>
+          </a:prstGeom>
+          <a:ln>
+            <a:tailEnd type="arrow"/>
+          </a:ln>
+        </p:spPr>
+        <p:style>
+          <a:lnRef idx="1">
+            <a:schemeClr val="accent1"/>
+          </a:lnRef>
+          <a:fillRef idx="0">
+            <a:schemeClr val="accent1"/>
+          </a:fillRef>
+          <a:effectRef idx="0">
+            <a:schemeClr val="accent1"/>
+          </a:effectRef>
+          <a:fontRef idx="minor">
+            <a:schemeClr val="tx1"/>
+          </a:fontRef>
+        </p:style>
+      </p:cxnSp>
+      <p:sp>
+        <p:nvSpPr>
+          <p:cNvPr id="26" name="文本框 25"/>
+          <p:cNvSpPr txBox="1"/>
+          <p:nvPr/>
+        </p:nvSpPr>
+        <p:spPr>
+          <a:xfrm>
+            <a:off x="6098540" y="1424305"/>
+            <a:ext cx="1269365" cy="368300"/>
+          </a:xfrm>
+          <a:prstGeom prst="rect">
+            <a:avLst/>
+          </a:prstGeom>
+          <a:noFill/>
+        </p:spPr>
+        <p:txBody>
+          <a:bodyPr wrap="square" rtlCol="0">
+            <a:spAutoFit/>
+            <a:scene3d>
+              <a:camera prst="orthographicFront"/>
+              <a:lightRig rig="threePt" dir="t"/>
+            </a:scene3d>
+          </a:bodyPr>
+          <a:p>
+            <a:r>
+              <a:rPr lang="en-US" altLang="zh-CN">
+                <a:solidFill>
+                  <a:schemeClr val="accent1"/>
+                </a:solidFill>
+                <a:effectLst>
+                  <a:outerShdw blurRad="38100" dist="25400" dir="5400000" algn="ctr" rotWithShape="0">
+                    <a:srgbClr val="6E747A">
+                      <a:alpha val="43000"/>
+                    </a:srgbClr>
+                  </a:outerShdw>
+                </a:effectLst>
+              </a:rPr>
+              <a:t>6:file</a:t>
+            </a:r>
+            <a:endParaRPr lang="en-US" altLang="zh-CN">
+              <a:solidFill>
+                <a:schemeClr val="accent1"/>
+              </a:solidFill>
+              <a:effectLst>
+                <a:outerShdw blurRad="38100" dist="25400" dir="5400000" algn="ctr" rotWithShape="0">
+                  <a:srgbClr val="6E747A">
+                    <a:alpha val="43000"/>
+                  </a:srgbClr>
+                </a:outerShdw>
+              </a:effectLst>
+            </a:endParaRPr>
+          </a:p>
+        </p:txBody>
+      </p:sp>
+    </p:spTree>
+  </p:cSld>
+  <p:clrMapOvr>
+    <a:masterClrMapping/>
+  </p:clrMapOvr>
+</p:sld>
+</file>
+
+<file path=ppt/slides/slide32.xml><?xml version="1.0" encoding="utf-8"?>
 <p:sld xmlns:a="http://schemas.openxmlformats.org/drawingml/2006/main" xmlns:r="http://schemas.openxmlformats.org/officeDocument/2006/relationships" xmlns:p="http://schemas.openxmlformats.org/presentationml/2006/main">
   <p:cSld>
     <p:spTree>

--- a/WebServer.pptx
+++ b/WebServer.pptx
@@ -39,7 +39,8 @@
     <p:sldId id="312" r:id="rId32"/>
     <p:sldId id="315" r:id="rId33"/>
     <p:sldId id="353" r:id="rId34"/>
-    <p:sldId id="322" r:id="rId35"/>
+    <p:sldId id="355" r:id="rId35"/>
+    <p:sldId id="322" r:id="rId36"/>
   </p:sldIdLst>
   <p:sldSz cx="9144000" cy="6858000" type="screen4x3"/>
   <p:notesSz cx="6858000" cy="9144000"/>
@@ -10309,7 +10310,9 @@
         <p:txBody>
           <a:bodyPr/>
           <a:p>
-            <a:pPr lvl="1"/>
+            <a:pPr marL="347345" lvl="1" indent="0">
+              <a:buNone/>
+            </a:pPr>
             <a:endParaRPr lang="zh-CN" altLang="en-US"/>
           </a:p>
         </p:txBody>
@@ -11078,6 +11081,963 @@
 </file>
 
 <file path=ppt/slides/slide32.xml><?xml version="1.0" encoding="utf-8"?>
+<p:sld xmlns:a="http://schemas.openxmlformats.org/drawingml/2006/main" xmlns:r="http://schemas.openxmlformats.org/officeDocument/2006/relationships" xmlns:p="http://schemas.openxmlformats.org/presentationml/2006/main">
+  <p:cSld>
+    <p:spTree>
+      <p:nvGrpSpPr>
+        <p:cNvPr id="1" name=""/>
+        <p:cNvGrpSpPr/>
+        <p:nvPr/>
+      </p:nvGrpSpPr>
+      <p:grpSpPr/>
+      <p:sp>
+        <p:nvSpPr>
+          <p:cNvPr id="2" name="标题 1"/>
+          <p:cNvSpPr>
+            <a:spLocks noGrp="1"/>
+          </p:cNvSpPr>
+          <p:nvPr>
+            <p:ph type="title"/>
+          </p:nvPr>
+        </p:nvSpPr>
+        <p:spPr>
+          <a:xfrm>
+            <a:off x="502920" y="5255260"/>
+            <a:ext cx="8183880" cy="788670"/>
+          </a:xfrm>
+        </p:spPr>
+        <p:txBody>
+          <a:bodyPr/>
+          <a:p>
+            <a:endParaRPr lang="zh-CN" altLang="en-US"/>
+          </a:p>
+        </p:txBody>
+      </p:sp>
+      <p:sp>
+        <p:nvSpPr>
+          <p:cNvPr id="3" name="内容占位符 2"/>
+          <p:cNvSpPr>
+            <a:spLocks noGrp="1"/>
+          </p:cNvSpPr>
+          <p:nvPr>
+            <p:ph idx="1"/>
+          </p:nvPr>
+        </p:nvSpPr>
+        <p:spPr>
+          <a:xfrm>
+            <a:off x="502920" y="530225"/>
+            <a:ext cx="8183880" cy="4725670"/>
+          </a:xfrm>
+        </p:spPr>
+        <p:txBody>
+          <a:bodyPr/>
+          <a:p>
+            <a:pPr marL="347345" lvl="1" indent="0">
+              <a:buNone/>
+            </a:pPr>
+            <a:endParaRPr lang="zh-CN" altLang="en-US"/>
+          </a:p>
+        </p:txBody>
+      </p:sp>
+      <p:sp>
+        <p:nvSpPr>
+          <p:cNvPr id="4" name="同侧圆角矩形 3"/>
+          <p:cNvSpPr/>
+          <p:nvPr/>
+        </p:nvSpPr>
+        <p:spPr>
+          <a:xfrm>
+            <a:off x="3645535" y="804545"/>
+            <a:ext cx="1586865" cy="469900"/>
+          </a:xfrm>
+          <a:prstGeom prst="round2SameRect">
+            <a:avLst/>
+          </a:prstGeom>
+        </p:spPr>
+        <p:style>
+          <a:lnRef idx="2">
+            <a:schemeClr val="accent1">
+              <a:shade val="50000"/>
+            </a:schemeClr>
+          </a:lnRef>
+          <a:fillRef idx="1">
+            <a:schemeClr val="accent1"/>
+          </a:fillRef>
+          <a:effectRef idx="0">
+            <a:schemeClr val="accent1"/>
+          </a:effectRef>
+          <a:fontRef idx="minor">
+            <a:schemeClr val="lt1"/>
+          </a:fontRef>
+        </p:style>
+        <p:txBody>
+          <a:bodyPr rtlCol="0" anchor="ctr"/>
+          <a:p>
+            <a:pPr algn="ctr"/>
+            <a:r>
+              <a:rPr lang="zh-CN" altLang="en-US"/>
+              <a:t>浏览器</a:t>
+            </a:r>
+            <a:endParaRPr lang="zh-CN" altLang="en-US"/>
+          </a:p>
+        </p:txBody>
+      </p:sp>
+      <p:cxnSp>
+        <p:nvCxnSpPr>
+          <p:cNvPr id="5" name="直接箭头连接符 4"/>
+          <p:cNvCxnSpPr>
+            <a:stCxn id="4" idx="1"/>
+          </p:cNvCxnSpPr>
+          <p:nvPr/>
+        </p:nvCxnSpPr>
+        <p:spPr>
+          <a:xfrm flipH="1">
+            <a:off x="4428490" y="1274445"/>
+            <a:ext cx="10795" cy="426085"/>
+          </a:xfrm>
+          <a:prstGeom prst="straightConnector1">
+            <a:avLst/>
+          </a:prstGeom>
+          <a:ln>
+            <a:tailEnd type="arrow"/>
+          </a:ln>
+        </p:spPr>
+        <p:style>
+          <a:lnRef idx="1">
+            <a:schemeClr val="accent1"/>
+          </a:lnRef>
+          <a:fillRef idx="0">
+            <a:schemeClr val="accent1"/>
+          </a:fillRef>
+          <a:effectRef idx="0">
+            <a:schemeClr val="accent1"/>
+          </a:effectRef>
+          <a:fontRef idx="minor">
+            <a:schemeClr val="tx1"/>
+          </a:fontRef>
+        </p:style>
+      </p:cxnSp>
+      <p:sp>
+        <p:nvSpPr>
+          <p:cNvPr id="6" name="矩形 5"/>
+          <p:cNvSpPr/>
+          <p:nvPr/>
+        </p:nvSpPr>
+        <p:spPr>
+          <a:xfrm>
+            <a:off x="3708400" y="1700530"/>
+            <a:ext cx="1583690" cy="432435"/>
+          </a:xfrm>
+          <a:prstGeom prst="rect">
+            <a:avLst/>
+          </a:prstGeom>
+        </p:spPr>
+        <p:style>
+          <a:lnRef idx="2">
+            <a:schemeClr val="accent1">
+              <a:shade val="50000"/>
+            </a:schemeClr>
+          </a:lnRef>
+          <a:fillRef idx="1">
+            <a:schemeClr val="accent1"/>
+          </a:fillRef>
+          <a:effectRef idx="0">
+            <a:schemeClr val="accent1"/>
+          </a:effectRef>
+          <a:fontRef idx="minor">
+            <a:schemeClr val="lt1"/>
+          </a:fontRef>
+        </p:style>
+        <p:txBody>
+          <a:bodyPr rtlCol="0" anchor="ctr"/>
+          <a:p>
+            <a:pPr algn="ctr"/>
+            <a:r>
+              <a:rPr lang="en-US" altLang="zh-CN"/>
+              <a:t>WebServer</a:t>
+            </a:r>
+            <a:endParaRPr lang="en-US" altLang="zh-CN"/>
+          </a:p>
+        </p:txBody>
+      </p:sp>
+      <p:cxnSp>
+        <p:nvCxnSpPr>
+          <p:cNvPr id="7" name="直接箭头连接符 6"/>
+          <p:cNvCxnSpPr>
+            <a:stCxn id="6" idx="2"/>
+          </p:cNvCxnSpPr>
+          <p:nvPr/>
+        </p:nvCxnSpPr>
+        <p:spPr>
+          <a:xfrm>
+            <a:off x="4500245" y="2132965"/>
+            <a:ext cx="0" cy="575945"/>
+          </a:xfrm>
+          <a:prstGeom prst="straightConnector1">
+            <a:avLst/>
+          </a:prstGeom>
+          <a:ln>
+            <a:tailEnd type="arrow"/>
+          </a:ln>
+        </p:spPr>
+        <p:style>
+          <a:lnRef idx="1">
+            <a:schemeClr val="accent1"/>
+          </a:lnRef>
+          <a:fillRef idx="0">
+            <a:schemeClr val="accent1"/>
+          </a:fillRef>
+          <a:effectRef idx="0">
+            <a:schemeClr val="accent1"/>
+          </a:effectRef>
+          <a:fontRef idx="minor">
+            <a:schemeClr val="tx1"/>
+          </a:fontRef>
+        </p:style>
+      </p:cxnSp>
+      <p:sp>
+        <p:nvSpPr>
+          <p:cNvPr id="8" name="矩形 7"/>
+          <p:cNvSpPr/>
+          <p:nvPr/>
+        </p:nvSpPr>
+        <p:spPr>
+          <a:xfrm>
+            <a:off x="3581400" y="2708910"/>
+            <a:ext cx="1837690" cy="431800"/>
+          </a:xfrm>
+          <a:prstGeom prst="rect">
+            <a:avLst/>
+          </a:prstGeom>
+        </p:spPr>
+        <p:style>
+          <a:lnRef idx="2">
+            <a:schemeClr val="accent1">
+              <a:shade val="50000"/>
+            </a:schemeClr>
+          </a:lnRef>
+          <a:fillRef idx="1">
+            <a:schemeClr val="accent1"/>
+          </a:fillRef>
+          <a:effectRef idx="0">
+            <a:schemeClr val="accent1"/>
+          </a:effectRef>
+          <a:fontRef idx="minor">
+            <a:schemeClr val="lt1"/>
+          </a:fontRef>
+        </p:style>
+        <p:txBody>
+          <a:bodyPr rtlCol="0" anchor="ctr"/>
+          <a:p>
+            <a:pPr algn="ctr"/>
+            <a:r>
+              <a:rPr lang="en-US" altLang="zh-CN"/>
+              <a:t>ClientHandler</a:t>
+            </a:r>
+            <a:endParaRPr lang="en-US" altLang="zh-CN"/>
+          </a:p>
+        </p:txBody>
+      </p:sp>
+      <p:sp>
+        <p:nvSpPr>
+          <p:cNvPr id="9" name="文本框 8"/>
+          <p:cNvSpPr txBox="1"/>
+          <p:nvPr/>
+        </p:nvSpPr>
+        <p:spPr>
+          <a:xfrm>
+            <a:off x="4500245" y="1332230"/>
+            <a:ext cx="1269365" cy="368300"/>
+          </a:xfrm>
+          <a:prstGeom prst="rect">
+            <a:avLst/>
+          </a:prstGeom>
+          <a:noFill/>
+        </p:spPr>
+        <p:txBody>
+          <a:bodyPr wrap="square" rtlCol="0">
+            <a:spAutoFit/>
+            <a:scene3d>
+              <a:camera prst="orthographicFront"/>
+              <a:lightRig rig="threePt" dir="t"/>
+            </a:scene3d>
+          </a:bodyPr>
+          <a:p>
+            <a:r>
+              <a:rPr lang="en-US" altLang="zh-CN">
+                <a:solidFill>
+                  <a:schemeClr val="accent1"/>
+                </a:solidFill>
+                <a:effectLst>
+                  <a:outerShdw blurRad="38100" dist="25400" dir="5400000" algn="ctr" rotWithShape="0">
+                    <a:srgbClr val="6E747A">
+                      <a:alpha val="43000"/>
+                    </a:srgbClr>
+                  </a:outerShdw>
+                </a:effectLst>
+              </a:rPr>
+              <a:t>1:socket</a:t>
+            </a:r>
+            <a:endParaRPr lang="en-US" altLang="zh-CN">
+              <a:solidFill>
+                <a:schemeClr val="accent1"/>
+              </a:solidFill>
+              <a:effectLst>
+                <a:outerShdw blurRad="38100" dist="25400" dir="5400000" algn="ctr" rotWithShape="0">
+                  <a:srgbClr val="6E747A">
+                    <a:alpha val="43000"/>
+                  </a:srgbClr>
+                </a:outerShdw>
+              </a:effectLst>
+            </a:endParaRPr>
+          </a:p>
+        </p:txBody>
+      </p:sp>
+      <p:sp>
+        <p:nvSpPr>
+          <p:cNvPr id="10" name="文本框 9"/>
+          <p:cNvSpPr txBox="1"/>
+          <p:nvPr/>
+        </p:nvSpPr>
+        <p:spPr>
+          <a:xfrm>
+            <a:off x="4500245" y="2236470"/>
+            <a:ext cx="1269365" cy="368300"/>
+          </a:xfrm>
+          <a:prstGeom prst="rect">
+            <a:avLst/>
+          </a:prstGeom>
+          <a:noFill/>
+        </p:spPr>
+        <p:txBody>
+          <a:bodyPr wrap="square" rtlCol="0">
+            <a:spAutoFit/>
+            <a:scene3d>
+              <a:camera prst="orthographicFront"/>
+              <a:lightRig rig="threePt" dir="t"/>
+            </a:scene3d>
+          </a:bodyPr>
+          <a:p>
+            <a:r>
+              <a:rPr lang="en-US" altLang="zh-CN">
+                <a:solidFill>
+                  <a:schemeClr val="accent1"/>
+                </a:solidFill>
+                <a:effectLst>
+                  <a:outerShdw blurRad="38100" dist="25400" dir="5400000" algn="ctr" rotWithShape="0">
+                    <a:srgbClr val="6E747A">
+                      <a:alpha val="43000"/>
+                    </a:srgbClr>
+                  </a:outerShdw>
+                </a:effectLst>
+              </a:rPr>
+              <a:t>2:socket</a:t>
+            </a:r>
+            <a:endParaRPr lang="en-US" altLang="zh-CN">
+              <a:solidFill>
+                <a:schemeClr val="accent1"/>
+              </a:solidFill>
+              <a:effectLst>
+                <a:outerShdw blurRad="38100" dist="25400" dir="5400000" algn="ctr" rotWithShape="0">
+                  <a:srgbClr val="6E747A">
+                    <a:alpha val="43000"/>
+                  </a:srgbClr>
+                </a:outerShdw>
+              </a:effectLst>
+            </a:endParaRPr>
+          </a:p>
+        </p:txBody>
+      </p:sp>
+      <p:cxnSp>
+        <p:nvCxnSpPr>
+          <p:cNvPr id="13" name="直接箭头连接符 12"/>
+          <p:cNvCxnSpPr/>
+          <p:nvPr/>
+        </p:nvCxnSpPr>
+        <p:spPr>
+          <a:xfrm flipH="1">
+            <a:off x="2484120" y="3053080"/>
+            <a:ext cx="1097915" cy="15875"/>
+          </a:xfrm>
+          <a:prstGeom prst="straightConnector1">
+            <a:avLst/>
+          </a:prstGeom>
+          <a:ln>
+            <a:tailEnd type="arrow"/>
+          </a:ln>
+        </p:spPr>
+        <p:style>
+          <a:lnRef idx="1">
+            <a:schemeClr val="accent1"/>
+          </a:lnRef>
+          <a:fillRef idx="0">
+            <a:schemeClr val="accent1"/>
+          </a:fillRef>
+          <a:effectRef idx="0">
+            <a:schemeClr val="accent1"/>
+          </a:effectRef>
+          <a:fontRef idx="minor">
+            <a:schemeClr val="tx1"/>
+          </a:fontRef>
+        </p:style>
+      </p:cxnSp>
+      <p:sp>
+        <p:nvSpPr>
+          <p:cNvPr id="15" name="矩形 14"/>
+          <p:cNvSpPr/>
+          <p:nvPr/>
+        </p:nvSpPr>
+        <p:spPr>
+          <a:xfrm>
+            <a:off x="502920" y="2708910"/>
+            <a:ext cx="1960880" cy="431800"/>
+          </a:xfrm>
+          <a:prstGeom prst="rect">
+            <a:avLst/>
+          </a:prstGeom>
+        </p:spPr>
+        <p:style>
+          <a:lnRef idx="2">
+            <a:schemeClr val="accent1">
+              <a:shade val="50000"/>
+            </a:schemeClr>
+          </a:lnRef>
+          <a:fillRef idx="1">
+            <a:schemeClr val="accent1"/>
+          </a:fillRef>
+          <a:effectRef idx="0">
+            <a:schemeClr val="accent1"/>
+          </a:effectRef>
+          <a:fontRef idx="minor">
+            <a:schemeClr val="lt1"/>
+          </a:fontRef>
+        </p:style>
+        <p:txBody>
+          <a:bodyPr rtlCol="0" anchor="ctr"/>
+          <a:p>
+            <a:pPr algn="ctr"/>
+            <a:r>
+              <a:rPr lang="en-US" altLang="zh-CN"/>
+              <a:t>HttpRequest</a:t>
+            </a:r>
+            <a:endParaRPr lang="en-US" altLang="zh-CN"/>
+          </a:p>
+        </p:txBody>
+      </p:sp>
+      <p:cxnSp>
+        <p:nvCxnSpPr>
+          <p:cNvPr id="16" name="直接箭头连接符 15"/>
+          <p:cNvCxnSpPr>
+            <a:stCxn id="15" idx="3"/>
+            <a:endCxn id="8" idx="1"/>
+          </p:cNvCxnSpPr>
+          <p:nvPr/>
+        </p:nvCxnSpPr>
+        <p:spPr>
+          <a:xfrm>
+            <a:off x="2463800" y="2924810"/>
+            <a:ext cx="1117600" cy="0"/>
+          </a:xfrm>
+          <a:prstGeom prst="straightConnector1">
+            <a:avLst/>
+          </a:prstGeom>
+          <a:ln>
+            <a:tailEnd type="arrow"/>
+          </a:ln>
+        </p:spPr>
+        <p:style>
+          <a:lnRef idx="1">
+            <a:schemeClr val="accent1"/>
+          </a:lnRef>
+          <a:fillRef idx="0">
+            <a:schemeClr val="accent1"/>
+          </a:fillRef>
+          <a:effectRef idx="0">
+            <a:schemeClr val="accent1"/>
+          </a:effectRef>
+          <a:fontRef idx="minor">
+            <a:schemeClr val="tx1"/>
+          </a:fontRef>
+        </p:style>
+      </p:cxnSp>
+      <p:sp>
+        <p:nvSpPr>
+          <p:cNvPr id="17" name="文本框 16"/>
+          <p:cNvSpPr txBox="1"/>
+          <p:nvPr/>
+        </p:nvSpPr>
+        <p:spPr>
+          <a:xfrm>
+            <a:off x="1991360" y="2340610"/>
+            <a:ext cx="2083435" cy="368300"/>
+          </a:xfrm>
+          <a:prstGeom prst="rect">
+            <a:avLst/>
+          </a:prstGeom>
+          <a:noFill/>
+        </p:spPr>
+        <p:txBody>
+          <a:bodyPr wrap="square" rtlCol="0">
+            <a:spAutoFit/>
+            <a:scene3d>
+              <a:camera prst="orthographicFront"/>
+              <a:lightRig rig="threePt" dir="t"/>
+            </a:scene3d>
+          </a:bodyPr>
+          <a:p>
+            <a:r>
+              <a:rPr lang="en-US" altLang="zh-CN">
+                <a:solidFill>
+                  <a:schemeClr val="accent1"/>
+                </a:solidFill>
+                <a:effectLst>
+                  <a:outerShdw blurRad="38100" dist="25400" dir="5400000" algn="ctr" rotWithShape="0">
+                    <a:srgbClr val="6E747A">
+                      <a:alpha val="43000"/>
+                    </a:srgbClr>
+                  </a:outerShdw>
+                </a:effectLst>
+              </a:rPr>
+              <a:t>4:RequestURI</a:t>
+            </a:r>
+            <a:endParaRPr lang="en-US" altLang="zh-CN">
+              <a:solidFill>
+                <a:schemeClr val="accent1"/>
+              </a:solidFill>
+              <a:effectLst>
+                <a:outerShdw blurRad="38100" dist="25400" dir="5400000" algn="ctr" rotWithShape="0">
+                  <a:srgbClr val="6E747A">
+                    <a:alpha val="43000"/>
+                  </a:srgbClr>
+                </a:outerShdw>
+              </a:effectLst>
+            </a:endParaRPr>
+          </a:p>
+        </p:txBody>
+      </p:sp>
+      <p:sp>
+        <p:nvSpPr>
+          <p:cNvPr id="18" name="文本框 17"/>
+          <p:cNvSpPr txBox="1"/>
+          <p:nvPr/>
+        </p:nvSpPr>
+        <p:spPr>
+          <a:xfrm>
+            <a:off x="2613660" y="3244850"/>
+            <a:ext cx="1269365" cy="368300"/>
+          </a:xfrm>
+          <a:prstGeom prst="rect">
+            <a:avLst/>
+          </a:prstGeom>
+          <a:noFill/>
+        </p:spPr>
+        <p:txBody>
+          <a:bodyPr wrap="square" rtlCol="0">
+            <a:spAutoFit/>
+            <a:scene3d>
+              <a:camera prst="orthographicFront"/>
+              <a:lightRig rig="threePt" dir="t"/>
+            </a:scene3d>
+          </a:bodyPr>
+          <a:p>
+            <a:r>
+              <a:rPr lang="en-US" altLang="zh-CN">
+                <a:solidFill>
+                  <a:schemeClr val="accent1"/>
+                </a:solidFill>
+                <a:effectLst>
+                  <a:outerShdw blurRad="38100" dist="25400" dir="5400000" algn="ctr" rotWithShape="0">
+                    <a:srgbClr val="6E747A">
+                      <a:alpha val="43000"/>
+                    </a:srgbClr>
+                  </a:outerShdw>
+                </a:effectLst>
+              </a:rPr>
+              <a:t>3:socket</a:t>
+            </a:r>
+            <a:endParaRPr lang="en-US" altLang="zh-CN">
+              <a:solidFill>
+                <a:schemeClr val="accent1"/>
+              </a:solidFill>
+              <a:effectLst>
+                <a:outerShdw blurRad="38100" dist="25400" dir="5400000" algn="ctr" rotWithShape="0">
+                  <a:srgbClr val="6E747A">
+                    <a:alpha val="43000"/>
+                  </a:srgbClr>
+                </a:outerShdw>
+              </a:effectLst>
+            </a:endParaRPr>
+          </a:p>
+        </p:txBody>
+      </p:sp>
+      <p:sp>
+        <p:nvSpPr>
+          <p:cNvPr id="23" name="文本框 22"/>
+          <p:cNvSpPr txBox="1"/>
+          <p:nvPr/>
+        </p:nvSpPr>
+        <p:spPr>
+          <a:xfrm>
+            <a:off x="4439285" y="3488055"/>
+            <a:ext cx="1769745" cy="368300"/>
+          </a:xfrm>
+          <a:prstGeom prst="rect">
+            <a:avLst/>
+          </a:prstGeom>
+          <a:noFill/>
+        </p:spPr>
+        <p:txBody>
+          <a:bodyPr wrap="square" rtlCol="0">
+            <a:spAutoFit/>
+            <a:scene3d>
+              <a:camera prst="orthographicFront"/>
+              <a:lightRig rig="threePt" dir="t"/>
+            </a:scene3d>
+          </a:bodyPr>
+          <a:p>
+            <a:r>
+              <a:rPr lang="en-US" altLang="zh-CN">
+                <a:solidFill>
+                  <a:schemeClr val="accent1"/>
+                </a:solidFill>
+                <a:effectLst>
+                  <a:outerShdw blurRad="38100" dist="25400" dir="5400000" algn="ctr" rotWithShape="0">
+                    <a:srgbClr val="6E747A">
+                      <a:alpha val="43000"/>
+                    </a:srgbClr>
+                  </a:outerShdw>
+                </a:effectLst>
+              </a:rPr>
+              <a:t>5.RequestURI</a:t>
+            </a:r>
+            <a:endParaRPr lang="en-US" altLang="zh-CN">
+              <a:solidFill>
+                <a:schemeClr val="accent1"/>
+              </a:solidFill>
+              <a:effectLst>
+                <a:outerShdw blurRad="38100" dist="25400" dir="5400000" algn="ctr" rotWithShape="0">
+                  <a:srgbClr val="6E747A">
+                    <a:alpha val="43000"/>
+                  </a:srgbClr>
+                </a:outerShdw>
+              </a:effectLst>
+            </a:endParaRPr>
+          </a:p>
+        </p:txBody>
+      </p:sp>
+      <p:sp>
+        <p:nvSpPr>
+          <p:cNvPr id="24" name="同侧圆角矩形 23"/>
+          <p:cNvSpPr/>
+          <p:nvPr/>
+        </p:nvSpPr>
+        <p:spPr>
+          <a:xfrm>
+            <a:off x="6444615" y="2689860"/>
+            <a:ext cx="2021205" cy="469900"/>
+          </a:xfrm>
+          <a:prstGeom prst="round2SameRect">
+            <a:avLst/>
+          </a:prstGeom>
+        </p:spPr>
+        <p:style>
+          <a:lnRef idx="2">
+            <a:schemeClr val="accent1">
+              <a:shade val="50000"/>
+            </a:schemeClr>
+          </a:lnRef>
+          <a:fillRef idx="1">
+            <a:schemeClr val="accent1"/>
+          </a:fillRef>
+          <a:effectRef idx="0">
+            <a:schemeClr val="accent1"/>
+          </a:effectRef>
+          <a:fontRef idx="minor">
+            <a:schemeClr val="lt1"/>
+          </a:fontRef>
+        </p:style>
+        <p:txBody>
+          <a:bodyPr rtlCol="0" anchor="ctr"/>
+          <a:p>
+            <a:pPr algn="ctr"/>
+            <a:r>
+              <a:rPr lang="en-US" altLang="zh-CN"/>
+              <a:t>HttpResponse</a:t>
+            </a:r>
+            <a:endParaRPr lang="en-US" altLang="zh-CN"/>
+          </a:p>
+        </p:txBody>
+      </p:sp>
+      <p:cxnSp>
+        <p:nvCxnSpPr>
+          <p:cNvPr id="25" name="直接箭头连接符 24"/>
+          <p:cNvCxnSpPr>
+            <a:stCxn id="24" idx="3"/>
+            <a:endCxn id="4" idx="0"/>
+          </p:cNvCxnSpPr>
+          <p:nvPr/>
+        </p:nvCxnSpPr>
+        <p:spPr>
+          <a:xfrm flipH="1" flipV="1">
+            <a:off x="5232400" y="1039495"/>
+            <a:ext cx="2223135" cy="1650365"/>
+          </a:xfrm>
+          <a:prstGeom prst="straightConnector1">
+            <a:avLst/>
+          </a:prstGeom>
+          <a:ln>
+            <a:tailEnd type="arrow"/>
+          </a:ln>
+        </p:spPr>
+        <p:style>
+          <a:lnRef idx="1">
+            <a:schemeClr val="accent1"/>
+          </a:lnRef>
+          <a:fillRef idx="0">
+            <a:schemeClr val="accent1"/>
+          </a:fillRef>
+          <a:effectRef idx="0">
+            <a:schemeClr val="accent1"/>
+          </a:effectRef>
+          <a:fontRef idx="minor">
+            <a:schemeClr val="tx1"/>
+          </a:fontRef>
+        </p:style>
+      </p:cxnSp>
+      <p:sp>
+        <p:nvSpPr>
+          <p:cNvPr id="11" name="矩形 10"/>
+          <p:cNvSpPr/>
+          <p:nvPr/>
+        </p:nvSpPr>
+        <p:spPr>
+          <a:xfrm>
+            <a:off x="3581400" y="4060825"/>
+            <a:ext cx="1837690" cy="431800"/>
+          </a:xfrm>
+          <a:prstGeom prst="rect">
+            <a:avLst/>
+          </a:prstGeom>
+        </p:spPr>
+        <p:style>
+          <a:lnRef idx="2">
+            <a:schemeClr val="accent1">
+              <a:shade val="50000"/>
+            </a:schemeClr>
+          </a:lnRef>
+          <a:fillRef idx="1">
+            <a:schemeClr val="accent1"/>
+          </a:fillRef>
+          <a:effectRef idx="0">
+            <a:schemeClr val="accent1"/>
+          </a:effectRef>
+          <a:fontRef idx="minor">
+            <a:schemeClr val="lt1"/>
+          </a:fontRef>
+        </p:style>
+        <p:txBody>
+          <a:bodyPr rtlCol="0" anchor="ctr"/>
+          <a:p>
+            <a:pPr algn="ctr"/>
+            <a:r>
+              <a:rPr lang="en-US" altLang="zh-CN"/>
+              <a:t>Servlet</a:t>
+            </a:r>
+            <a:endParaRPr lang="en-US" altLang="zh-CN"/>
+          </a:p>
+        </p:txBody>
+      </p:sp>
+      <p:cxnSp>
+        <p:nvCxnSpPr>
+          <p:cNvPr id="14" name="直接箭头连接符 13"/>
+          <p:cNvCxnSpPr>
+            <a:stCxn id="11" idx="3"/>
+            <a:endCxn id="24" idx="1"/>
+          </p:cNvCxnSpPr>
+          <p:nvPr/>
+        </p:nvCxnSpPr>
+        <p:spPr>
+          <a:xfrm flipV="1">
+            <a:off x="5419090" y="3159760"/>
+            <a:ext cx="2036445" cy="1116965"/>
+          </a:xfrm>
+          <a:prstGeom prst="straightConnector1">
+            <a:avLst/>
+          </a:prstGeom>
+          <a:ln>
+            <a:tailEnd type="arrow"/>
+          </a:ln>
+        </p:spPr>
+        <p:style>
+          <a:lnRef idx="1">
+            <a:schemeClr val="accent1"/>
+          </a:lnRef>
+          <a:fillRef idx="0">
+            <a:schemeClr val="accent1"/>
+          </a:fillRef>
+          <a:effectRef idx="0">
+            <a:schemeClr val="accent1"/>
+          </a:effectRef>
+          <a:fontRef idx="minor">
+            <a:schemeClr val="tx1"/>
+          </a:fontRef>
+        </p:style>
+      </p:cxnSp>
+      <p:cxnSp>
+        <p:nvCxnSpPr>
+          <p:cNvPr id="19" name="直接箭头连接符 18"/>
+          <p:cNvCxnSpPr>
+            <a:stCxn id="8" idx="2"/>
+            <a:endCxn id="11" idx="0"/>
+          </p:cNvCxnSpPr>
+          <p:nvPr/>
+        </p:nvCxnSpPr>
+        <p:spPr>
+          <a:xfrm>
+            <a:off x="4500245" y="3140710"/>
+            <a:ext cx="0" cy="920115"/>
+          </a:xfrm>
+          <a:prstGeom prst="straightConnector1">
+            <a:avLst/>
+          </a:prstGeom>
+          <a:ln>
+            <a:tailEnd type="arrow"/>
+          </a:ln>
+        </p:spPr>
+        <p:style>
+          <a:lnRef idx="1">
+            <a:schemeClr val="accent1"/>
+          </a:lnRef>
+          <a:fillRef idx="0">
+            <a:schemeClr val="accent1"/>
+          </a:fillRef>
+          <a:effectRef idx="0">
+            <a:schemeClr val="accent1"/>
+          </a:effectRef>
+          <a:fontRef idx="minor">
+            <a:schemeClr val="tx1"/>
+          </a:fontRef>
+        </p:style>
+      </p:cxnSp>
+      <p:sp>
+        <p:nvSpPr>
+          <p:cNvPr id="20" name="文本框 19"/>
+          <p:cNvSpPr txBox="1"/>
+          <p:nvPr/>
+        </p:nvSpPr>
+        <p:spPr>
+          <a:xfrm>
+            <a:off x="6209030" y="3788410"/>
+            <a:ext cx="1269365" cy="368300"/>
+          </a:xfrm>
+          <a:prstGeom prst="rect">
+            <a:avLst/>
+          </a:prstGeom>
+          <a:noFill/>
+        </p:spPr>
+        <p:txBody>
+          <a:bodyPr wrap="square" rtlCol="0">
+            <a:spAutoFit/>
+            <a:scene3d>
+              <a:camera prst="orthographicFront"/>
+              <a:lightRig rig="threePt" dir="t"/>
+            </a:scene3d>
+          </a:bodyPr>
+          <a:p>
+            <a:r>
+              <a:rPr lang="en-US" altLang="zh-CN">
+                <a:solidFill>
+                  <a:schemeClr val="accent1"/>
+                </a:solidFill>
+                <a:effectLst>
+                  <a:outerShdw blurRad="38100" dist="25400" dir="5400000" algn="ctr" rotWithShape="0">
+                    <a:srgbClr val="6E747A">
+                      <a:alpha val="43000"/>
+                    </a:srgbClr>
+                  </a:outerShdw>
+                </a:effectLst>
+              </a:rPr>
+              <a:t>6.file</a:t>
+            </a:r>
+            <a:endParaRPr lang="en-US" altLang="zh-CN">
+              <a:solidFill>
+                <a:schemeClr val="accent1"/>
+              </a:solidFill>
+              <a:effectLst>
+                <a:outerShdw blurRad="38100" dist="25400" dir="5400000" algn="ctr" rotWithShape="0">
+                  <a:srgbClr val="6E747A">
+                    <a:alpha val="43000"/>
+                  </a:srgbClr>
+                </a:outerShdw>
+              </a:effectLst>
+            </a:endParaRPr>
+          </a:p>
+        </p:txBody>
+      </p:sp>
+      <p:sp>
+        <p:nvSpPr>
+          <p:cNvPr id="22" name="文本框 21"/>
+          <p:cNvSpPr txBox="1"/>
+          <p:nvPr/>
+        </p:nvSpPr>
+        <p:spPr>
+          <a:xfrm>
+            <a:off x="6186170" y="1303655"/>
+            <a:ext cx="1269365" cy="368300"/>
+          </a:xfrm>
+          <a:prstGeom prst="rect">
+            <a:avLst/>
+          </a:prstGeom>
+          <a:noFill/>
+        </p:spPr>
+        <p:txBody>
+          <a:bodyPr wrap="square" rtlCol="0">
+            <a:spAutoFit/>
+            <a:scene3d>
+              <a:camera prst="orthographicFront"/>
+              <a:lightRig rig="threePt" dir="t"/>
+            </a:scene3d>
+          </a:bodyPr>
+          <a:p>
+            <a:r>
+              <a:rPr lang="en-US" altLang="zh-CN">
+                <a:solidFill>
+                  <a:schemeClr val="accent1"/>
+                </a:solidFill>
+                <a:effectLst>
+                  <a:outerShdw blurRad="38100" dist="25400" dir="5400000" algn="ctr" rotWithShape="0">
+                    <a:srgbClr val="6E747A">
+                      <a:alpha val="43000"/>
+                    </a:srgbClr>
+                  </a:outerShdw>
+                </a:effectLst>
+              </a:rPr>
+              <a:t>7.file</a:t>
+            </a:r>
+            <a:endParaRPr lang="en-US" altLang="zh-CN">
+              <a:solidFill>
+                <a:schemeClr val="accent1"/>
+              </a:solidFill>
+              <a:effectLst>
+                <a:outerShdw blurRad="38100" dist="25400" dir="5400000" algn="ctr" rotWithShape="0">
+                  <a:srgbClr val="6E747A">
+                    <a:alpha val="43000"/>
+                  </a:srgbClr>
+                </a:outerShdw>
+              </a:effectLst>
+            </a:endParaRPr>
+          </a:p>
+        </p:txBody>
+      </p:sp>
+    </p:spTree>
+  </p:cSld>
+  <p:clrMapOvr>
+    <a:masterClrMapping/>
+  </p:clrMapOvr>
+</p:sld>
+</file>
+
+<file path=ppt/slides/slide33.xml><?xml version="1.0" encoding="utf-8"?>
 <p:sld xmlns:a="http://schemas.openxmlformats.org/drawingml/2006/main" xmlns:r="http://schemas.openxmlformats.org/officeDocument/2006/relationships" xmlns:p="http://schemas.openxmlformats.org/presentationml/2006/main">
   <p:cSld>
     <p:spTree>

--- a/WebServer.pptx
+++ b/WebServer.pptx
@@ -6386,11 +6386,7 @@
             </a:r>
             <a:r>
               <a:rPr lang="zh-CN" altLang="en-US" dirty="0" smtClean="0"/>
-              <a:t>静态</a:t>
-            </a:r>
-            <a:r>
-              <a:rPr lang="zh-CN" altLang="en-US" dirty="0" smtClean="0"/>
-              <a:t>类</a:t>
+              <a:t>静态类</a:t>
             </a:r>
             <a:endParaRPr lang="en-US" altLang="zh-CN" dirty="0" smtClean="0"/>
           </a:p>
@@ -6570,31 +6566,21 @@
             </a:r>
             <a:r>
               <a:rPr lang="zh-CN" altLang="en-US" dirty="0" smtClean="0"/>
-              <a:t>构造</a:t>
-            </a:r>
-            <a:r>
-              <a:rPr lang="zh-CN" altLang="en-US" dirty="0" smtClean="0"/>
-              <a:t>器</a:t>
+              <a:t>构造器</a:t>
             </a:r>
             <a:endParaRPr lang="en-US" altLang="zh-CN" dirty="0" smtClean="0"/>
           </a:p>
           <a:p>
             <a:r>
               <a:rPr lang="en-US" altLang="zh-CN" dirty="0" smtClean="0"/>
-              <a:t>2.public void start</a:t>
-            </a:r>
-            <a:r>
-              <a:rPr lang="en-US" altLang="zh-CN" dirty="0" smtClean="0"/>
-              <a:t>()</a:t>
-            </a:r>
-            <a:endParaRPr lang="en-US" altLang="zh-CN" dirty="0" smtClean="0"/>
+              <a:t>2.public void start()</a:t>
+            </a:r>
           </a:p>
           <a:p>
             <a:r>
               <a:rPr lang="en-US" altLang="zh-CN" dirty="0" smtClean="0"/>
               <a:t>3.main</a:t>
             </a:r>
-            <a:endParaRPr lang="en-US" altLang="zh-CN" dirty="0" smtClean="0"/>
           </a:p>
         </p:txBody>
       </p:sp>
@@ -6696,26 +6682,18 @@
             </a:r>
             <a:r>
               <a:rPr lang="zh-CN" altLang="en-US" dirty="0" smtClean="0"/>
-              <a:t>构造</a:t>
+              <a:t>构造器</a:t>
+            </a:r>
+            <a:endParaRPr lang="en-US" altLang="zh-CN" dirty="0" smtClean="0"/>
+          </a:p>
+          <a:p>
+            <a:r>
+              <a:rPr lang="en-US" altLang="zh-CN" dirty="0" smtClean="0"/>
+              <a:t>2.public void run</a:t>
             </a:r>
             <a:r>
               <a:rPr lang="zh-CN" altLang="en-US" dirty="0" smtClean="0"/>
-              <a:t>器</a:t>
-            </a:r>
-            <a:endParaRPr lang="en-US" altLang="zh-CN" dirty="0" smtClean="0"/>
-          </a:p>
-          <a:p>
-            <a:r>
-              <a:rPr lang="en-US" altLang="zh-CN" dirty="0" smtClean="0"/>
-              <a:t>2.public void run</a:t>
-            </a:r>
-            <a:r>
-              <a:rPr lang="zh-CN" altLang="en-US" dirty="0" smtClean="0"/>
-              <a:t>（</a:t>
-            </a:r>
-            <a:r>
-              <a:rPr lang="zh-CN" altLang="en-US" dirty="0" smtClean="0"/>
-              <a:t>）</a:t>
+              <a:t>（）</a:t>
             </a:r>
             <a:endParaRPr lang="en-US" altLang="zh-CN" dirty="0" smtClean="0"/>
           </a:p>
@@ -6817,11 +6795,7 @@
             </a:r>
             <a:r>
               <a:rPr lang="zh-CN" altLang="en-US" dirty="0" smtClean="0"/>
-              <a:t>构造</a:t>
-            </a:r>
-            <a:r>
-              <a:rPr lang="zh-CN" altLang="en-US" dirty="0" smtClean="0"/>
-              <a:t>器</a:t>
+              <a:t>构造器</a:t>
             </a:r>
             <a:endParaRPr lang="en-US" altLang="zh-CN" dirty="0" smtClean="0"/>
           </a:p>
@@ -6846,7 +6820,6 @@
               <a:rPr lang="en-US" altLang="zh-CN" dirty="0" smtClean="0"/>
               <a:t>()</a:t>
             </a:r>
-            <a:endParaRPr lang="en-US" altLang="zh-CN" dirty="0" smtClean="0"/>
           </a:p>
         </p:txBody>
       </p:sp>
@@ -6956,7 +6929,6 @@
               <a:rPr lang="en-US" altLang="zh-CN" dirty="0" smtClean="0"/>
               <a:t>()</a:t>
             </a:r>
-            <a:endParaRPr lang="en-US" altLang="zh-CN" dirty="0" smtClean="0"/>
           </a:p>
           <a:p>
             <a:r>
@@ -7177,7 +7149,6 @@
               <a:rPr lang="en-US" altLang="zh-CN" dirty="0" smtClean="0"/>
               <a:t>()</a:t>
             </a:r>
-            <a:endParaRPr lang="en-US" altLang="zh-CN" dirty="0" smtClean="0"/>
           </a:p>
           <a:p>
             <a:r>
@@ -8543,11 +8514,7 @@
           <a:p>
             <a:r>
               <a:rPr lang="zh-CN" altLang="en-US" dirty="0" smtClean="0"/>
-              <a:t>部分方法</a:t>
-            </a:r>
-            <a:r>
-              <a:rPr lang="zh-CN" altLang="en-US" dirty="0" smtClean="0"/>
-              <a:t>的简化</a:t>
+              <a:t>部分方法的简化</a:t>
             </a:r>
             <a:endParaRPr lang="zh-CN" altLang="en-US" dirty="0"/>
           </a:p>
@@ -8580,11 +8547,7 @@
             </a:r>
             <a:r>
               <a:rPr lang="zh-CN" altLang="en-US" sz="8000" dirty="0" smtClean="0"/>
-              <a:t>方法</a:t>
-            </a:r>
-            <a:r>
-              <a:rPr lang="zh-CN" altLang="en-US" sz="8000" dirty="0" smtClean="0"/>
-              <a:t>的简化</a:t>
+              <a:t>方法的简化</a:t>
             </a:r>
             <a:endParaRPr lang="en-US" altLang="zh-CN" sz="8000" dirty="0" smtClean="0"/>
           </a:p>
@@ -8676,11 +8639,7 @@
             </a:r>
             <a:r>
               <a:rPr lang="zh-CN" altLang="en-US" dirty="0" smtClean="0"/>
-              <a:t>方法</a:t>
-            </a:r>
-            <a:r>
-              <a:rPr lang="zh-CN" altLang="en-US" dirty="0" smtClean="0"/>
-              <a:t>的简化</a:t>
+              <a:t>方法的简化</a:t>
             </a:r>
             <a:endParaRPr lang="zh-CN" dirty="0"/>
           </a:p>
@@ -8974,11 +8933,7 @@
           <a:p>
             <a:r>
               <a:rPr lang="en-US" altLang="zh-CN" dirty="0" smtClean="0"/>
-              <a:t>1</a:t>
-            </a:r>
-            <a:r>
-              <a:rPr lang="en-US" altLang="zh-CN" dirty="0" smtClean="0"/>
-              <a:t>.</a:t>
+              <a:t>1.</a:t>
             </a:r>
             <a:r>
               <a:rPr lang="zh-CN" altLang="en-US" dirty="0" smtClean="0"/>
@@ -9374,11 +9329,7 @@
             </a:r>
             <a:r>
               <a:rPr lang="zh-CN" altLang="en-US" dirty="0" smtClean="0"/>
-              <a:t>的思</a:t>
-            </a:r>
-            <a:r>
-              <a:rPr lang="zh-CN" altLang="en-US" dirty="0" smtClean="0"/>
-              <a:t>路</a:t>
+              <a:t>的思路</a:t>
             </a:r>
             <a:endParaRPr lang="zh-CN" dirty="0"/>
           </a:p>
@@ -9487,11 +9438,7 @@
             </a:r>
             <a:r>
               <a:rPr lang="zh-CN" altLang="en-US" dirty="0" smtClean="0"/>
-              <a:t>的思</a:t>
-            </a:r>
-            <a:r>
-              <a:rPr lang="zh-CN" altLang="en-US" dirty="0" smtClean="0"/>
-              <a:t>路</a:t>
+              <a:t>的思路</a:t>
             </a:r>
             <a:endParaRPr lang="zh-CN" dirty="0"/>
           </a:p>
@@ -10879,6 +10826,48 @@
             <a:endParaRPr lang="en-US" altLang="zh-CN" sz="2400" dirty="0" smtClean="0"/>
           </a:p>
           <a:p>
+            <a:r>
+              <a:rPr lang="en-US" altLang="zh-CN" sz="2400" dirty="0" smtClean="0"/>
+              <a:t>5.</a:t>
+            </a:r>
+            <a:r>
+              <a:rPr lang="zh-CN" altLang="en-US" sz="2400" dirty="0" smtClean="0"/>
+              <a:t>网</a:t>
+            </a:r>
+            <a:r>
+              <a:rPr lang="zh-CN" altLang="en-US" sz="2400" dirty="0" smtClean="0"/>
+              <a:t>页打不开</a:t>
+            </a:r>
+            <a:endParaRPr lang="en-US" altLang="zh-CN" sz="2400" dirty="0" smtClean="0"/>
+          </a:p>
+          <a:p>
+            <a:r>
+              <a:rPr lang="en-US" altLang="zh-CN" sz="2400" dirty="0" smtClean="0"/>
+              <a:t>Bug</a:t>
+            </a:r>
+            <a:r>
+              <a:rPr lang="zh-CN" altLang="en-US" sz="2400" dirty="0" smtClean="0"/>
+              <a:t>原因：</a:t>
+            </a:r>
+            <a:r>
+              <a:rPr lang="en-US" altLang="zh-CN" sz="2400" dirty="0" err="1" smtClean="0"/>
+              <a:t>HttpRequest</a:t>
+            </a:r>
+            <a:r>
+              <a:rPr lang="zh-CN" altLang="en-US" sz="2400" dirty="0" smtClean="0"/>
+              <a:t>写错了或者</a:t>
+            </a:r>
+            <a:r>
+              <a:rPr lang="en-US" altLang="zh-CN" sz="2400" dirty="0" err="1" smtClean="0"/>
+              <a:t>HttpResponse</a:t>
+            </a:r>
+            <a:r>
+              <a:rPr lang="zh-CN" altLang="en-US" sz="2400" smtClean="0"/>
+              <a:t>写错了或者某些方法没有调用</a:t>
+            </a:r>
+            <a:endParaRPr lang="en-US" altLang="zh-CN" sz="2400" dirty="0" smtClean="0"/>
+          </a:p>
+          <a:p>
             <a:endParaRPr lang="en-US" altLang="zh-CN" sz="2000" dirty="0" smtClean="0"/>
           </a:p>
         </p:txBody>
@@ -11495,22 +11484,7 @@
                   </a:outerShdw>
                 </a:effectLst>
               </a:rPr>
-              <a:t> </a:t>
-            </a:r>
-            <a:r>
-              <a:rPr lang="en-US" altLang="zh-CN" dirty="0" smtClean="0">
-                <a:solidFill>
-                  <a:schemeClr val="accent1"/>
-                </a:solidFill>
-                <a:effectLst>
-                  <a:outerShdw blurRad="38100" dist="25400" dir="5400000" algn="ctr" rotWithShape="0">
-                    <a:srgbClr val="6E747A">
-                      <a:alpha val="43000"/>
-                    </a:srgbClr>
-                  </a:outerShdw>
-                </a:effectLst>
-              </a:rPr>
-              <a:t>  parameter</a:t>
+              <a:t>   parameter</a:t>
             </a:r>
             <a:endParaRPr lang="en-US" altLang="zh-CN" dirty="0">
               <a:solidFill>
@@ -12912,7 +12886,7 @@
   <a:extraClrSchemeLst/>
   <a:extLst>
     <a:ext uri="{05A4C25C-085E-4340-85A3-A5531E510DB2}">
-      <thm15:themeFamily xmlns:thm15="http://schemas.microsoft.com/office/thememl/2012/main" xmlns="" name="Office Theme" id="{62F939B6-93AF-4DB8-9C6B-D6C7DFDC589F}" vid="{4A3C46E8-61CC-4603-A589-7422A47A8E4A}"/>
+      <thm15:themeFamily xmlns="" xmlns:thm15="http://schemas.microsoft.com/office/thememl/2012/main" name="Office Theme" id="{62F939B6-93AF-4DB8-9C6B-D6C7DFDC589F}" vid="{4A3C46E8-61CC-4603-A589-7422A47A8E4A}"/>
     </a:ext>
   </a:extLst>
 </a:theme>
@@ -13197,7 +13171,7 @@
   <a:extraClrSchemeLst/>
   <a:extLst>
     <a:ext uri="{05A4C25C-085E-4340-85A3-A5531E510DB2}">
-      <thm15:themeFamily xmlns:thm15="http://schemas.microsoft.com/office/thememl/2012/main" xmlns="" name="Office Theme" id="{62F939B6-93AF-4DB8-9C6B-D6C7DFDC589F}" vid="{4A3C46E8-61CC-4603-A589-7422A47A8E4A}"/>
+      <thm15:themeFamily xmlns="" xmlns:thm15="http://schemas.microsoft.com/office/thememl/2012/main" name="Office Theme" id="{62F939B6-93AF-4DB8-9C6B-D6C7DFDC589F}" vid="{4A3C46E8-61CC-4603-A589-7422A47A8E4A}"/>
     </a:ext>
   </a:extLst>
 </a:theme>
